--- a/Coding/Go/中间件/Elasticsearch/03-核心概念/03-核心概念/课件/核心概念.pptx
+++ b/Coding/Go/中间件/Elasticsearch/03-核心概念/03-核心概念/课件/核心概念.pptx
@@ -1,38 +1,41 @@
 
 <file path=ppt/presentation.xml><?xml version="1.0" encoding="utf-8"?>
-<p:presentation xmlns:a="http://schemas.openxmlformats.org/drawingml/2006/main" xmlns:r="http://schemas.openxmlformats.org/officeDocument/2006/relationships" xmlns:p="http://schemas.openxmlformats.org/presentationml/2006/main" xmlns:m="http://schemas.openxmlformats.org/officeDocument/2006/math" xmlns:a14="http://schemas.microsoft.com/office/drawing/2010/main">
+<p:presentation xmlns:a="http://schemas.openxmlformats.org/drawingml/2006/main" xmlns:r="http://schemas.openxmlformats.org/officeDocument/2006/relationships" xmlns:p="http://schemas.openxmlformats.org/presentationml/2006/main">
   <p:sldMasterIdLst>
-    <p:sldMasterId id="2147483648" r:id="rId5"/>
+    <p:sldMasterId id="2147483648" r:id="rId1"/>
   </p:sldMasterIdLst>
   <p:notesMasterIdLst>
-    <p:notesMasterId r:id="rId7"/>
+    <p:notesMasterId r:id="rId25"/>
   </p:notesMasterIdLst>
   <p:sldIdLst>
-    <p:sldId id="256" r:id="rId8"/>
-    <p:sldId id="257" r:id="rId9"/>
-    <p:sldId id="258" r:id="rId10"/>
-    <p:sldId id="259" r:id="rId11"/>
-    <p:sldId id="260" r:id="rId12"/>
-    <p:sldId id="261" r:id="rId13"/>
-    <p:sldId id="262" r:id="rId14"/>
-    <p:sldId id="263" r:id="rId15"/>
-    <p:sldId id="264" r:id="rId16"/>
-    <p:sldId id="265" r:id="rId17"/>
-    <p:sldId id="266" r:id="rId18"/>
-    <p:sldId id="267" r:id="rId19"/>
-    <p:sldId id="268" r:id="rId20"/>
-    <p:sldId id="269" r:id="rId21"/>
-    <p:sldId id="270" r:id="rId22"/>
-    <p:sldId id="271" r:id="rId23"/>
-    <p:sldId id="272" r:id="rId24"/>
-    <p:sldId id="273" r:id="rId25"/>
-    <p:sldId id="274" r:id="rId26"/>
-    <p:sldId id="275" r:id="rId27"/>
-    <p:sldId id="276" r:id="rId28"/>
-    <p:sldId id="277" r:id="rId29"/>
+    <p:sldId id="256" r:id="rId3"/>
+    <p:sldId id="257" r:id="rId4"/>
+    <p:sldId id="258" r:id="rId5"/>
+    <p:sldId id="259" r:id="rId6"/>
+    <p:sldId id="260" r:id="rId7"/>
+    <p:sldId id="261" r:id="rId8"/>
+    <p:sldId id="262" r:id="rId9"/>
+    <p:sldId id="263" r:id="rId10"/>
+    <p:sldId id="264" r:id="rId11"/>
+    <p:sldId id="265" r:id="rId12"/>
+    <p:sldId id="266" r:id="rId13"/>
+    <p:sldId id="267" r:id="rId14"/>
+    <p:sldId id="268" r:id="rId15"/>
+    <p:sldId id="269" r:id="rId16"/>
+    <p:sldId id="270" r:id="rId17"/>
+    <p:sldId id="271" r:id="rId18"/>
+    <p:sldId id="272" r:id="rId19"/>
+    <p:sldId id="273" r:id="rId20"/>
+    <p:sldId id="274" r:id="rId21"/>
+    <p:sldId id="275" r:id="rId22"/>
+    <p:sldId id="276" r:id="rId23"/>
+    <p:sldId id="277" r:id="rId24"/>
   </p:sldIdLst>
   <p:sldSz cx="12192000" cy="6858000"/>
   <p:notesSz cx="6858000" cy="9144000"/>
+  <p:custDataLst>
+    <p:tags r:id="rId29"/>
+  </p:custDataLst>
   <p:defaultTextStyle>
     <a:defPPr marL="0" marR="0" indent="0" algn="l" defTabSz="914400" rtl="0" fontAlgn="auto" latinLnBrk="1" hangingPunct="0">
       <a:lnSpc>
@@ -48,8 +51,7 @@
       <a:buSzTx/>
       <a:buFontTx/>
       <a:buNone/>
-      <a:tabLst/>
-      <a:defRPr b="0" baseline="0" cap="none" i="0" spc="0" strike="noStrike" sz="1800" u="none" kumimoji="0" normalizeH="0">
+      <a:defRPr kumimoji="0" sz="1800" b="0" i="0" u="none" strike="noStrike" cap="none" spc="0" normalizeH="0" baseline="0">
         <a:ln>
           <a:noFill/>
         </a:ln>
@@ -74,8 +76,7 @@
       <a:buSzTx/>
       <a:buFontTx/>
       <a:buNone/>
-      <a:tabLst/>
-      <a:defRPr b="0" baseline="0" cap="none" i="0" spc="0" strike="noStrike" sz="2400" u="none" kumimoji="0" normalizeH="0">
+      <a:defRPr kumimoji="0" sz="2400" b="0" i="0" u="none" strike="noStrike" cap="none" spc="0" normalizeH="0" baseline="0">
         <a:ln>
           <a:noFill/>
         </a:ln>
@@ -84,10 +85,10 @@
         </a:solidFill>
         <a:effectLst/>
         <a:uFillTx/>
-        <a:latin typeface="Arial"/>
-        <a:ea typeface="Arial"/>
-        <a:cs typeface="Arial"/>
-        <a:sym typeface="Arial"/>
+        <a:latin typeface="Arial" panose="020B0604020202020204"/>
+        <a:ea typeface="Arial" panose="020B0604020202020204"/>
+        <a:cs typeface="Arial" panose="020B0604020202020204"/>
+        <a:sym typeface="Arial" panose="020B0604020202020204"/>
       </a:defRPr>
     </a:lvl1pPr>
     <a:lvl2pPr marL="0" marR="0" indent="457200" algn="l" defTabSz="914400" rtl="0" fontAlgn="auto" latinLnBrk="0" hangingPunct="0">
@@ -104,8 +105,7 @@
       <a:buSzTx/>
       <a:buFontTx/>
       <a:buNone/>
-      <a:tabLst/>
-      <a:defRPr b="0" baseline="0" cap="none" i="0" spc="0" strike="noStrike" sz="2400" u="none" kumimoji="0" normalizeH="0">
+      <a:defRPr kumimoji="0" sz="2400" b="0" i="0" u="none" strike="noStrike" cap="none" spc="0" normalizeH="0" baseline="0">
         <a:ln>
           <a:noFill/>
         </a:ln>
@@ -114,10 +114,10 @@
         </a:solidFill>
         <a:effectLst/>
         <a:uFillTx/>
-        <a:latin typeface="Arial"/>
-        <a:ea typeface="Arial"/>
-        <a:cs typeface="Arial"/>
-        <a:sym typeface="Arial"/>
+        <a:latin typeface="Arial" panose="020B0604020202020204"/>
+        <a:ea typeface="Arial" panose="020B0604020202020204"/>
+        <a:cs typeface="Arial" panose="020B0604020202020204"/>
+        <a:sym typeface="Arial" panose="020B0604020202020204"/>
       </a:defRPr>
     </a:lvl2pPr>
     <a:lvl3pPr marL="0" marR="0" indent="914400" algn="l" defTabSz="914400" rtl="0" fontAlgn="auto" latinLnBrk="0" hangingPunct="0">
@@ -134,8 +134,7 @@
       <a:buSzTx/>
       <a:buFontTx/>
       <a:buNone/>
-      <a:tabLst/>
-      <a:defRPr b="0" baseline="0" cap="none" i="0" spc="0" strike="noStrike" sz="2400" u="none" kumimoji="0" normalizeH="0">
+      <a:defRPr kumimoji="0" sz="2400" b="0" i="0" u="none" strike="noStrike" cap="none" spc="0" normalizeH="0" baseline="0">
         <a:ln>
           <a:noFill/>
         </a:ln>
@@ -144,10 +143,10 @@
         </a:solidFill>
         <a:effectLst/>
         <a:uFillTx/>
-        <a:latin typeface="Arial"/>
-        <a:ea typeface="Arial"/>
-        <a:cs typeface="Arial"/>
-        <a:sym typeface="Arial"/>
+        <a:latin typeface="Arial" panose="020B0604020202020204"/>
+        <a:ea typeface="Arial" panose="020B0604020202020204"/>
+        <a:cs typeface="Arial" panose="020B0604020202020204"/>
+        <a:sym typeface="Arial" panose="020B0604020202020204"/>
       </a:defRPr>
     </a:lvl3pPr>
     <a:lvl4pPr marL="0" marR="0" indent="1371600" algn="l" defTabSz="914400" rtl="0" fontAlgn="auto" latinLnBrk="0" hangingPunct="0">
@@ -164,8 +163,7 @@
       <a:buSzTx/>
       <a:buFontTx/>
       <a:buNone/>
-      <a:tabLst/>
-      <a:defRPr b="0" baseline="0" cap="none" i="0" spc="0" strike="noStrike" sz="2400" u="none" kumimoji="0" normalizeH="0">
+      <a:defRPr kumimoji="0" sz="2400" b="0" i="0" u="none" strike="noStrike" cap="none" spc="0" normalizeH="0" baseline="0">
         <a:ln>
           <a:noFill/>
         </a:ln>
@@ -174,10 +172,10 @@
         </a:solidFill>
         <a:effectLst/>
         <a:uFillTx/>
-        <a:latin typeface="Arial"/>
-        <a:ea typeface="Arial"/>
-        <a:cs typeface="Arial"/>
-        <a:sym typeface="Arial"/>
+        <a:latin typeface="Arial" panose="020B0604020202020204"/>
+        <a:ea typeface="Arial" panose="020B0604020202020204"/>
+        <a:cs typeface="Arial" panose="020B0604020202020204"/>
+        <a:sym typeface="Arial" panose="020B0604020202020204"/>
       </a:defRPr>
     </a:lvl4pPr>
     <a:lvl5pPr marL="0" marR="0" indent="1828800" algn="l" defTabSz="914400" rtl="0" fontAlgn="auto" latinLnBrk="0" hangingPunct="0">
@@ -194,8 +192,7 @@
       <a:buSzTx/>
       <a:buFontTx/>
       <a:buNone/>
-      <a:tabLst/>
-      <a:defRPr b="0" baseline="0" cap="none" i="0" spc="0" strike="noStrike" sz="2400" u="none" kumimoji="0" normalizeH="0">
+      <a:defRPr kumimoji="0" sz="2400" b="0" i="0" u="none" strike="noStrike" cap="none" spc="0" normalizeH="0" baseline="0">
         <a:ln>
           <a:noFill/>
         </a:ln>
@@ -204,10 +201,10 @@
         </a:solidFill>
         <a:effectLst/>
         <a:uFillTx/>
-        <a:latin typeface="Arial"/>
-        <a:ea typeface="Arial"/>
-        <a:cs typeface="Arial"/>
-        <a:sym typeface="Arial"/>
+        <a:latin typeface="Arial" panose="020B0604020202020204"/>
+        <a:ea typeface="Arial" panose="020B0604020202020204"/>
+        <a:cs typeface="Arial" panose="020B0604020202020204"/>
+        <a:sym typeface="Arial" panose="020B0604020202020204"/>
       </a:defRPr>
     </a:lvl5pPr>
     <a:lvl6pPr marL="0" marR="0" indent="2286000" algn="l" defTabSz="914400" rtl="0" fontAlgn="auto" latinLnBrk="0" hangingPunct="0">
@@ -224,8 +221,7 @@
       <a:buSzTx/>
       <a:buFontTx/>
       <a:buNone/>
-      <a:tabLst/>
-      <a:defRPr b="0" baseline="0" cap="none" i="0" spc="0" strike="noStrike" sz="2400" u="none" kumimoji="0" normalizeH="0">
+      <a:defRPr kumimoji="0" sz="2400" b="0" i="0" u="none" strike="noStrike" cap="none" spc="0" normalizeH="0" baseline="0">
         <a:ln>
           <a:noFill/>
         </a:ln>
@@ -234,10 +230,10 @@
         </a:solidFill>
         <a:effectLst/>
         <a:uFillTx/>
-        <a:latin typeface="Arial"/>
-        <a:ea typeface="Arial"/>
-        <a:cs typeface="Arial"/>
-        <a:sym typeface="Arial"/>
+        <a:latin typeface="Arial" panose="020B0604020202020204"/>
+        <a:ea typeface="Arial" panose="020B0604020202020204"/>
+        <a:cs typeface="Arial" panose="020B0604020202020204"/>
+        <a:sym typeface="Arial" panose="020B0604020202020204"/>
       </a:defRPr>
     </a:lvl6pPr>
     <a:lvl7pPr marL="0" marR="0" indent="2743200" algn="l" defTabSz="914400" rtl="0" fontAlgn="auto" latinLnBrk="0" hangingPunct="0">
@@ -254,8 +250,7 @@
       <a:buSzTx/>
       <a:buFontTx/>
       <a:buNone/>
-      <a:tabLst/>
-      <a:defRPr b="0" baseline="0" cap="none" i="0" spc="0" strike="noStrike" sz="2400" u="none" kumimoji="0" normalizeH="0">
+      <a:defRPr kumimoji="0" sz="2400" b="0" i="0" u="none" strike="noStrike" cap="none" spc="0" normalizeH="0" baseline="0">
         <a:ln>
           <a:noFill/>
         </a:ln>
@@ -264,10 +259,10 @@
         </a:solidFill>
         <a:effectLst/>
         <a:uFillTx/>
-        <a:latin typeface="Arial"/>
-        <a:ea typeface="Arial"/>
-        <a:cs typeface="Arial"/>
-        <a:sym typeface="Arial"/>
+        <a:latin typeface="Arial" panose="020B0604020202020204"/>
+        <a:ea typeface="Arial" panose="020B0604020202020204"/>
+        <a:cs typeface="Arial" panose="020B0604020202020204"/>
+        <a:sym typeface="Arial" panose="020B0604020202020204"/>
       </a:defRPr>
     </a:lvl7pPr>
     <a:lvl8pPr marL="0" marR="0" indent="3200400" algn="l" defTabSz="914400" rtl="0" fontAlgn="auto" latinLnBrk="0" hangingPunct="0">
@@ -284,8 +279,7 @@
       <a:buSzTx/>
       <a:buFontTx/>
       <a:buNone/>
-      <a:tabLst/>
-      <a:defRPr b="0" baseline="0" cap="none" i="0" spc="0" strike="noStrike" sz="2400" u="none" kumimoji="0" normalizeH="0">
+      <a:defRPr kumimoji="0" sz="2400" b="0" i="0" u="none" strike="noStrike" cap="none" spc="0" normalizeH="0" baseline="0">
         <a:ln>
           <a:noFill/>
         </a:ln>
@@ -294,10 +288,10 @@
         </a:solidFill>
         <a:effectLst/>
         <a:uFillTx/>
-        <a:latin typeface="Arial"/>
-        <a:ea typeface="Arial"/>
-        <a:cs typeface="Arial"/>
-        <a:sym typeface="Arial"/>
+        <a:latin typeface="Arial" panose="020B0604020202020204"/>
+        <a:ea typeface="Arial" panose="020B0604020202020204"/>
+        <a:cs typeface="Arial" panose="020B0604020202020204"/>
+        <a:sym typeface="Arial" panose="020B0604020202020204"/>
       </a:defRPr>
     </a:lvl8pPr>
     <a:lvl9pPr marL="0" marR="0" indent="3657600" algn="l" defTabSz="914400" rtl="0" fontAlgn="auto" latinLnBrk="0" hangingPunct="0">
@@ -314,8 +308,7 @@
       <a:buSzTx/>
       <a:buFontTx/>
       <a:buNone/>
-      <a:tabLst/>
-      <a:defRPr b="0" baseline="0" cap="none" i="0" spc="0" strike="noStrike" sz="2400" u="none" kumimoji="0" normalizeH="0">
+      <a:defRPr kumimoji="0" sz="2400" b="0" i="0" u="none" strike="noStrike" cap="none" spc="0" normalizeH="0" baseline="0">
         <a:ln>
           <a:noFill/>
         </a:ln>
@@ -324,23 +317,24 @@
         </a:solidFill>
         <a:effectLst/>
         <a:uFillTx/>
-        <a:latin typeface="Arial"/>
-        <a:ea typeface="Arial"/>
-        <a:cs typeface="Arial"/>
-        <a:sym typeface="Arial"/>
+        <a:latin typeface="Arial" panose="020B0604020202020204"/>
+        <a:ea typeface="Arial" panose="020B0604020202020204"/>
+        <a:cs typeface="Arial" panose="020B0604020202020204"/>
+        <a:sym typeface="Arial" panose="020B0604020202020204"/>
       </a:defRPr>
     </a:lvl9pPr>
   </p:defaultTextStyle>
 </p:presentation>
 </file>
 
-<file path=ppt/commentAuthors.xml><?xml version="1.0" encoding="utf-8"?>
-<p:cmAuthorLst xmlns:a="http://schemas.openxmlformats.org/drawingml/2006/main" xmlns:r="http://schemas.openxmlformats.org/officeDocument/2006/relationships" xmlns:p="http://schemas.openxmlformats.org/presentationml/2006/main" xmlns:m="http://schemas.openxmlformats.org/officeDocument/2006/math" xmlns:a14="http://schemas.microsoft.com/office/drawing/2010/main"/>
-</file>
-
 <file path=ppt/notesMasters/notesMaster1.xml><?xml version="1.0" encoding="utf-8"?>
-<p:notesMaster xmlns:a="http://schemas.openxmlformats.org/drawingml/2006/main" xmlns:r="http://schemas.openxmlformats.org/officeDocument/2006/relationships" xmlns:p="http://schemas.openxmlformats.org/presentationml/2006/main" xmlns:m="http://schemas.openxmlformats.org/officeDocument/2006/math" xmlns:a14="http://schemas.microsoft.com/office/drawing/2010/main">
+<p:notesMaster xmlns:a="http://schemas.openxmlformats.org/drawingml/2006/main" xmlns:r="http://schemas.openxmlformats.org/officeDocument/2006/relationships" xmlns:p="http://schemas.openxmlformats.org/presentationml/2006/main">
   <p:cSld>
+    <p:bg>
+      <p:bgRef idx="1001">
+        <a:schemeClr val="bg1"/>
+      </p:bgRef>
+    </p:bg>
     <p:spTree>
       <p:nvGrpSpPr>
         <p:cNvPr id="1" name=""/>
@@ -375,9 +369,7 @@
         <p:txBody>
           <a:bodyPr/>
           <a:lstStyle/>
-          <a:p>
-            <a:pPr/>
-          </a:p>
+          <a:p/>
         </p:txBody>
       </p:sp>
       <p:sp>
@@ -400,9 +392,7 @@
         <p:txBody>
           <a:bodyPr/>
           <a:lstStyle/>
-          <a:p>
-            <a:pPr/>
-          </a:p>
+          <a:p/>
         </p:txBody>
       </p:sp>
     </p:spTree>
@@ -414,7 +404,7 @@
         <a:latin typeface="+mj-lt"/>
         <a:ea typeface="+mj-ea"/>
         <a:cs typeface="+mj-cs"/>
-        <a:sym typeface="Calibri"/>
+        <a:sym typeface="Calibri" panose="020F0502020204030204"/>
       </a:defRPr>
     </a:lvl1pPr>
     <a:lvl2pPr indent="228600" latinLnBrk="0">
@@ -422,7 +412,7 @@
         <a:latin typeface="+mj-lt"/>
         <a:ea typeface="+mj-ea"/>
         <a:cs typeface="+mj-cs"/>
-        <a:sym typeface="Calibri"/>
+        <a:sym typeface="Calibri" panose="020F0502020204030204"/>
       </a:defRPr>
     </a:lvl2pPr>
     <a:lvl3pPr indent="457200" latinLnBrk="0">
@@ -430,7 +420,7 @@
         <a:latin typeface="+mj-lt"/>
         <a:ea typeface="+mj-ea"/>
         <a:cs typeface="+mj-cs"/>
-        <a:sym typeface="Calibri"/>
+        <a:sym typeface="Calibri" panose="020F0502020204030204"/>
       </a:defRPr>
     </a:lvl3pPr>
     <a:lvl4pPr indent="685800" latinLnBrk="0">
@@ -438,7 +428,7 @@
         <a:latin typeface="+mj-lt"/>
         <a:ea typeface="+mj-ea"/>
         <a:cs typeface="+mj-cs"/>
-        <a:sym typeface="Calibri"/>
+        <a:sym typeface="Calibri" panose="020F0502020204030204"/>
       </a:defRPr>
     </a:lvl4pPr>
     <a:lvl5pPr indent="914400" latinLnBrk="0">
@@ -446,7 +436,7 @@
         <a:latin typeface="+mj-lt"/>
         <a:ea typeface="+mj-ea"/>
         <a:cs typeface="+mj-cs"/>
-        <a:sym typeface="Calibri"/>
+        <a:sym typeface="Calibri" panose="020F0502020204030204"/>
       </a:defRPr>
     </a:lvl5pPr>
     <a:lvl6pPr indent="1143000" latinLnBrk="0">
@@ -454,7 +444,7 @@
         <a:latin typeface="+mj-lt"/>
         <a:ea typeface="+mj-ea"/>
         <a:cs typeface="+mj-cs"/>
-        <a:sym typeface="Calibri"/>
+        <a:sym typeface="Calibri" panose="020F0502020204030204"/>
       </a:defRPr>
     </a:lvl6pPr>
     <a:lvl7pPr indent="1371600" latinLnBrk="0">
@@ -462,7 +452,7 @@
         <a:latin typeface="+mj-lt"/>
         <a:ea typeface="+mj-ea"/>
         <a:cs typeface="+mj-cs"/>
-        <a:sym typeface="Calibri"/>
+        <a:sym typeface="Calibri" panose="020F0502020204030204"/>
       </a:defRPr>
     </a:lvl7pPr>
     <a:lvl8pPr indent="1600200" latinLnBrk="0">
@@ -470,7 +460,7 @@
         <a:latin typeface="+mj-lt"/>
         <a:ea typeface="+mj-ea"/>
         <a:cs typeface="+mj-cs"/>
-        <a:sym typeface="Calibri"/>
+        <a:sym typeface="Calibri" panose="020F0502020204030204"/>
       </a:defRPr>
     </a:lvl8pPr>
     <a:lvl9pPr indent="1828800" latinLnBrk="0">
@@ -478,7 +468,7 @@
         <a:latin typeface="+mj-lt"/>
         <a:ea typeface="+mj-ea"/>
         <a:cs typeface="+mj-cs"/>
-        <a:sym typeface="Calibri"/>
+        <a:sym typeface="Calibri" panose="020F0502020204030204"/>
       </a:defRPr>
     </a:lvl9pPr>
   </p:notesStyle>
@@ -486,7 +476,7 @@
 </file>
 
 <file path=ppt/slideLayouts/slideLayout1.xml><?xml version="1.0" encoding="utf-8"?>
-<p:sldLayout xmlns:a="http://schemas.openxmlformats.org/drawingml/2006/main" xmlns:r="http://schemas.openxmlformats.org/officeDocument/2006/relationships" xmlns:p="http://schemas.openxmlformats.org/presentationml/2006/main" xmlns:m="http://schemas.openxmlformats.org/officeDocument/2006/math" xmlns:a14="http://schemas.microsoft.com/office/drawing/2010/main" type="title" showMasterSp="1" showMasterPhAnim="1">
+<p:sldLayout xmlns:a="http://schemas.openxmlformats.org/drawingml/2006/main" xmlns:r="http://schemas.openxmlformats.org/officeDocument/2006/relationships" xmlns:p="http://schemas.openxmlformats.org/presentationml/2006/main" type="title">
   <p:cSld name="标题幻灯片">
     <p:spTree>
       <p:nvGrpSpPr>
@@ -507,7 +497,7 @@
           <p:cNvPr id="11" name="标题文本"/>
           <p:cNvSpPr txBox="1"/>
           <p:nvPr>
-            <p:ph type="title"/>
+            <p:ph type="title" hasCustomPrompt="1"/>
           </p:nvPr>
         </p:nvSpPr>
         <p:spPr>
@@ -527,7 +517,6 @@
             </a:lvl1pPr>
           </a:lstStyle>
           <a:p>
-            <a:pPr/>
             <a:r>
               <a:t>标题文本</a:t>
             </a:r>
@@ -539,7 +528,7 @@
           <p:cNvPr id="12" name="正文级别 1…"/>
           <p:cNvSpPr txBox="1"/>
           <p:nvPr>
-            <p:ph type="body" sz="quarter" idx="1"/>
+            <p:ph type="body" sz="quarter" idx="1" hasCustomPrompt="1"/>
           </p:nvPr>
         </p:nvSpPr>
         <p:spPr>
@@ -596,7 +585,6 @@
             </a:lvl5pPr>
           </a:lstStyle>
           <a:p>
-            <a:pPr/>
             <a:r>
               <a:t>正文级别 1</a:t>
             </a:r>
@@ -644,8 +632,10 @@
           <a:bodyPr/>
           <a:lstStyle/>
           <a:p>
-            <a:pPr/>
-            <a:fld id="{86CB4B4D-7CA3-9044-876B-883B54F8677D}" type="slidenum"/>
+            <a:fld id="{86CB4B4D-7CA3-9044-876B-883B54F8677D}" type="slidenum">
+              <a:rPr/>
+            </a:fld>
+            <a:endParaRPr/>
           </a:p>
         </p:txBody>
       </p:sp>
@@ -654,12 +644,12 @@
   <p:clrMapOvr>
     <a:masterClrMapping/>
   </p:clrMapOvr>
-  <p:transition xmlns:p14="http://schemas.microsoft.com/office/powerpoint/2010/main" spd="med" advClick="1"/>
+  <p:transition spd="med"/>
 </p:sldLayout>
 </file>
 
 <file path=ppt/slideLayouts/slideLayout2.xml><?xml version="1.0" encoding="utf-8"?>
-<p:sldLayout xmlns:a="http://schemas.openxmlformats.org/drawingml/2006/main" xmlns:r="http://schemas.openxmlformats.org/officeDocument/2006/relationships" xmlns:p="http://schemas.openxmlformats.org/presentationml/2006/main" xmlns:m="http://schemas.openxmlformats.org/officeDocument/2006/math" xmlns:a14="http://schemas.microsoft.com/office/drawing/2010/main" type="tx" showMasterSp="1" showMasterPhAnim="1">
+<p:sldLayout xmlns:a="http://schemas.openxmlformats.org/drawingml/2006/main" xmlns:r="http://schemas.openxmlformats.org/officeDocument/2006/relationships" xmlns:p="http://schemas.openxmlformats.org/presentationml/2006/main" type="tx">
   <p:cSld name="标题和内容">
     <p:spTree>
       <p:nvGrpSpPr>
@@ -680,7 +670,7 @@
           <p:cNvPr id="20" name="标题文本"/>
           <p:cNvSpPr txBox="1"/>
           <p:nvPr>
-            <p:ph type="title"/>
+            <p:ph type="title" hasCustomPrompt="1"/>
           </p:nvPr>
         </p:nvSpPr>
         <p:spPr>
@@ -692,7 +682,6 @@
           <a:bodyPr/>
           <a:lstStyle/>
           <a:p>
-            <a:pPr/>
             <a:r>
               <a:t>标题文本</a:t>
             </a:r>
@@ -704,7 +693,7 @@
           <p:cNvPr id="21" name="正文级别 1…"/>
           <p:cNvSpPr txBox="1"/>
           <p:nvPr>
-            <p:ph type="body" idx="1"/>
+            <p:ph type="body" idx="1" hasCustomPrompt="1"/>
           </p:nvPr>
         </p:nvSpPr>
         <p:spPr>
@@ -716,7 +705,6 @@
           <a:bodyPr/>
           <a:lstStyle/>
           <a:p>
-            <a:pPr/>
             <a:r>
               <a:t>正文级别 1</a:t>
             </a:r>
@@ -764,8 +752,10 @@
           <a:bodyPr/>
           <a:lstStyle/>
           <a:p>
-            <a:pPr/>
-            <a:fld id="{86CB4B4D-7CA3-9044-876B-883B54F8677D}" type="slidenum"/>
+            <a:fld id="{86CB4B4D-7CA3-9044-876B-883B54F8677D}" type="slidenum">
+              <a:rPr/>
+            </a:fld>
+            <a:endParaRPr/>
           </a:p>
         </p:txBody>
       </p:sp>
@@ -774,12 +764,12 @@
   <p:clrMapOvr>
     <a:masterClrMapping/>
   </p:clrMapOvr>
-  <p:transition xmlns:p14="http://schemas.microsoft.com/office/powerpoint/2010/main" spd="med" advClick="1"/>
+  <p:transition spd="med"/>
 </p:sldLayout>
 </file>
 
 <file path=ppt/slideLayouts/slideLayout3.xml><?xml version="1.0" encoding="utf-8"?>
-<p:sldLayout xmlns:a="http://schemas.openxmlformats.org/drawingml/2006/main" xmlns:r="http://schemas.openxmlformats.org/officeDocument/2006/relationships" xmlns:p="http://schemas.openxmlformats.org/presentationml/2006/main" xmlns:m="http://schemas.openxmlformats.org/officeDocument/2006/math" xmlns:a14="http://schemas.microsoft.com/office/drawing/2010/main" type="tx" showMasterSp="1" showMasterPhAnim="1">
+<p:sldLayout xmlns:a="http://schemas.openxmlformats.org/drawingml/2006/main" xmlns:r="http://schemas.openxmlformats.org/officeDocument/2006/relationships" xmlns:p="http://schemas.openxmlformats.org/presentationml/2006/main" type="tx">
   <p:cSld name="节标题">
     <p:spTree>
       <p:nvGrpSpPr>
@@ -800,7 +790,7 @@
           <p:cNvPr id="29" name="标题文本"/>
           <p:cNvSpPr txBox="1"/>
           <p:nvPr>
-            <p:ph type="title"/>
+            <p:ph type="title" hasCustomPrompt="1"/>
           </p:nvPr>
         </p:nvSpPr>
         <p:spPr>
@@ -820,7 +810,6 @@
             </a:lvl1pPr>
           </a:lstStyle>
           <a:p>
-            <a:pPr/>
             <a:r>
               <a:t>标题文本</a:t>
             </a:r>
@@ -832,7 +821,7 @@
           <p:cNvPr id="30" name="正文级别 1…"/>
           <p:cNvSpPr txBox="1"/>
           <p:nvPr>
-            <p:ph type="body" sz="quarter" idx="1"/>
+            <p:ph type="body" sz="quarter" idx="1" hasCustomPrompt="1"/>
           </p:nvPr>
         </p:nvSpPr>
         <p:spPr>
@@ -909,7 +898,6 @@
             </a:lvl5pPr>
           </a:lstStyle>
           <a:p>
-            <a:pPr/>
             <a:r>
               <a:t>正文级别 1</a:t>
             </a:r>
@@ -957,8 +945,10 @@
           <a:bodyPr/>
           <a:lstStyle/>
           <a:p>
-            <a:pPr/>
-            <a:fld id="{86CB4B4D-7CA3-9044-876B-883B54F8677D}" type="slidenum"/>
+            <a:fld id="{86CB4B4D-7CA3-9044-876B-883B54F8677D}" type="slidenum">
+              <a:rPr/>
+            </a:fld>
+            <a:endParaRPr/>
           </a:p>
         </p:txBody>
       </p:sp>
@@ -967,12 +957,12 @@
   <p:clrMapOvr>
     <a:masterClrMapping/>
   </p:clrMapOvr>
-  <p:transition xmlns:p14="http://schemas.microsoft.com/office/powerpoint/2010/main" spd="med" advClick="1"/>
+  <p:transition spd="med"/>
 </p:sldLayout>
 </file>
 
 <file path=ppt/slideLayouts/slideLayout4.xml><?xml version="1.0" encoding="utf-8"?>
-<p:sldLayout xmlns:a="http://schemas.openxmlformats.org/drawingml/2006/main" xmlns:r="http://schemas.openxmlformats.org/officeDocument/2006/relationships" xmlns:p="http://schemas.openxmlformats.org/presentationml/2006/main" xmlns:m="http://schemas.openxmlformats.org/officeDocument/2006/math" xmlns:a14="http://schemas.microsoft.com/office/drawing/2010/main" type="tx" showMasterSp="1" showMasterPhAnim="1">
+<p:sldLayout xmlns:a="http://schemas.openxmlformats.org/drawingml/2006/main" xmlns:r="http://schemas.openxmlformats.org/officeDocument/2006/relationships" xmlns:p="http://schemas.openxmlformats.org/presentationml/2006/main" type="tx">
   <p:cSld name="两栏内容">
     <p:spTree>
       <p:nvGrpSpPr>
@@ -993,7 +983,7 @@
           <p:cNvPr id="38" name="标题文本"/>
           <p:cNvSpPr txBox="1"/>
           <p:nvPr>
-            <p:ph type="title"/>
+            <p:ph type="title" hasCustomPrompt="1"/>
           </p:nvPr>
         </p:nvSpPr>
         <p:spPr>
@@ -1005,7 +995,6 @@
           <a:bodyPr/>
           <a:lstStyle/>
           <a:p>
-            <a:pPr/>
             <a:r>
               <a:t>标题文本</a:t>
             </a:r>
@@ -1017,7 +1006,7 @@
           <p:cNvPr id="39" name="正文级别 1…"/>
           <p:cNvSpPr txBox="1"/>
           <p:nvPr>
-            <p:ph type="body" sz="half" idx="1"/>
+            <p:ph type="body" sz="half" idx="1" hasCustomPrompt="1"/>
           </p:nvPr>
         </p:nvSpPr>
         <p:spPr>
@@ -1033,7 +1022,6 @@
           <a:bodyPr/>
           <a:lstStyle/>
           <a:p>
-            <a:pPr/>
             <a:r>
               <a:t>正文级别 1</a:t>
             </a:r>
@@ -1081,8 +1069,10 @@
           <a:bodyPr/>
           <a:lstStyle/>
           <a:p>
-            <a:pPr/>
-            <a:fld id="{86CB4B4D-7CA3-9044-876B-883B54F8677D}" type="slidenum"/>
+            <a:fld id="{86CB4B4D-7CA3-9044-876B-883B54F8677D}" type="slidenum">
+              <a:rPr/>
+            </a:fld>
+            <a:endParaRPr/>
           </a:p>
         </p:txBody>
       </p:sp>
@@ -1091,12 +1081,12 @@
   <p:clrMapOvr>
     <a:masterClrMapping/>
   </p:clrMapOvr>
-  <p:transition xmlns:p14="http://schemas.microsoft.com/office/powerpoint/2010/main" spd="med" advClick="1"/>
+  <p:transition spd="med"/>
 </p:sldLayout>
 </file>
 
 <file path=ppt/slideLayouts/slideLayout5.xml><?xml version="1.0" encoding="utf-8"?>
-<p:sldLayout xmlns:a="http://schemas.openxmlformats.org/drawingml/2006/main" xmlns:r="http://schemas.openxmlformats.org/officeDocument/2006/relationships" xmlns:p="http://schemas.openxmlformats.org/presentationml/2006/main" xmlns:m="http://schemas.openxmlformats.org/officeDocument/2006/math" xmlns:a14="http://schemas.microsoft.com/office/drawing/2010/main" type="tx" showMasterSp="1" showMasterPhAnim="1">
+<p:sldLayout xmlns:a="http://schemas.openxmlformats.org/drawingml/2006/main" xmlns:r="http://schemas.openxmlformats.org/officeDocument/2006/relationships" xmlns:p="http://schemas.openxmlformats.org/presentationml/2006/main" type="tx">
   <p:cSld name="比较">
     <p:spTree>
       <p:nvGrpSpPr>
@@ -1117,7 +1107,7 @@
           <p:cNvPr id="47" name="标题文本"/>
           <p:cNvSpPr txBox="1"/>
           <p:nvPr>
-            <p:ph type="title"/>
+            <p:ph type="title" hasCustomPrompt="1"/>
           </p:nvPr>
         </p:nvSpPr>
         <p:spPr>
@@ -1133,7 +1123,6 @@
           <a:bodyPr/>
           <a:lstStyle/>
           <a:p>
-            <a:pPr/>
             <a:r>
               <a:t>标题文本</a:t>
             </a:r>
@@ -1145,7 +1134,7 @@
           <p:cNvPr id="48" name="正文级别 1…"/>
           <p:cNvSpPr txBox="1"/>
           <p:nvPr>
-            <p:ph type="body" sz="quarter" idx="1"/>
+            <p:ph type="body" sz="quarter" idx="1" hasCustomPrompt="1"/>
           </p:nvPr>
         </p:nvSpPr>
         <p:spPr>
@@ -1202,7 +1191,6 @@
             </a:lvl5pPr>
           </a:lstStyle>
           <a:p>
-            <a:pPr/>
             <a:r>
               <a:t>正文级别 1</a:t>
             </a:r>
@@ -1282,8 +1270,10 @@
           <a:bodyPr/>
           <a:lstStyle/>
           <a:p>
-            <a:pPr/>
-            <a:fld id="{86CB4B4D-7CA3-9044-876B-883B54F8677D}" type="slidenum"/>
+            <a:fld id="{86CB4B4D-7CA3-9044-876B-883B54F8677D}" type="slidenum">
+              <a:rPr/>
+            </a:fld>
+            <a:endParaRPr/>
           </a:p>
         </p:txBody>
       </p:sp>
@@ -1292,12 +1282,12 @@
   <p:clrMapOvr>
     <a:masterClrMapping/>
   </p:clrMapOvr>
-  <p:transition xmlns:p14="http://schemas.microsoft.com/office/powerpoint/2010/main" spd="med" advClick="1"/>
+  <p:transition spd="med"/>
 </p:sldLayout>
 </file>
 
 <file path=ppt/slideLayouts/slideLayout6.xml><?xml version="1.0" encoding="utf-8"?>
-<p:sldLayout xmlns:a="http://schemas.openxmlformats.org/drawingml/2006/main" xmlns:r="http://schemas.openxmlformats.org/officeDocument/2006/relationships" xmlns:p="http://schemas.openxmlformats.org/presentationml/2006/main" xmlns:m="http://schemas.openxmlformats.org/officeDocument/2006/math" xmlns:a14="http://schemas.microsoft.com/office/drawing/2010/main" type="tx" showMasterSp="1" showMasterPhAnim="1">
+<p:sldLayout xmlns:a="http://schemas.openxmlformats.org/drawingml/2006/main" xmlns:r="http://schemas.openxmlformats.org/officeDocument/2006/relationships" xmlns:p="http://schemas.openxmlformats.org/presentationml/2006/main" type="tx">
   <p:cSld name="仅标题">
     <p:spTree>
       <p:nvGrpSpPr>
@@ -1318,7 +1308,7 @@
           <p:cNvPr id="57" name="标题文本"/>
           <p:cNvSpPr txBox="1"/>
           <p:nvPr>
-            <p:ph type="title"/>
+            <p:ph type="title" hasCustomPrompt="1"/>
           </p:nvPr>
         </p:nvSpPr>
         <p:spPr>
@@ -1330,7 +1320,6 @@
           <a:bodyPr/>
           <a:lstStyle/>
           <a:p>
-            <a:pPr/>
             <a:r>
               <a:t>标题文本</a:t>
             </a:r>
@@ -1354,8 +1343,10 @@
           <a:bodyPr/>
           <a:lstStyle/>
           <a:p>
-            <a:pPr/>
-            <a:fld id="{86CB4B4D-7CA3-9044-876B-883B54F8677D}" type="slidenum"/>
+            <a:fld id="{86CB4B4D-7CA3-9044-876B-883B54F8677D}" type="slidenum">
+              <a:rPr/>
+            </a:fld>
+            <a:endParaRPr/>
           </a:p>
         </p:txBody>
       </p:sp>
@@ -1364,12 +1355,12 @@
   <p:clrMapOvr>
     <a:masterClrMapping/>
   </p:clrMapOvr>
-  <p:transition xmlns:p14="http://schemas.microsoft.com/office/powerpoint/2010/main" spd="med" advClick="1"/>
+  <p:transition spd="med"/>
 </p:sldLayout>
 </file>
 
 <file path=ppt/slideLayouts/slideLayout7.xml><?xml version="1.0" encoding="utf-8"?>
-<p:sldLayout xmlns:a="http://schemas.openxmlformats.org/drawingml/2006/main" xmlns:r="http://schemas.openxmlformats.org/officeDocument/2006/relationships" xmlns:p="http://schemas.openxmlformats.org/presentationml/2006/main" xmlns:m="http://schemas.openxmlformats.org/officeDocument/2006/math" xmlns:a14="http://schemas.microsoft.com/office/drawing/2010/main" type="tx" showMasterSp="1" showMasterPhAnim="1">
+<p:sldLayout xmlns:a="http://schemas.openxmlformats.org/drawingml/2006/main" xmlns:r="http://schemas.openxmlformats.org/officeDocument/2006/relationships" xmlns:p="http://schemas.openxmlformats.org/presentationml/2006/main" type="tx">
   <p:cSld name="空白">
     <p:spTree>
       <p:nvGrpSpPr>
@@ -1402,8 +1393,10 @@
           <a:bodyPr/>
           <a:lstStyle/>
           <a:p>
-            <a:pPr/>
-            <a:fld id="{86CB4B4D-7CA3-9044-876B-883B54F8677D}" type="slidenum"/>
+            <a:fld id="{86CB4B4D-7CA3-9044-876B-883B54F8677D}" type="slidenum">
+              <a:rPr/>
+            </a:fld>
+            <a:endParaRPr/>
           </a:p>
         </p:txBody>
       </p:sp>
@@ -1412,12 +1405,12 @@
   <p:clrMapOvr>
     <a:masterClrMapping/>
   </p:clrMapOvr>
-  <p:transition xmlns:p14="http://schemas.microsoft.com/office/powerpoint/2010/main" spd="med" advClick="1"/>
+  <p:transition spd="med"/>
 </p:sldLayout>
 </file>
 
 <file path=ppt/slideLayouts/slideLayout8.xml><?xml version="1.0" encoding="utf-8"?>
-<p:sldLayout xmlns:a="http://schemas.openxmlformats.org/drawingml/2006/main" xmlns:r="http://schemas.openxmlformats.org/officeDocument/2006/relationships" xmlns:p="http://schemas.openxmlformats.org/presentationml/2006/main" xmlns:m="http://schemas.openxmlformats.org/officeDocument/2006/math" xmlns:a14="http://schemas.microsoft.com/office/drawing/2010/main" type="tx" showMasterSp="1" showMasterPhAnim="1">
+<p:sldLayout xmlns:a="http://schemas.openxmlformats.org/drawingml/2006/main" xmlns:r="http://schemas.openxmlformats.org/officeDocument/2006/relationships" xmlns:p="http://schemas.openxmlformats.org/presentationml/2006/main" type="tx">
   <p:cSld name="内容与标题">
     <p:spTree>
       <p:nvGrpSpPr>
@@ -1438,7 +1431,7 @@
           <p:cNvPr id="72" name="标题文本"/>
           <p:cNvSpPr txBox="1"/>
           <p:nvPr>
-            <p:ph type="title"/>
+            <p:ph type="title" hasCustomPrompt="1"/>
           </p:nvPr>
         </p:nvSpPr>
         <p:spPr>
@@ -1458,7 +1451,6 @@
             </a:lvl1pPr>
           </a:lstStyle>
           <a:p>
-            <a:pPr/>
             <a:r>
               <a:t>标题文本</a:t>
             </a:r>
@@ -1470,7 +1462,7 @@
           <p:cNvPr id="73" name="正文级别 1…"/>
           <p:cNvSpPr txBox="1"/>
           <p:nvPr>
-            <p:ph type="body" sz="half" idx="1"/>
+            <p:ph type="body" sz="half" idx="1" hasCustomPrompt="1"/>
           </p:nvPr>
         </p:nvSpPr>
         <p:spPr>
@@ -1517,7 +1509,6 @@
             </a:lvl5pPr>
           </a:lstStyle>
           <a:p>
-            <a:pPr/>
             <a:r>
               <a:t>正文级别 1</a:t>
             </a:r>
@@ -1597,8 +1588,10 @@
           <a:bodyPr/>
           <a:lstStyle/>
           <a:p>
-            <a:pPr/>
-            <a:fld id="{86CB4B4D-7CA3-9044-876B-883B54F8677D}" type="slidenum"/>
+            <a:fld id="{86CB4B4D-7CA3-9044-876B-883B54F8677D}" type="slidenum">
+              <a:rPr/>
+            </a:fld>
+            <a:endParaRPr/>
           </a:p>
         </p:txBody>
       </p:sp>
@@ -1607,12 +1600,12 @@
   <p:clrMapOvr>
     <a:masterClrMapping/>
   </p:clrMapOvr>
-  <p:transition xmlns:p14="http://schemas.microsoft.com/office/powerpoint/2010/main" spd="med" advClick="1"/>
+  <p:transition spd="med"/>
 </p:sldLayout>
 </file>
 
 <file path=ppt/slideLayouts/slideLayout9.xml><?xml version="1.0" encoding="utf-8"?>
-<p:sldLayout xmlns:a="http://schemas.openxmlformats.org/drawingml/2006/main" xmlns:r="http://schemas.openxmlformats.org/officeDocument/2006/relationships" xmlns:p="http://schemas.openxmlformats.org/presentationml/2006/main" xmlns:m="http://schemas.openxmlformats.org/officeDocument/2006/math" xmlns:a14="http://schemas.microsoft.com/office/drawing/2010/main" type="tx" showMasterSp="1" showMasterPhAnim="1">
+<p:sldLayout xmlns:a="http://schemas.openxmlformats.org/drawingml/2006/main" xmlns:r="http://schemas.openxmlformats.org/officeDocument/2006/relationships" xmlns:p="http://schemas.openxmlformats.org/presentationml/2006/main" type="tx">
   <p:cSld name="图片与标题">
     <p:spTree>
       <p:nvGrpSpPr>
@@ -1633,7 +1626,7 @@
           <p:cNvPr id="82" name="标题文本"/>
           <p:cNvSpPr txBox="1"/>
           <p:nvPr>
-            <p:ph type="title"/>
+            <p:ph type="title" hasCustomPrompt="1"/>
           </p:nvPr>
         </p:nvSpPr>
         <p:spPr>
@@ -1653,7 +1646,6 @@
             </a:lvl1pPr>
           </a:lstStyle>
           <a:p>
-            <a:pPr/>
             <a:r>
               <a:t>标题文本</a:t>
             </a:r>
@@ -1682,9 +1674,7 @@
             <a:noAutofit/>
           </a:bodyPr>
           <a:lstStyle/>
-          <a:p>
-            <a:pPr/>
-          </a:p>
+          <a:p/>
         </p:txBody>
       </p:sp>
       <p:sp>
@@ -1692,7 +1682,7 @@
           <p:cNvPr id="84" name="正文级别 1…"/>
           <p:cNvSpPr txBox="1"/>
           <p:nvPr>
-            <p:ph type="body" sz="quarter" idx="1"/>
+            <p:ph type="body" sz="quarter" idx="1" hasCustomPrompt="1"/>
           </p:nvPr>
         </p:nvSpPr>
         <p:spPr>
@@ -1749,7 +1739,6 @@
             </a:lvl5pPr>
           </a:lstStyle>
           <a:p>
-            <a:pPr/>
             <a:r>
               <a:t>正文级别 1</a:t>
             </a:r>
@@ -1797,8 +1786,10 @@
           <a:bodyPr/>
           <a:lstStyle/>
           <a:p>
-            <a:pPr/>
-            <a:fld id="{86CB4B4D-7CA3-9044-876B-883B54F8677D}" type="slidenum"/>
+            <a:fld id="{86CB4B4D-7CA3-9044-876B-883B54F8677D}" type="slidenum">
+              <a:rPr/>
+            </a:fld>
+            <a:endParaRPr/>
           </a:p>
         </p:txBody>
       </p:sp>
@@ -1807,12 +1798,12 @@
   <p:clrMapOvr>
     <a:masterClrMapping/>
   </p:clrMapOvr>
-  <p:transition xmlns:p14="http://schemas.microsoft.com/office/powerpoint/2010/main" spd="med" advClick="1"/>
+  <p:transition spd="med"/>
 </p:sldLayout>
 </file>
 
 <file path=ppt/slideMasters/slideMaster1.xml><?xml version="1.0" encoding="utf-8"?>
-<p:sldMaster xmlns:a="http://schemas.openxmlformats.org/drawingml/2006/main" xmlns:r="http://schemas.openxmlformats.org/officeDocument/2006/relationships" xmlns:p="http://schemas.openxmlformats.org/presentationml/2006/main" xmlns:m="http://schemas.openxmlformats.org/officeDocument/2006/math" xmlns:a14="http://schemas.microsoft.com/office/drawing/2010/main">
+<p:sldMaster xmlns:a="http://schemas.openxmlformats.org/drawingml/2006/main" xmlns:r="http://schemas.openxmlformats.org/officeDocument/2006/relationships" xmlns:p="http://schemas.openxmlformats.org/presentationml/2006/main">
   <p:cSld>
     <p:bg>
       <p:bgPr>
@@ -1821,6 +1812,7 @@
             <a:lumOff val="44000"/>
           </a:schemeClr>
         </a:solidFill>
+        <a:effectLst/>
       </p:bgPr>
     </p:bg>
     <p:spTree>
@@ -1856,19 +1848,13 @@
           <a:ln w="12700">
             <a:miter lim="400000"/>
           </a:ln>
-          <a:extLst>
-            <a:ext uri="{C572A759-6A51-4108-AA02-DFA0A04FC94B}">
-              <ma14:wrappingTextBoxFlag xmlns:ma14="http://schemas.microsoft.com/office/mac/drawingml/2011/main" val="1"/>
-            </a:ext>
-          </a:extLst>
         </p:spPr>
         <p:txBody>
           <a:bodyPr lIns="45719" rIns="45719" anchor="ctr">
-            <a:normAutofit fontScale="100000" lnSpcReduction="0"/>
+            <a:normAutofit/>
           </a:bodyPr>
           <a:lstStyle/>
           <a:p>
-            <a:pPr/>
             <a:r>
               <a:t>标题文本</a:t>
             </a:r>
@@ -1894,19 +1880,13 @@
           <a:ln w="12700">
             <a:miter lim="400000"/>
           </a:ln>
-          <a:extLst>
-            <a:ext uri="{C572A759-6A51-4108-AA02-DFA0A04FC94B}">
-              <ma14:wrappingTextBoxFlag xmlns:ma14="http://schemas.microsoft.com/office/mac/drawingml/2011/main" val="1"/>
-            </a:ext>
-          </a:extLst>
         </p:spPr>
         <p:txBody>
           <a:bodyPr lIns="45719" rIns="45719">
-            <a:normAutofit fontScale="100000" lnSpcReduction="0"/>
+            <a:normAutofit/>
           </a:bodyPr>
           <a:lstStyle/>
           <a:p>
-            <a:pPr/>
             <a:r>
               <a:t>正文级别 1</a:t>
             </a:r>
@@ -1971,8 +1951,10 @@
             </a:lvl1pPr>
           </a:lstStyle>
           <a:p>
-            <a:pPr/>
-            <a:fld id="{86CB4B4D-7CA3-9044-876B-883B54F8677D}" type="slidenum"/>
+            <a:fld id="{86CB4B4D-7CA3-9044-876B-883B54F8677D}" type="slidenum">
+              <a:rPr/>
+            </a:fld>
+            <a:endParaRPr/>
           </a:p>
         </p:txBody>
       </p:sp>
@@ -1980,17 +1962,17 @@
   </p:cSld>
   <p:clrMap bg1="lt1" tx1="dk1" bg2="lt2" tx2="dk2" accent1="accent1" accent2="accent2" accent3="accent3" accent4="accent4" accent5="accent5" accent6="accent6" hlink="hlink" folHlink="folHlink"/>
   <p:sldLayoutIdLst>
-    <p:sldLayoutId id="2147483649" r:id="rId2"/>
-    <p:sldLayoutId id="2147483650" r:id="rId3"/>
-    <p:sldLayoutId id="2147483651" r:id="rId4"/>
-    <p:sldLayoutId id="2147483652" r:id="rId5"/>
-    <p:sldLayoutId id="2147483653" r:id="rId6"/>
-    <p:sldLayoutId id="2147483654" r:id="rId7"/>
-    <p:sldLayoutId id="2147483655" r:id="rId8"/>
-    <p:sldLayoutId id="2147483656" r:id="rId9"/>
-    <p:sldLayoutId id="2147483657" r:id="rId10"/>
+    <p:sldLayoutId id="2147483649" r:id="rId1"/>
+    <p:sldLayoutId id="2147483650" r:id="rId2"/>
+    <p:sldLayoutId id="2147483651" r:id="rId3"/>
+    <p:sldLayoutId id="2147483652" r:id="rId4"/>
+    <p:sldLayoutId id="2147483653" r:id="rId5"/>
+    <p:sldLayoutId id="2147483654" r:id="rId6"/>
+    <p:sldLayoutId id="2147483655" r:id="rId7"/>
+    <p:sldLayoutId id="2147483656" r:id="rId8"/>
+    <p:sldLayoutId id="2147483657" r:id="rId9"/>
   </p:sldLayoutIdLst>
-  <p:transition xmlns:p14="http://schemas.microsoft.com/office/powerpoint/2010/main" spd="med" advClick="1"/>
+  <p:transition spd="med"/>
   <p:txStyles>
     <p:titleStyle>
       <a:lvl1pPr marL="0" marR="0" indent="0" algn="ctr" defTabSz="914400" rtl="0" latinLnBrk="0">
@@ -2007,16 +1989,15 @@
         <a:buSzTx/>
         <a:buFontTx/>
         <a:buNone/>
-        <a:tabLst/>
-        <a:defRPr b="0" baseline="0" cap="none" i="0" spc="0" strike="noStrike" sz="4400" u="none">
+        <a:defRPr sz="4400" b="0" i="0" u="none" strike="noStrike" cap="none" spc="0" baseline="0">
           <a:solidFill>
             <a:srgbClr val="000000"/>
           </a:solidFill>
           <a:uFillTx/>
-          <a:latin typeface="Arial"/>
-          <a:ea typeface="Arial"/>
-          <a:cs typeface="Arial"/>
-          <a:sym typeface="Arial"/>
+          <a:latin typeface="Arial" panose="020B0604020202020204"/>
+          <a:ea typeface="Arial" panose="020B0604020202020204"/>
+          <a:cs typeface="Arial" panose="020B0604020202020204"/>
+          <a:sym typeface="Arial" panose="020B0604020202020204"/>
         </a:defRPr>
       </a:lvl1pPr>
       <a:lvl2pPr marL="0" marR="0" indent="0" algn="ctr" defTabSz="914400" rtl="0" latinLnBrk="0">
@@ -2033,16 +2014,15 @@
         <a:buSzTx/>
         <a:buFontTx/>
         <a:buNone/>
-        <a:tabLst/>
-        <a:defRPr b="0" baseline="0" cap="none" i="0" spc="0" strike="noStrike" sz="4400" u="none">
+        <a:defRPr sz="4400" b="0" i="0" u="none" strike="noStrike" cap="none" spc="0" baseline="0">
           <a:solidFill>
             <a:srgbClr val="000000"/>
           </a:solidFill>
           <a:uFillTx/>
-          <a:latin typeface="Arial"/>
-          <a:ea typeface="Arial"/>
-          <a:cs typeface="Arial"/>
-          <a:sym typeface="Arial"/>
+          <a:latin typeface="Arial" panose="020B0604020202020204"/>
+          <a:ea typeface="Arial" panose="020B0604020202020204"/>
+          <a:cs typeface="Arial" panose="020B0604020202020204"/>
+          <a:sym typeface="Arial" panose="020B0604020202020204"/>
         </a:defRPr>
       </a:lvl2pPr>
       <a:lvl3pPr marL="0" marR="0" indent="0" algn="ctr" defTabSz="914400" rtl="0" latinLnBrk="0">
@@ -2059,16 +2039,15 @@
         <a:buSzTx/>
         <a:buFontTx/>
         <a:buNone/>
-        <a:tabLst/>
-        <a:defRPr b="0" baseline="0" cap="none" i="0" spc="0" strike="noStrike" sz="4400" u="none">
+        <a:defRPr sz="4400" b="0" i="0" u="none" strike="noStrike" cap="none" spc="0" baseline="0">
           <a:solidFill>
             <a:srgbClr val="000000"/>
           </a:solidFill>
           <a:uFillTx/>
-          <a:latin typeface="Arial"/>
-          <a:ea typeface="Arial"/>
-          <a:cs typeface="Arial"/>
-          <a:sym typeface="Arial"/>
+          <a:latin typeface="Arial" panose="020B0604020202020204"/>
+          <a:ea typeface="Arial" panose="020B0604020202020204"/>
+          <a:cs typeface="Arial" panose="020B0604020202020204"/>
+          <a:sym typeface="Arial" panose="020B0604020202020204"/>
         </a:defRPr>
       </a:lvl3pPr>
       <a:lvl4pPr marL="0" marR="0" indent="0" algn="ctr" defTabSz="914400" rtl="0" latinLnBrk="0">
@@ -2085,16 +2064,15 @@
         <a:buSzTx/>
         <a:buFontTx/>
         <a:buNone/>
-        <a:tabLst/>
-        <a:defRPr b="0" baseline="0" cap="none" i="0" spc="0" strike="noStrike" sz="4400" u="none">
+        <a:defRPr sz="4400" b="0" i="0" u="none" strike="noStrike" cap="none" spc="0" baseline="0">
           <a:solidFill>
             <a:srgbClr val="000000"/>
           </a:solidFill>
           <a:uFillTx/>
-          <a:latin typeface="Arial"/>
-          <a:ea typeface="Arial"/>
-          <a:cs typeface="Arial"/>
-          <a:sym typeface="Arial"/>
+          <a:latin typeface="Arial" panose="020B0604020202020204"/>
+          <a:ea typeface="Arial" panose="020B0604020202020204"/>
+          <a:cs typeface="Arial" panose="020B0604020202020204"/>
+          <a:sym typeface="Arial" panose="020B0604020202020204"/>
         </a:defRPr>
       </a:lvl4pPr>
       <a:lvl5pPr marL="0" marR="0" indent="0" algn="ctr" defTabSz="914400" rtl="0" latinLnBrk="0">
@@ -2111,16 +2089,15 @@
         <a:buSzTx/>
         <a:buFontTx/>
         <a:buNone/>
-        <a:tabLst/>
-        <a:defRPr b="0" baseline="0" cap="none" i="0" spc="0" strike="noStrike" sz="4400" u="none">
+        <a:defRPr sz="4400" b="0" i="0" u="none" strike="noStrike" cap="none" spc="0" baseline="0">
           <a:solidFill>
             <a:srgbClr val="000000"/>
           </a:solidFill>
           <a:uFillTx/>
-          <a:latin typeface="Arial"/>
-          <a:ea typeface="Arial"/>
-          <a:cs typeface="Arial"/>
-          <a:sym typeface="Arial"/>
+          <a:latin typeface="Arial" panose="020B0604020202020204"/>
+          <a:ea typeface="Arial" panose="020B0604020202020204"/>
+          <a:cs typeface="Arial" panose="020B0604020202020204"/>
+          <a:sym typeface="Arial" panose="020B0604020202020204"/>
         </a:defRPr>
       </a:lvl5pPr>
       <a:lvl6pPr marL="0" marR="0" indent="0" algn="ctr" defTabSz="914400" rtl="0" latinLnBrk="0">
@@ -2137,16 +2114,15 @@
         <a:buSzTx/>
         <a:buFontTx/>
         <a:buNone/>
-        <a:tabLst/>
-        <a:defRPr b="0" baseline="0" cap="none" i="0" spc="0" strike="noStrike" sz="4400" u="none">
+        <a:defRPr sz="4400" b="0" i="0" u="none" strike="noStrike" cap="none" spc="0" baseline="0">
           <a:solidFill>
             <a:srgbClr val="000000"/>
           </a:solidFill>
           <a:uFillTx/>
-          <a:latin typeface="Arial"/>
-          <a:ea typeface="Arial"/>
-          <a:cs typeface="Arial"/>
-          <a:sym typeface="Arial"/>
+          <a:latin typeface="Arial" panose="020B0604020202020204"/>
+          <a:ea typeface="Arial" panose="020B0604020202020204"/>
+          <a:cs typeface="Arial" panose="020B0604020202020204"/>
+          <a:sym typeface="Arial" panose="020B0604020202020204"/>
         </a:defRPr>
       </a:lvl6pPr>
       <a:lvl7pPr marL="0" marR="0" indent="0" algn="ctr" defTabSz="914400" rtl="0" latinLnBrk="0">
@@ -2163,16 +2139,15 @@
         <a:buSzTx/>
         <a:buFontTx/>
         <a:buNone/>
-        <a:tabLst/>
-        <a:defRPr b="0" baseline="0" cap="none" i="0" spc="0" strike="noStrike" sz="4400" u="none">
+        <a:defRPr sz="4400" b="0" i="0" u="none" strike="noStrike" cap="none" spc="0" baseline="0">
           <a:solidFill>
             <a:srgbClr val="000000"/>
           </a:solidFill>
           <a:uFillTx/>
-          <a:latin typeface="Arial"/>
-          <a:ea typeface="Arial"/>
-          <a:cs typeface="Arial"/>
-          <a:sym typeface="Arial"/>
+          <a:latin typeface="Arial" panose="020B0604020202020204"/>
+          <a:ea typeface="Arial" panose="020B0604020202020204"/>
+          <a:cs typeface="Arial" panose="020B0604020202020204"/>
+          <a:sym typeface="Arial" panose="020B0604020202020204"/>
         </a:defRPr>
       </a:lvl7pPr>
       <a:lvl8pPr marL="0" marR="0" indent="0" algn="ctr" defTabSz="914400" rtl="0" latinLnBrk="0">
@@ -2189,16 +2164,15 @@
         <a:buSzTx/>
         <a:buFontTx/>
         <a:buNone/>
-        <a:tabLst/>
-        <a:defRPr b="0" baseline="0" cap="none" i="0" spc="0" strike="noStrike" sz="4400" u="none">
+        <a:defRPr sz="4400" b="0" i="0" u="none" strike="noStrike" cap="none" spc="0" baseline="0">
           <a:solidFill>
             <a:srgbClr val="000000"/>
           </a:solidFill>
           <a:uFillTx/>
-          <a:latin typeface="Arial"/>
-          <a:ea typeface="Arial"/>
-          <a:cs typeface="Arial"/>
-          <a:sym typeface="Arial"/>
+          <a:latin typeface="Arial" panose="020B0604020202020204"/>
+          <a:ea typeface="Arial" panose="020B0604020202020204"/>
+          <a:cs typeface="Arial" panose="020B0604020202020204"/>
+          <a:sym typeface="Arial" panose="020B0604020202020204"/>
         </a:defRPr>
       </a:lvl8pPr>
       <a:lvl9pPr marL="0" marR="0" indent="0" algn="ctr" defTabSz="914400" rtl="0" latinLnBrk="0">
@@ -2215,16 +2189,15 @@
         <a:buSzTx/>
         <a:buFontTx/>
         <a:buNone/>
-        <a:tabLst/>
-        <a:defRPr b="0" baseline="0" cap="none" i="0" spc="0" strike="noStrike" sz="4400" u="none">
+        <a:defRPr sz="4400" b="0" i="0" u="none" strike="noStrike" cap="none" spc="0" baseline="0">
           <a:solidFill>
             <a:srgbClr val="000000"/>
           </a:solidFill>
           <a:uFillTx/>
-          <a:latin typeface="Arial"/>
-          <a:ea typeface="Arial"/>
-          <a:cs typeface="Arial"/>
-          <a:sym typeface="Arial"/>
+          <a:latin typeface="Arial" panose="020B0604020202020204"/>
+          <a:ea typeface="Arial" panose="020B0604020202020204"/>
+          <a:cs typeface="Arial" panose="020B0604020202020204"/>
+          <a:sym typeface="Arial" panose="020B0604020202020204"/>
         </a:defRPr>
       </a:lvl9pPr>
     </p:titleStyle>
@@ -2243,19 +2216,18 @@
         <a:buSzPct val="100000"/>
         <a:buFontTx/>
         <a:buChar char="•"/>
-        <a:tabLst/>
-        <a:defRPr b="0" baseline="0" cap="none" i="0" spc="0" strike="noStrike" sz="3200" u="none">
+        <a:defRPr sz="3200" b="0" i="0" u="none" strike="noStrike" cap="none" spc="0" baseline="0">
           <a:solidFill>
             <a:srgbClr val="000000"/>
           </a:solidFill>
           <a:uFillTx/>
-          <a:latin typeface="Arial"/>
-          <a:ea typeface="Arial"/>
-          <a:cs typeface="Arial"/>
-          <a:sym typeface="Arial"/>
+          <a:latin typeface="Arial" panose="020B0604020202020204"/>
+          <a:ea typeface="Arial" panose="020B0604020202020204"/>
+          <a:cs typeface="Arial" panose="020B0604020202020204"/>
+          <a:sym typeface="Arial" panose="020B0604020202020204"/>
         </a:defRPr>
       </a:lvl1pPr>
-      <a:lvl2pPr marL="783771" marR="0" indent="-326571" algn="l" defTabSz="914400" rtl="0" latinLnBrk="0">
+      <a:lvl2pPr marL="783590" marR="0" indent="-326390" algn="l" defTabSz="914400" rtl="0" latinLnBrk="0">
         <a:lnSpc>
           <a:spcPct val="100000"/>
         </a:lnSpc>
@@ -2269,16 +2241,15 @@
         <a:buSzPct val="100000"/>
         <a:buFontTx/>
         <a:buChar char="–"/>
-        <a:tabLst/>
-        <a:defRPr b="0" baseline="0" cap="none" i="0" spc="0" strike="noStrike" sz="3200" u="none">
+        <a:defRPr sz="3200" b="0" i="0" u="none" strike="noStrike" cap="none" spc="0" baseline="0">
           <a:solidFill>
             <a:srgbClr val="000000"/>
           </a:solidFill>
           <a:uFillTx/>
-          <a:latin typeface="Arial"/>
-          <a:ea typeface="Arial"/>
-          <a:cs typeface="Arial"/>
-          <a:sym typeface="Arial"/>
+          <a:latin typeface="Arial" panose="020B0604020202020204"/>
+          <a:ea typeface="Arial" panose="020B0604020202020204"/>
+          <a:cs typeface="Arial" panose="020B0604020202020204"/>
+          <a:sym typeface="Arial" panose="020B0604020202020204"/>
         </a:defRPr>
       </a:lvl2pPr>
       <a:lvl3pPr marL="1219200" marR="0" indent="-304800" algn="l" defTabSz="914400" rtl="0" latinLnBrk="0">
@@ -2295,16 +2266,15 @@
         <a:buSzPct val="100000"/>
         <a:buFontTx/>
         <a:buChar char="•"/>
-        <a:tabLst/>
-        <a:defRPr b="0" baseline="0" cap="none" i="0" spc="0" strike="noStrike" sz="3200" u="none">
+        <a:defRPr sz="3200" b="0" i="0" u="none" strike="noStrike" cap="none" spc="0" baseline="0">
           <a:solidFill>
             <a:srgbClr val="000000"/>
           </a:solidFill>
           <a:uFillTx/>
-          <a:latin typeface="Arial"/>
-          <a:ea typeface="Arial"/>
-          <a:cs typeface="Arial"/>
-          <a:sym typeface="Arial"/>
+          <a:latin typeface="Arial" panose="020B0604020202020204"/>
+          <a:ea typeface="Arial" panose="020B0604020202020204"/>
+          <a:cs typeface="Arial" panose="020B0604020202020204"/>
+          <a:sym typeface="Arial" panose="020B0604020202020204"/>
         </a:defRPr>
       </a:lvl3pPr>
       <a:lvl4pPr marL="1737360" marR="0" indent="-365760" algn="l" defTabSz="914400" rtl="0" latinLnBrk="0">
@@ -2321,16 +2291,15 @@
         <a:buSzPct val="100000"/>
         <a:buFontTx/>
         <a:buChar char="–"/>
-        <a:tabLst/>
-        <a:defRPr b="0" baseline="0" cap="none" i="0" spc="0" strike="noStrike" sz="3200" u="none">
+        <a:defRPr sz="3200" b="0" i="0" u="none" strike="noStrike" cap="none" spc="0" baseline="0">
           <a:solidFill>
             <a:srgbClr val="000000"/>
           </a:solidFill>
           <a:uFillTx/>
-          <a:latin typeface="Arial"/>
-          <a:ea typeface="Arial"/>
-          <a:cs typeface="Arial"/>
-          <a:sym typeface="Arial"/>
+          <a:latin typeface="Arial" panose="020B0604020202020204"/>
+          <a:ea typeface="Arial" panose="020B0604020202020204"/>
+          <a:cs typeface="Arial" panose="020B0604020202020204"/>
+          <a:sym typeface="Arial" panose="020B0604020202020204"/>
         </a:defRPr>
       </a:lvl4pPr>
       <a:lvl5pPr marL="2194560" marR="0" indent="-365760" algn="l" defTabSz="914400" rtl="0" latinLnBrk="0">
@@ -2347,16 +2316,15 @@
         <a:buSzPct val="100000"/>
         <a:buFontTx/>
         <a:buChar char="»"/>
-        <a:tabLst/>
-        <a:defRPr b="0" baseline="0" cap="none" i="0" spc="0" strike="noStrike" sz="3200" u="none">
+        <a:defRPr sz="3200" b="0" i="0" u="none" strike="noStrike" cap="none" spc="0" baseline="0">
           <a:solidFill>
             <a:srgbClr val="000000"/>
           </a:solidFill>
           <a:uFillTx/>
-          <a:latin typeface="Arial"/>
-          <a:ea typeface="Arial"/>
-          <a:cs typeface="Arial"/>
-          <a:sym typeface="Arial"/>
+          <a:latin typeface="Arial" panose="020B0604020202020204"/>
+          <a:ea typeface="Arial" panose="020B0604020202020204"/>
+          <a:cs typeface="Arial" panose="020B0604020202020204"/>
+          <a:sym typeface="Arial" panose="020B0604020202020204"/>
         </a:defRPr>
       </a:lvl5pPr>
       <a:lvl6pPr marL="2651760" marR="0" indent="-365760" algn="l" defTabSz="914400" rtl="0" latinLnBrk="0">
@@ -2373,16 +2341,15 @@
         <a:buSzPct val="100000"/>
         <a:buFontTx/>
         <a:buChar char="»"/>
-        <a:tabLst/>
-        <a:defRPr b="0" baseline="0" cap="none" i="0" spc="0" strike="noStrike" sz="3200" u="none">
+        <a:defRPr sz="3200" b="0" i="0" u="none" strike="noStrike" cap="none" spc="0" baseline="0">
           <a:solidFill>
             <a:srgbClr val="000000"/>
           </a:solidFill>
           <a:uFillTx/>
-          <a:latin typeface="Arial"/>
-          <a:ea typeface="Arial"/>
-          <a:cs typeface="Arial"/>
-          <a:sym typeface="Arial"/>
+          <a:latin typeface="Arial" panose="020B0604020202020204"/>
+          <a:ea typeface="Arial" panose="020B0604020202020204"/>
+          <a:cs typeface="Arial" panose="020B0604020202020204"/>
+          <a:sym typeface="Arial" panose="020B0604020202020204"/>
         </a:defRPr>
       </a:lvl6pPr>
       <a:lvl7pPr marL="3108960" marR="0" indent="-365760" algn="l" defTabSz="914400" rtl="0" latinLnBrk="0">
@@ -2399,19 +2366,18 @@
         <a:buSzPct val="100000"/>
         <a:buFontTx/>
         <a:buChar char="»"/>
-        <a:tabLst/>
-        <a:defRPr b="0" baseline="0" cap="none" i="0" spc="0" strike="noStrike" sz="3200" u="none">
+        <a:defRPr sz="3200" b="0" i="0" u="none" strike="noStrike" cap="none" spc="0" baseline="0">
           <a:solidFill>
             <a:srgbClr val="000000"/>
           </a:solidFill>
           <a:uFillTx/>
-          <a:latin typeface="Arial"/>
-          <a:ea typeface="Arial"/>
-          <a:cs typeface="Arial"/>
-          <a:sym typeface="Arial"/>
+          <a:latin typeface="Arial" panose="020B0604020202020204"/>
+          <a:ea typeface="Arial" panose="020B0604020202020204"/>
+          <a:cs typeface="Arial" panose="020B0604020202020204"/>
+          <a:sym typeface="Arial" panose="020B0604020202020204"/>
         </a:defRPr>
       </a:lvl7pPr>
-      <a:lvl8pPr marL="3566159" marR="0" indent="-365759" algn="l" defTabSz="914400" rtl="0" latinLnBrk="0">
+      <a:lvl8pPr marL="3566160" marR="0" indent="-365760" algn="l" defTabSz="914400" rtl="0" latinLnBrk="0">
         <a:lnSpc>
           <a:spcPct val="100000"/>
         </a:lnSpc>
@@ -2425,19 +2391,18 @@
         <a:buSzPct val="100000"/>
         <a:buFontTx/>
         <a:buChar char="»"/>
-        <a:tabLst/>
-        <a:defRPr b="0" baseline="0" cap="none" i="0" spc="0" strike="noStrike" sz="3200" u="none">
+        <a:defRPr sz="3200" b="0" i="0" u="none" strike="noStrike" cap="none" spc="0" baseline="0">
           <a:solidFill>
             <a:srgbClr val="000000"/>
           </a:solidFill>
           <a:uFillTx/>
-          <a:latin typeface="Arial"/>
-          <a:ea typeface="Arial"/>
-          <a:cs typeface="Arial"/>
-          <a:sym typeface="Arial"/>
+          <a:latin typeface="Arial" panose="020B0604020202020204"/>
+          <a:ea typeface="Arial" panose="020B0604020202020204"/>
+          <a:cs typeface="Arial" panose="020B0604020202020204"/>
+          <a:sym typeface="Arial" panose="020B0604020202020204"/>
         </a:defRPr>
       </a:lvl8pPr>
-      <a:lvl9pPr marL="4023359" marR="0" indent="-365759" algn="l" defTabSz="914400" rtl="0" latinLnBrk="0">
+      <a:lvl9pPr marL="4023360" marR="0" indent="-365760" algn="l" defTabSz="914400" rtl="0" latinLnBrk="0">
         <a:lnSpc>
           <a:spcPct val="100000"/>
         </a:lnSpc>
@@ -2451,16 +2416,15 @@
         <a:buSzPct val="100000"/>
         <a:buFontTx/>
         <a:buChar char="»"/>
-        <a:tabLst/>
-        <a:defRPr b="0" baseline="0" cap="none" i="0" spc="0" strike="noStrike" sz="3200" u="none">
+        <a:defRPr sz="3200" b="0" i="0" u="none" strike="noStrike" cap="none" spc="0" baseline="0">
           <a:solidFill>
             <a:srgbClr val="000000"/>
           </a:solidFill>
           <a:uFillTx/>
-          <a:latin typeface="Arial"/>
-          <a:ea typeface="Arial"/>
-          <a:cs typeface="Arial"/>
-          <a:sym typeface="Arial"/>
+          <a:latin typeface="Arial" panose="020B0604020202020204"/>
+          <a:ea typeface="Arial" panose="020B0604020202020204"/>
+          <a:cs typeface="Arial" panose="020B0604020202020204"/>
+          <a:sym typeface="Arial" panose="020B0604020202020204"/>
         </a:defRPr>
       </a:lvl9pPr>
     </p:bodyStyle>
@@ -2479,8 +2443,7 @@
         <a:buSzTx/>
         <a:buFontTx/>
         <a:buNone/>
-        <a:tabLst/>
-        <a:defRPr b="0" baseline="0" cap="none" i="0" spc="0" strike="noStrike" sz="1400" u="none">
+        <a:defRPr sz="1400" b="0" i="0" u="none" strike="noStrike" cap="none" spc="0" baseline="0">
           <a:solidFill>
             <a:schemeClr val="tx1"/>
           </a:solidFill>
@@ -2488,7 +2451,7 @@
           <a:latin typeface="+mn-lt"/>
           <a:ea typeface="+mn-ea"/>
           <a:cs typeface="+mn-cs"/>
-          <a:sym typeface="Arial"/>
+          <a:sym typeface="Arial" panose="020B0604020202020204"/>
         </a:defRPr>
       </a:lvl1pPr>
       <a:lvl2pPr marL="0" marR="0" indent="457200" algn="r" defTabSz="914400" rtl="0" latinLnBrk="0">
@@ -2505,8 +2468,7 @@
         <a:buSzTx/>
         <a:buFontTx/>
         <a:buNone/>
-        <a:tabLst/>
-        <a:defRPr b="0" baseline="0" cap="none" i="0" spc="0" strike="noStrike" sz="1400" u="none">
+        <a:defRPr sz="1400" b="0" i="0" u="none" strike="noStrike" cap="none" spc="0" baseline="0">
           <a:solidFill>
             <a:schemeClr val="tx1"/>
           </a:solidFill>
@@ -2514,7 +2476,7 @@
           <a:latin typeface="+mn-lt"/>
           <a:ea typeface="+mn-ea"/>
           <a:cs typeface="+mn-cs"/>
-          <a:sym typeface="Arial"/>
+          <a:sym typeface="Arial" panose="020B0604020202020204"/>
         </a:defRPr>
       </a:lvl2pPr>
       <a:lvl3pPr marL="0" marR="0" indent="914400" algn="r" defTabSz="914400" rtl="0" latinLnBrk="0">
@@ -2531,8 +2493,7 @@
         <a:buSzTx/>
         <a:buFontTx/>
         <a:buNone/>
-        <a:tabLst/>
-        <a:defRPr b="0" baseline="0" cap="none" i="0" spc="0" strike="noStrike" sz="1400" u="none">
+        <a:defRPr sz="1400" b="0" i="0" u="none" strike="noStrike" cap="none" spc="0" baseline="0">
           <a:solidFill>
             <a:schemeClr val="tx1"/>
           </a:solidFill>
@@ -2540,7 +2501,7 @@
           <a:latin typeface="+mn-lt"/>
           <a:ea typeface="+mn-ea"/>
           <a:cs typeface="+mn-cs"/>
-          <a:sym typeface="Arial"/>
+          <a:sym typeface="Arial" panose="020B0604020202020204"/>
         </a:defRPr>
       </a:lvl3pPr>
       <a:lvl4pPr marL="0" marR="0" indent="1371600" algn="r" defTabSz="914400" rtl="0" latinLnBrk="0">
@@ -2557,8 +2518,7 @@
         <a:buSzTx/>
         <a:buFontTx/>
         <a:buNone/>
-        <a:tabLst/>
-        <a:defRPr b="0" baseline="0" cap="none" i="0" spc="0" strike="noStrike" sz="1400" u="none">
+        <a:defRPr sz="1400" b="0" i="0" u="none" strike="noStrike" cap="none" spc="0" baseline="0">
           <a:solidFill>
             <a:schemeClr val="tx1"/>
           </a:solidFill>
@@ -2566,7 +2526,7 @@
           <a:latin typeface="+mn-lt"/>
           <a:ea typeface="+mn-ea"/>
           <a:cs typeface="+mn-cs"/>
-          <a:sym typeface="Arial"/>
+          <a:sym typeface="Arial" panose="020B0604020202020204"/>
         </a:defRPr>
       </a:lvl4pPr>
       <a:lvl5pPr marL="0" marR="0" indent="1828800" algn="r" defTabSz="914400" rtl="0" latinLnBrk="0">
@@ -2583,8 +2543,7 @@
         <a:buSzTx/>
         <a:buFontTx/>
         <a:buNone/>
-        <a:tabLst/>
-        <a:defRPr b="0" baseline="0" cap="none" i="0" spc="0" strike="noStrike" sz="1400" u="none">
+        <a:defRPr sz="1400" b="0" i="0" u="none" strike="noStrike" cap="none" spc="0" baseline="0">
           <a:solidFill>
             <a:schemeClr val="tx1"/>
           </a:solidFill>
@@ -2592,7 +2551,7 @@
           <a:latin typeface="+mn-lt"/>
           <a:ea typeface="+mn-ea"/>
           <a:cs typeface="+mn-cs"/>
-          <a:sym typeface="Arial"/>
+          <a:sym typeface="Arial" panose="020B0604020202020204"/>
         </a:defRPr>
       </a:lvl5pPr>
       <a:lvl6pPr marL="0" marR="0" indent="2286000" algn="r" defTabSz="914400" rtl="0" latinLnBrk="0">
@@ -2609,8 +2568,7 @@
         <a:buSzTx/>
         <a:buFontTx/>
         <a:buNone/>
-        <a:tabLst/>
-        <a:defRPr b="0" baseline="0" cap="none" i="0" spc="0" strike="noStrike" sz="1400" u="none">
+        <a:defRPr sz="1400" b="0" i="0" u="none" strike="noStrike" cap="none" spc="0" baseline="0">
           <a:solidFill>
             <a:schemeClr val="tx1"/>
           </a:solidFill>
@@ -2618,7 +2576,7 @@
           <a:latin typeface="+mn-lt"/>
           <a:ea typeface="+mn-ea"/>
           <a:cs typeface="+mn-cs"/>
-          <a:sym typeface="Arial"/>
+          <a:sym typeface="Arial" panose="020B0604020202020204"/>
         </a:defRPr>
       </a:lvl6pPr>
       <a:lvl7pPr marL="0" marR="0" indent="2743200" algn="r" defTabSz="914400" rtl="0" latinLnBrk="0">
@@ -2635,8 +2593,7 @@
         <a:buSzTx/>
         <a:buFontTx/>
         <a:buNone/>
-        <a:tabLst/>
-        <a:defRPr b="0" baseline="0" cap="none" i="0" spc="0" strike="noStrike" sz="1400" u="none">
+        <a:defRPr sz="1400" b="0" i="0" u="none" strike="noStrike" cap="none" spc="0" baseline="0">
           <a:solidFill>
             <a:schemeClr val="tx1"/>
           </a:solidFill>
@@ -2644,7 +2601,7 @@
           <a:latin typeface="+mn-lt"/>
           <a:ea typeface="+mn-ea"/>
           <a:cs typeface="+mn-cs"/>
-          <a:sym typeface="Arial"/>
+          <a:sym typeface="Arial" panose="020B0604020202020204"/>
         </a:defRPr>
       </a:lvl7pPr>
       <a:lvl8pPr marL="0" marR="0" indent="3200400" algn="r" defTabSz="914400" rtl="0" latinLnBrk="0">
@@ -2661,8 +2618,7 @@
         <a:buSzTx/>
         <a:buFontTx/>
         <a:buNone/>
-        <a:tabLst/>
-        <a:defRPr b="0" baseline="0" cap="none" i="0" spc="0" strike="noStrike" sz="1400" u="none">
+        <a:defRPr sz="1400" b="0" i="0" u="none" strike="noStrike" cap="none" spc="0" baseline="0">
           <a:solidFill>
             <a:schemeClr val="tx1"/>
           </a:solidFill>
@@ -2670,7 +2626,7 @@
           <a:latin typeface="+mn-lt"/>
           <a:ea typeface="+mn-ea"/>
           <a:cs typeface="+mn-cs"/>
-          <a:sym typeface="Arial"/>
+          <a:sym typeface="Arial" panose="020B0604020202020204"/>
         </a:defRPr>
       </a:lvl8pPr>
       <a:lvl9pPr marL="0" marR="0" indent="3657600" algn="r" defTabSz="914400" rtl="0" latinLnBrk="0">
@@ -2687,8 +2643,7 @@
         <a:buSzTx/>
         <a:buFontTx/>
         <a:buNone/>
-        <a:tabLst/>
-        <a:defRPr b="0" baseline="0" cap="none" i="0" spc="0" strike="noStrike" sz="1400" u="none">
+        <a:defRPr sz="1400" b="0" i="0" u="none" strike="noStrike" cap="none" spc="0" baseline="0">
           <a:solidFill>
             <a:schemeClr val="tx1"/>
           </a:solidFill>
@@ -2696,7 +2651,7 @@
           <a:latin typeface="+mn-lt"/>
           <a:ea typeface="+mn-ea"/>
           <a:cs typeface="+mn-cs"/>
-          <a:sym typeface="Arial"/>
+          <a:sym typeface="Arial" panose="020B0604020202020204"/>
         </a:defRPr>
       </a:lvl9pPr>
     </p:otherStyle>
@@ -2705,7 +2660,7 @@
 </file>
 
 <file path=ppt/slides/slide1.xml><?xml version="1.0" encoding="utf-8"?>
-<p:sld xmlns:a="http://schemas.openxmlformats.org/drawingml/2006/main" xmlns:r="http://schemas.openxmlformats.org/officeDocument/2006/relationships" xmlns:p="http://schemas.openxmlformats.org/presentationml/2006/main" xmlns:m="http://schemas.openxmlformats.org/officeDocument/2006/math" xmlns:a14="http://schemas.microsoft.com/office/drawing/2010/main" showMasterSp="1" showMasterPhAnim="1">
+<p:sld xmlns:a="http://schemas.openxmlformats.org/drawingml/2006/main" xmlns:r="http://schemas.openxmlformats.org/officeDocument/2006/relationships" xmlns:p="http://schemas.openxmlformats.org/presentationml/2006/main">
   <p:cSld>
     <p:spTree>
       <p:nvGrpSpPr>
@@ -2738,11 +2693,6 @@
           <a:ln w="12700">
             <a:miter lim="400000"/>
           </a:ln>
-          <a:extLst>
-            <a:ext uri="{C572A759-6A51-4108-AA02-DFA0A04FC94B}">
-              <ma14:wrappingTextBoxFlag xmlns:ma14="http://schemas.microsoft.com/office/mac/drawingml/2011/main" val="1"/>
-            </a:ext>
-          </a:extLst>
         </p:spPr>
         <p:txBody>
           <a:bodyPr lIns="45719" rIns="45719">
@@ -2750,7 +2700,7 @@
           </a:bodyPr>
           <a:lstStyle>
             <a:lvl1pPr algn="ctr">
-              <a:defRPr b="1" sz="1400">
+              <a:defRPr sz="1400" b="1">
                 <a:solidFill>
                   <a:srgbClr val="888888"/>
                 </a:solidFill>
@@ -2758,7 +2708,6 @@
             </a:lvl1pPr>
           </a:lstStyle>
           <a:p>
-            <a:pPr/>
             <a:r>
               <a:t>http://www.mashibing.com</a:t>
             </a:r>
@@ -2787,15 +2736,14 @@
           <a:lstStyle>
             <a:lvl1pPr algn="l">
               <a:defRPr sz="3600">
-                <a:latin typeface="宋体"/>
-                <a:ea typeface="宋体"/>
-                <a:cs typeface="宋体"/>
-                <a:sym typeface="宋体"/>
+                <a:latin typeface="宋体" panose="02010600030101010101" pitchFamily="2" charset="-122"/>
+                <a:ea typeface="宋体" panose="02010600030101010101" pitchFamily="2" charset="-122"/>
+                <a:cs typeface="宋体" panose="02010600030101010101" pitchFamily="2" charset="-122"/>
+                <a:sym typeface="宋体" panose="02010600030101010101" pitchFamily="2" charset="-122"/>
               </a:defRPr>
             </a:lvl1pPr>
           </a:lstStyle>
           <a:p>
-            <a:pPr/>
             <a:r>
               <a:t>Elasticsearch核心概念</a:t>
             </a:r>
@@ -2811,9 +2759,7 @@
           <p:nvPr/>
         </p:nvPicPr>
         <p:blipFill>
-          <a:blip r:embed="rId2">
-            <a:extLst/>
-          </a:blip>
+          <a:blip r:embed="rId1"/>
           <a:stretch>
             <a:fillRect/>
           </a:stretch>
@@ -2828,6 +2774,8 @@
           </a:prstGeom>
           <a:ln w="12700">
             <a:miter lim="400000"/>
+            <a:headEnd/>
+            <a:tailEnd/>
           </a:ln>
         </p:spPr>
       </p:pic>
@@ -2847,11 +2795,6 @@
           <a:prstGeom prst="rect">
             <a:avLst/>
           </a:prstGeom>
-          <a:extLst>
-            <a:ext uri="{C572A759-6A51-4108-AA02-DFA0A04FC94B}">
-              <ma14:wrappingTextBoxFlag xmlns:ma14="http://schemas.microsoft.com/office/mac/drawingml/2011/main" val="1"/>
-            </a:ext>
-          </a:extLst>
         </p:spPr>
         <p:txBody>
           <a:bodyPr/>
@@ -2865,8 +2808,10 @@
             </a:lvl1pPr>
           </a:lstStyle>
           <a:p>
-            <a:pPr/>
-            <a:fld id="{86CB4B4D-7CA3-9044-876B-883B54F8677D}" type="slidenum"/>
+            <a:fld id="{86CB4B4D-7CA3-9044-876B-883B54F8677D}" type="slidenum">
+              <a:rPr/>
+            </a:fld>
+            <a:endParaRPr/>
           </a:p>
         </p:txBody>
       </p:sp>
@@ -2887,11 +2832,6 @@
           <a:ln w="12700">
             <a:miter lim="400000"/>
           </a:ln>
-          <a:extLst>
-            <a:ext uri="{C572A759-6A51-4108-AA02-DFA0A04FC94B}">
-              <ma14:wrappingTextBoxFlag xmlns:ma14="http://schemas.microsoft.com/office/mac/drawingml/2011/main" val="1"/>
-            </a:ext>
-          </a:extLst>
         </p:spPr>
         <p:txBody>
           <a:bodyPr lIns="45719" rIns="45719">
@@ -2899,12 +2839,11 @@
           </a:bodyPr>
           <a:lstStyle>
             <a:lvl1pPr>
-              <a:buFont typeface="Wingdings"/>
+              <a:buFont typeface="Wingdings" panose="05000000000000000000"/>
               <a:defRPr b="1"/>
             </a:lvl1pPr>
           </a:lstStyle>
           <a:p>
-            <a:pPr/>
             <a:r>
               <a:t>倒排索引深入解读</a:t>
             </a:r>
@@ -2928,11 +2867,6 @@
           <a:ln w="12700">
             <a:miter lim="400000"/>
           </a:ln>
-          <a:extLst>
-            <a:ext uri="{C572A759-6A51-4108-AA02-DFA0A04FC94B}">
-              <ma14:wrappingTextBoxFlag xmlns:ma14="http://schemas.microsoft.com/office/mac/drawingml/2011/main" val="1"/>
-            </a:ext>
-          </a:extLst>
         </p:spPr>
         <p:txBody>
           <a:bodyPr lIns="45719" rIns="45719">
@@ -2940,12 +2874,11 @@
           </a:bodyPr>
           <a:lstStyle>
             <a:lvl1pPr>
-              <a:buFont typeface="Wingdings"/>
+              <a:buFont typeface="Wingdings" panose="05000000000000000000"/>
               <a:defRPr b="1"/>
             </a:lvl1pPr>
           </a:lstStyle>
           <a:p>
-            <a:pPr/>
             <a:r>
               <a:t>Lucene简介</a:t>
             </a:r>
@@ -2969,11 +2902,6 @@
           <a:ln w="12700">
             <a:miter lim="400000"/>
           </a:ln>
-          <a:extLst>
-            <a:ext uri="{C572A759-6A51-4108-AA02-DFA0A04FC94B}">
-              <ma14:wrappingTextBoxFlag xmlns:ma14="http://schemas.microsoft.com/office/mac/drawingml/2011/main" val="1"/>
-            </a:ext>
-          </a:extLst>
         </p:spPr>
         <p:txBody>
           <a:bodyPr lIns="45719" rIns="45719">
@@ -2981,12 +2909,11 @@
           </a:bodyPr>
           <a:lstStyle>
             <a:lvl1pPr>
-              <a:buFont typeface="Wingdings"/>
+              <a:buFont typeface="Wingdings" panose="05000000000000000000"/>
               <a:defRPr b="1"/>
             </a:lvl1pPr>
           </a:lstStyle>
           <a:p>
-            <a:pPr/>
             <a:r>
               <a:t>Elasticsearch概念</a:t>
             </a:r>
@@ -3010,11 +2937,6 @@
           <a:ln w="12700">
             <a:miter lim="400000"/>
           </a:ln>
-          <a:extLst>
-            <a:ext uri="{C572A759-6A51-4108-AA02-DFA0A04FC94B}">
-              <ma14:wrappingTextBoxFlag xmlns:ma14="http://schemas.microsoft.com/office/mac/drawingml/2011/main" val="1"/>
-            </a:ext>
-          </a:extLst>
         </p:spPr>
         <p:txBody>
           <a:bodyPr lIns="45719" rIns="45719">
@@ -3022,12 +2944,11 @@
           </a:bodyPr>
           <a:lstStyle>
             <a:lvl1pPr>
-              <a:buFont typeface="Wingdings"/>
+              <a:buFont typeface="Wingdings" panose="05000000000000000000"/>
               <a:defRPr b="1"/>
             </a:lvl1pPr>
           </a:lstStyle>
           <a:p>
-            <a:pPr/>
             <a:r>
               <a:t>集群、索引、分片和文档</a:t>
             </a:r>
@@ -3039,14 +2960,14 @@
   <p:clrMapOvr>
     <a:masterClrMapping/>
   </p:clrMapOvr>
-  <p:transition xmlns:p14="http://schemas.microsoft.com/office/powerpoint/2010/main" spd="med" advClick="1"/>
+  <p:transition spd="med"/>
   <p:timing>
     <p:tnLst>
       <p:par>
-        <p:cTn id="1" nodeType="tmRoot" restart="never" dur="indefinite" fill="hold">
+        <p:cTn id="1" dur="indefinite" restart="never" fill="hold" nodeType="tmRoot">
           <p:childTnLst>
-            <p:seq concurrent="1" prevAc="none" nextAc="seek">
-              <p:cTn id="2" nodeType="mainSeq" dur="indefinite" fill="hold">
+            <p:seq concurrent="1" nextAc="seek">
+              <p:cTn id="2" dur="indefinite" fill="hold" nodeType="mainSeq">
                 <p:childTnLst>
                   <p:par>
                     <p:cTn id="3" fill="hold">
@@ -3061,17 +2982,17 @@
                             </p:stCondLst>
                             <p:childTnLst>
                               <p:par>
-                                <p:cTn id="5" presetClass="entr" nodeType="clickEffect" presetSubtype="8" presetID="22" grpId="1" fill="hold">
+                                <p:cTn id="5" presetID="22" presetClass="entr" presetSubtype="8" fill="hold" grpId="1" nodeType="clickEffect">
                                   <p:stCondLst>
                                     <p:cond delay="0"/>
                                   </p:stCondLst>
-                                  <p:iterate type="el" backwards="0">
+                                  <p:iterate type="el">
                                     <p:tmAbs val="0"/>
                                   </p:iterate>
                                   <p:childTnLst>
                                     <p:set>
                                       <p:cBhvr>
-                                        <p:cTn id="6" fill="hold"/>
+                                        <p:cTn id="6" dur="indefinite" fill="hold"/>
                                         <p:tgtEl>
                                           <p:spTgt spid="99"/>
                                         </p:tgtEl>
@@ -3083,7 +3004,7 @@
                                         <p:strVal val="visible"/>
                                       </p:to>
                                     </p:set>
-                                    <p:animEffect filter="wipe(left)" transition="in">
+                                    <p:animEffect transition="in" filter="wipe(left)">
                                       <p:cBhvr>
                                         <p:cTn id="7" dur="1000"/>
                                         <p:tgtEl>
@@ -3113,17 +3034,17 @@
                             </p:stCondLst>
                             <p:childTnLst>
                               <p:par>
-                                <p:cTn id="10" presetClass="entr" nodeType="clickEffect" presetSubtype="8" presetID="2" grpId="2" fill="hold">
+                                <p:cTn id="10" presetID="2" presetClass="entr" presetSubtype="8" fill="hold" grpId="2" nodeType="clickEffect">
                                   <p:stCondLst>
                                     <p:cond delay="0"/>
                                   </p:stCondLst>
-                                  <p:iterate type="el" backwards="0">
+                                  <p:iterate type="el">
                                     <p:tmAbs val="0"/>
                                   </p:iterate>
                                   <p:childTnLst>
                                     <p:set>
                                       <p:cBhvr>
-                                        <p:cTn id="11" fill="hold"/>
+                                        <p:cTn id="11" dur="indefinite" fill="hold"/>
                                         <p:tgtEl>
                                           <p:spTgt spid="100"/>
                                         </p:tgtEl>
@@ -3203,17 +3124,17 @@
                             </p:stCondLst>
                             <p:childTnLst>
                               <p:par>
-                                <p:cTn id="16" presetClass="entr" nodeType="clickEffect" presetSubtype="8" presetID="2" grpId="3" fill="hold">
+                                <p:cTn id="16" presetID="2" presetClass="entr" presetSubtype="8" fill="hold" grpId="3" nodeType="clickEffect">
                                   <p:stCondLst>
                                     <p:cond delay="0"/>
                                   </p:stCondLst>
-                                  <p:iterate type="el" backwards="0">
+                                  <p:iterate type="el">
                                     <p:tmAbs val="0"/>
                                   </p:iterate>
                                   <p:childTnLst>
                                     <p:set>
                                       <p:cBhvr>
-                                        <p:cTn id="17" fill="hold"/>
+                                        <p:cTn id="17" dur="indefinite" fill="hold"/>
                                         <p:tgtEl>
                                           <p:spTgt spid="101"/>
                                         </p:tgtEl>
@@ -3293,17 +3214,17 @@
                             </p:stCondLst>
                             <p:childTnLst>
                               <p:par>
-                                <p:cTn id="22" presetClass="entr" nodeType="clickEffect" presetSubtype="8" presetID="2" grpId="4" fill="hold">
+                                <p:cTn id="22" presetID="2" presetClass="entr" presetSubtype="8" fill="hold" grpId="4" nodeType="clickEffect">
                                   <p:stCondLst>
                                     <p:cond delay="0"/>
                                   </p:stCondLst>
-                                  <p:iterate type="el" backwards="0">
+                                  <p:iterate type="el">
                                     <p:tmAbs val="0"/>
                                   </p:iterate>
                                   <p:childTnLst>
                                     <p:set>
                                       <p:cBhvr>
-                                        <p:cTn id="23" fill="hold"/>
+                                        <p:cTn id="23" dur="indefinite" fill="hold"/>
                                         <p:tgtEl>
                                           <p:spTgt spid="98"/>
                                         </p:tgtEl>
@@ -3392,17 +3313,17 @@
       </p:par>
     </p:tnLst>
     <p:bldLst>
-      <p:bldP build="whole" bldLvl="1" animBg="1" rev="0" advAuto="0" spid="100" grpId="2"/>
-      <p:bldP build="whole" bldLvl="1" animBg="1" rev="0" advAuto="0" spid="101" grpId="3"/>
-      <p:bldP build="whole" bldLvl="1" animBg="1" rev="0" advAuto="0" spid="99" grpId="1"/>
-      <p:bldP build="whole" bldLvl="1" animBg="1" rev="0" advAuto="0" spid="98" grpId="4"/>
+      <p:bldP spid="100" grpId="2" animBg="1" advAuto="0"/>
+      <p:bldP spid="101" grpId="3" animBg="1" advAuto="0"/>
+      <p:bldP spid="99" grpId="1" animBg="1" advAuto="0"/>
+      <p:bldP spid="98" grpId="4" animBg="1" advAuto="0"/>
     </p:bldLst>
   </p:timing>
 </p:sld>
 </file>
 
 <file path=ppt/slides/slide10.xml><?xml version="1.0" encoding="utf-8"?>
-<p:sld xmlns:a="http://schemas.openxmlformats.org/drawingml/2006/main" xmlns:r="http://schemas.openxmlformats.org/officeDocument/2006/relationships" xmlns:p="http://schemas.openxmlformats.org/presentationml/2006/main" xmlns:m="http://schemas.openxmlformats.org/officeDocument/2006/math" xmlns:a14="http://schemas.microsoft.com/office/drawing/2010/main" showMasterSp="1" showMasterPhAnim="1">
+<p:sld xmlns:a="http://schemas.openxmlformats.org/drawingml/2006/main" xmlns:r="http://schemas.openxmlformats.org/officeDocument/2006/relationships" xmlns:p="http://schemas.openxmlformats.org/presentationml/2006/main">
   <p:cSld>
     <p:spTree>
       <p:nvGrpSpPr>
@@ -3435,11 +3356,6 @@
           <a:ln w="12700">
             <a:miter lim="400000"/>
           </a:ln>
-          <a:extLst>
-            <a:ext uri="{C572A759-6A51-4108-AA02-DFA0A04FC94B}">
-              <ma14:wrappingTextBoxFlag xmlns:ma14="http://schemas.microsoft.com/office/mac/drawingml/2011/main" val="1"/>
-            </a:ext>
-          </a:extLst>
         </p:spPr>
         <p:txBody>
           <a:bodyPr lIns="45719" rIns="45719">
@@ -3447,7 +3363,7 @@
           </a:bodyPr>
           <a:lstStyle>
             <a:lvl1pPr algn="ctr">
-              <a:defRPr b="1" sz="1400">
+              <a:defRPr sz="1400" b="1">
                 <a:solidFill>
                   <a:srgbClr val="888888"/>
                 </a:solidFill>
@@ -3455,7 +3371,6 @@
             </a:lvl1pPr>
           </a:lstStyle>
           <a:p>
-            <a:pPr/>
             <a:r>
               <a:t>http://www.mashibing.com</a:t>
             </a:r>
@@ -3471,9 +3386,7 @@
           <p:nvPr/>
         </p:nvPicPr>
         <p:blipFill>
-          <a:blip r:embed="rId2">
-            <a:extLst/>
-          </a:blip>
+          <a:blip r:embed="rId1"/>
           <a:stretch>
             <a:fillRect/>
           </a:stretch>
@@ -3488,6 +3401,8 @@
           </a:prstGeom>
           <a:ln w="12700">
             <a:miter lim="400000"/>
+            <a:headEnd/>
+            <a:tailEnd/>
           </a:ln>
         </p:spPr>
       </p:pic>
@@ -3507,11 +3422,6 @@
           <a:prstGeom prst="rect">
             <a:avLst/>
           </a:prstGeom>
-          <a:extLst>
-            <a:ext uri="{C572A759-6A51-4108-AA02-DFA0A04FC94B}">
-              <ma14:wrappingTextBoxFlag xmlns:ma14="http://schemas.microsoft.com/office/mac/drawingml/2011/main" val="1"/>
-            </a:ext>
-          </a:extLst>
         </p:spPr>
         <p:txBody>
           <a:bodyPr/>
@@ -3525,8 +3435,10 @@
             </a:lvl1pPr>
           </a:lstStyle>
           <a:p>
-            <a:pPr/>
-            <a:fld id="{86CB4B4D-7CA3-9044-876B-883B54F8677D}" type="slidenum"/>
+            <a:fld id="{86CB4B4D-7CA3-9044-876B-883B54F8677D}" type="slidenum">
+              <a:rPr/>
+            </a:fld>
+            <a:endParaRPr/>
           </a:p>
         </p:txBody>
       </p:sp>
@@ -3547,11 +3459,6 @@
           <a:ln w="12700">
             <a:miter lim="400000"/>
           </a:ln>
-          <a:extLst>
-            <a:ext uri="{C572A759-6A51-4108-AA02-DFA0A04FC94B}">
-              <ma14:wrappingTextBoxFlag xmlns:ma14="http://schemas.microsoft.com/office/mac/drawingml/2011/main" val="1"/>
-            </a:ext>
-          </a:extLst>
         </p:spPr>
         <p:txBody>
           <a:bodyPr lIns="45719" rIns="45719">
@@ -3559,12 +3466,11 @@
           </a:bodyPr>
           <a:lstStyle>
             <a:lvl1pPr>
-              <a:buFont typeface="Wingdings"/>
+              <a:buFont typeface="Wingdings" panose="05000000000000000000"/>
               <a:defRPr b="1"/>
             </a:lvl1pPr>
           </a:lstStyle>
           <a:p>
-            <a:pPr/>
             <a:r>
               <a:t>全文检索</a:t>
             </a:r>
@@ -3588,11 +3494,6 @@
           <a:ln w="12700">
             <a:miter lim="400000"/>
           </a:ln>
-          <a:extLst>
-            <a:ext uri="{C572A759-6A51-4108-AA02-DFA0A04FC94B}">
-              <ma14:wrappingTextBoxFlag xmlns:ma14="http://schemas.microsoft.com/office/mac/drawingml/2011/main" val="1"/>
-            </a:ext>
-          </a:extLst>
         </p:spPr>
         <p:txBody>
           <a:bodyPr lIns="45719" rIns="45719">
@@ -3605,7 +3506,6 @@
             </a:lvl1pPr>
           </a:lstStyle>
           <a:p>
-            <a:pPr/>
             <a:r>
               <a:t>全文检索：索引系统通过扫描文章中的每一个词，对其创建索引，指明在文章中出现的次数和位置，当用户查询时，索引系统过就会根据事先简历的索引进行查找，并将查找的结果反馈给用户的检索方式</a:t>
             </a:r>
@@ -3621,16 +3521,14 @@
           <p:nvPr/>
         </p:nvPicPr>
         <p:blipFill>
-          <a:blip r:embed="rId3">
-            <a:extLst/>
-          </a:blip>
+          <a:blip r:embed="rId2"/>
           <a:stretch>
             <a:fillRect/>
           </a:stretch>
         </p:blipFill>
         <p:spPr>
           <a:xfrm>
-            <a:off x="2247574" y="1978025"/>
+            <a:off x="2203124" y="2348865"/>
             <a:ext cx="7785763" cy="4725007"/>
           </a:xfrm>
           <a:prstGeom prst="rect">
@@ -3638,6 +3536,8 @@
           </a:prstGeom>
           <a:ln w="12700">
             <a:miter lim="400000"/>
+            <a:headEnd/>
+            <a:tailEnd/>
           </a:ln>
         </p:spPr>
       </p:pic>
@@ -3646,12 +3546,12 @@
   <p:clrMapOvr>
     <a:masterClrMapping/>
   </p:clrMapOvr>
-  <p:transition xmlns:p14="http://schemas.microsoft.com/office/powerpoint/2010/main" spd="med" advClick="1"/>
+  <p:transition spd="med"/>
 </p:sld>
 </file>
 
 <file path=ppt/slides/slide11.xml><?xml version="1.0" encoding="utf-8"?>
-<p:sld xmlns:a="http://schemas.openxmlformats.org/drawingml/2006/main" xmlns:r="http://schemas.openxmlformats.org/officeDocument/2006/relationships" xmlns:p="http://schemas.openxmlformats.org/presentationml/2006/main" xmlns:m="http://schemas.openxmlformats.org/officeDocument/2006/math" xmlns:a14="http://schemas.microsoft.com/office/drawing/2010/main" showMasterSp="1" showMasterPhAnim="1">
+<p:sld xmlns:a="http://schemas.openxmlformats.org/drawingml/2006/main" xmlns:r="http://schemas.openxmlformats.org/officeDocument/2006/relationships" xmlns:p="http://schemas.openxmlformats.org/presentationml/2006/main">
   <p:cSld>
     <p:spTree>
       <p:nvGrpSpPr>
@@ -3684,11 +3584,6 @@
           <a:ln w="12700">
             <a:miter lim="400000"/>
           </a:ln>
-          <a:extLst>
-            <a:ext uri="{C572A759-6A51-4108-AA02-DFA0A04FC94B}">
-              <ma14:wrappingTextBoxFlag xmlns:ma14="http://schemas.microsoft.com/office/mac/drawingml/2011/main" val="1"/>
-            </a:ext>
-          </a:extLst>
         </p:spPr>
         <p:txBody>
           <a:bodyPr lIns="45719" rIns="45719">
@@ -3696,7 +3591,7 @@
           </a:bodyPr>
           <a:lstStyle>
             <a:lvl1pPr algn="ctr">
-              <a:defRPr b="1" sz="1400">
+              <a:defRPr sz="1400" b="1">
                 <a:solidFill>
                   <a:srgbClr val="888888"/>
                 </a:solidFill>
@@ -3704,7 +3599,6 @@
             </a:lvl1pPr>
           </a:lstStyle>
           <a:p>
-            <a:pPr/>
             <a:r>
               <a:t>http://www.mashibing.com</a:t>
             </a:r>
@@ -3720,9 +3614,7 @@
           <p:nvPr/>
         </p:nvPicPr>
         <p:blipFill>
-          <a:blip r:embed="rId2">
-            <a:extLst/>
-          </a:blip>
+          <a:blip r:embed="rId1"/>
           <a:stretch>
             <a:fillRect/>
           </a:stretch>
@@ -3737,6 +3629,8 @@
           </a:prstGeom>
           <a:ln w="12700">
             <a:miter lim="400000"/>
+            <a:headEnd/>
+            <a:tailEnd/>
           </a:ln>
         </p:spPr>
       </p:pic>
@@ -3756,11 +3650,6 @@
           <a:prstGeom prst="rect">
             <a:avLst/>
           </a:prstGeom>
-          <a:extLst>
-            <a:ext uri="{C572A759-6A51-4108-AA02-DFA0A04FC94B}">
-              <ma14:wrappingTextBoxFlag xmlns:ma14="http://schemas.microsoft.com/office/mac/drawingml/2011/main" val="1"/>
-            </a:ext>
-          </a:extLst>
         </p:spPr>
         <p:txBody>
           <a:bodyPr/>
@@ -3774,8 +3663,10 @@
             </a:lvl1pPr>
           </a:lstStyle>
           <a:p>
-            <a:pPr/>
-            <a:fld id="{86CB4B4D-7CA3-9044-876B-883B54F8677D}" type="slidenum"/>
+            <a:fld id="{86CB4B4D-7CA3-9044-876B-883B54F8677D}" type="slidenum">
+              <a:rPr/>
+            </a:fld>
+            <a:endParaRPr/>
           </a:p>
         </p:txBody>
       </p:sp>
@@ -3796,11 +3687,6 @@
           <a:ln w="12700">
             <a:miter lim="400000"/>
           </a:ln>
-          <a:extLst>
-            <a:ext uri="{C572A759-6A51-4108-AA02-DFA0A04FC94B}">
-              <ma14:wrappingTextBoxFlag xmlns:ma14="http://schemas.microsoft.com/office/mac/drawingml/2011/main" val="1"/>
-            </a:ext>
-          </a:extLst>
         </p:spPr>
         <p:txBody>
           <a:bodyPr lIns="45719" rIns="45719">
@@ -3808,12 +3694,11 @@
           </a:bodyPr>
           <a:lstStyle>
             <a:lvl1pPr>
-              <a:buFont typeface="Wingdings"/>
+              <a:buFont typeface="Wingdings" panose="05000000000000000000"/>
               <a:defRPr b="1"/>
             </a:lvl1pPr>
           </a:lstStyle>
           <a:p>
-            <a:pPr/>
             <a:r>
               <a:t>倒排索引的原理</a:t>
             </a:r>
@@ -3837,11 +3722,6 @@
           <a:ln w="12700">
             <a:miter lim="400000"/>
           </a:ln>
-          <a:extLst>
-            <a:ext uri="{C572A759-6A51-4108-AA02-DFA0A04FC94B}">
-              <ma14:wrappingTextBoxFlag xmlns:ma14="http://schemas.microsoft.com/office/mac/drawingml/2011/main" val="1"/>
-            </a:ext>
-          </a:extLst>
         </p:spPr>
         <p:txBody>
           <a:bodyPr wrap="none" lIns="0" tIns="0" rIns="0" bIns="0">
@@ -3849,7 +3729,6 @@
           </a:bodyPr>
           <a:lstStyle/>
           <a:p>
-            <a:pPr/>
             <a:r>
               <a:t> </a:t>
             </a:r>
@@ -3865,9 +3744,7 @@
           <p:nvPr/>
         </p:nvPicPr>
         <p:blipFill>
-          <a:blip r:embed="rId3">
-            <a:extLst/>
-          </a:blip>
+          <a:blip r:embed="rId2"/>
           <a:stretch>
             <a:fillRect/>
           </a:stretch>
@@ -3882,6 +3759,8 @@
           </a:prstGeom>
           <a:ln w="12700">
             <a:miter lim="400000"/>
+            <a:headEnd/>
+            <a:tailEnd/>
           </a:ln>
         </p:spPr>
       </p:pic>
@@ -3890,12 +3769,12 @@
   <p:clrMapOvr>
     <a:masterClrMapping/>
   </p:clrMapOvr>
-  <p:transition xmlns:p14="http://schemas.microsoft.com/office/powerpoint/2010/main" spd="med" advClick="1"/>
+  <p:transition spd="med"/>
 </p:sld>
 </file>
 
 <file path=ppt/slides/slide12.xml><?xml version="1.0" encoding="utf-8"?>
-<p:sld xmlns:a="http://schemas.openxmlformats.org/drawingml/2006/main" xmlns:r="http://schemas.openxmlformats.org/officeDocument/2006/relationships" xmlns:p="http://schemas.openxmlformats.org/presentationml/2006/main" xmlns:m="http://schemas.openxmlformats.org/officeDocument/2006/math" xmlns:a14="http://schemas.microsoft.com/office/drawing/2010/main" showMasterSp="1" showMasterPhAnim="1">
+<p:sld xmlns:a="http://schemas.openxmlformats.org/drawingml/2006/main" xmlns:r="http://schemas.openxmlformats.org/officeDocument/2006/relationships" xmlns:p="http://schemas.openxmlformats.org/presentationml/2006/main">
   <p:cSld>
     <p:spTree>
       <p:nvGrpSpPr>
@@ -3928,11 +3807,6 @@
           <a:ln w="12700">
             <a:miter lim="400000"/>
           </a:ln>
-          <a:extLst>
-            <a:ext uri="{C572A759-6A51-4108-AA02-DFA0A04FC94B}">
-              <ma14:wrappingTextBoxFlag xmlns:ma14="http://schemas.microsoft.com/office/mac/drawingml/2011/main" val="1"/>
-            </a:ext>
-          </a:extLst>
         </p:spPr>
         <p:txBody>
           <a:bodyPr lIns="45719" rIns="45719">
@@ -3940,7 +3814,7 @@
           </a:bodyPr>
           <a:lstStyle>
             <a:lvl1pPr algn="ctr">
-              <a:defRPr b="1" sz="1400">
+              <a:defRPr sz="1400" b="1">
                 <a:solidFill>
                   <a:srgbClr val="888888"/>
                 </a:solidFill>
@@ -3948,7 +3822,6 @@
             </a:lvl1pPr>
           </a:lstStyle>
           <a:p>
-            <a:pPr/>
             <a:r>
               <a:t>http://www.mashibing.com</a:t>
             </a:r>
@@ -3964,9 +3837,7 @@
           <p:nvPr/>
         </p:nvPicPr>
         <p:blipFill>
-          <a:blip r:embed="rId2">
-            <a:extLst/>
-          </a:blip>
+          <a:blip r:embed="rId1"/>
           <a:stretch>
             <a:fillRect/>
           </a:stretch>
@@ -3981,6 +3852,8 @@
           </a:prstGeom>
           <a:ln w="12700">
             <a:miter lim="400000"/>
+            <a:headEnd/>
+            <a:tailEnd/>
           </a:ln>
         </p:spPr>
       </p:pic>
@@ -4000,11 +3873,6 @@
           <a:prstGeom prst="rect">
             <a:avLst/>
           </a:prstGeom>
-          <a:extLst>
-            <a:ext uri="{C572A759-6A51-4108-AA02-DFA0A04FC94B}">
-              <ma14:wrappingTextBoxFlag xmlns:ma14="http://schemas.microsoft.com/office/mac/drawingml/2011/main" val="1"/>
-            </a:ext>
-          </a:extLst>
         </p:spPr>
         <p:txBody>
           <a:bodyPr/>
@@ -4018,8 +3886,10 @@
             </a:lvl1pPr>
           </a:lstStyle>
           <a:p>
-            <a:pPr/>
-            <a:fld id="{86CB4B4D-7CA3-9044-876B-883B54F8677D}" type="slidenum"/>
+            <a:fld id="{86CB4B4D-7CA3-9044-876B-883B54F8677D}" type="slidenum">
+              <a:rPr/>
+            </a:fld>
+            <a:endParaRPr/>
           </a:p>
         </p:txBody>
       </p:sp>
@@ -4040,11 +3910,6 @@
           <a:ln w="12700">
             <a:miter lim="400000"/>
           </a:ln>
-          <a:extLst>
-            <a:ext uri="{C572A759-6A51-4108-AA02-DFA0A04FC94B}">
-              <ma14:wrappingTextBoxFlag xmlns:ma14="http://schemas.microsoft.com/office/mac/drawingml/2011/main" val="1"/>
-            </a:ext>
-          </a:extLst>
         </p:spPr>
         <p:txBody>
           <a:bodyPr lIns="45719" rIns="45719">
@@ -4052,12 +3917,11 @@
           </a:bodyPr>
           <a:lstStyle>
             <a:lvl1pPr>
-              <a:buFont typeface="Wingdings"/>
+              <a:buFont typeface="Wingdings" panose="05000000000000000000"/>
               <a:defRPr b="1"/>
             </a:lvl1pPr>
           </a:lstStyle>
           <a:p>
-            <a:pPr/>
             <a:r>
               <a:t>倒排索引的数据结构</a:t>
             </a:r>
@@ -4081,11 +3945,6 @@
           <a:ln w="12700">
             <a:miter lim="400000"/>
           </a:ln>
-          <a:extLst>
-            <a:ext uri="{C572A759-6A51-4108-AA02-DFA0A04FC94B}">
-              <ma14:wrappingTextBoxFlag xmlns:ma14="http://schemas.microsoft.com/office/mac/drawingml/2011/main" val="1"/>
-            </a:ext>
-          </a:extLst>
         </p:spPr>
         <p:txBody>
           <a:bodyPr wrap="none" lIns="0" tIns="0" rIns="0" bIns="0">
@@ -4093,7 +3952,6 @@
           </a:bodyPr>
           <a:lstStyle/>
           <a:p>
-            <a:pPr/>
             <a:r>
               <a:t> </a:t>
             </a:r>
@@ -4109,9 +3967,7 @@
           <p:nvPr/>
         </p:nvPicPr>
         <p:blipFill>
-          <a:blip r:embed="rId3">
-            <a:extLst/>
-          </a:blip>
+          <a:blip r:embed="rId2"/>
           <a:stretch>
             <a:fillRect/>
           </a:stretch>
@@ -4126,6 +3982,8 @@
           </a:prstGeom>
           <a:ln w="12700">
             <a:miter lim="400000"/>
+            <a:headEnd/>
+            <a:tailEnd/>
           </a:ln>
         </p:spPr>
       </p:pic>
@@ -4134,12 +3992,12 @@
   <p:clrMapOvr>
     <a:masterClrMapping/>
   </p:clrMapOvr>
-  <p:transition xmlns:p14="http://schemas.microsoft.com/office/powerpoint/2010/main" spd="med" advClick="1"/>
+  <p:transition spd="med"/>
 </p:sld>
 </file>
 
 <file path=ppt/slides/slide13.xml><?xml version="1.0" encoding="utf-8"?>
-<p:sld xmlns:a="http://schemas.openxmlformats.org/drawingml/2006/main" xmlns:r="http://schemas.openxmlformats.org/officeDocument/2006/relationships" xmlns:p="http://schemas.openxmlformats.org/presentationml/2006/main" xmlns:m="http://schemas.openxmlformats.org/officeDocument/2006/math" xmlns:a14="http://schemas.microsoft.com/office/drawing/2010/main" showMasterSp="1" showMasterPhAnim="1">
+<p:sld xmlns:a="http://schemas.openxmlformats.org/drawingml/2006/main" xmlns:r="http://schemas.openxmlformats.org/officeDocument/2006/relationships" xmlns:p="http://schemas.openxmlformats.org/presentationml/2006/main">
   <p:cSld>
     <p:spTree>
       <p:nvGrpSpPr>
@@ -4172,11 +4030,6 @@
           <a:ln w="12700">
             <a:miter lim="400000"/>
           </a:ln>
-          <a:extLst>
-            <a:ext uri="{C572A759-6A51-4108-AA02-DFA0A04FC94B}">
-              <ma14:wrappingTextBoxFlag xmlns:ma14="http://schemas.microsoft.com/office/mac/drawingml/2011/main" val="1"/>
-            </a:ext>
-          </a:extLst>
         </p:spPr>
         <p:txBody>
           <a:bodyPr lIns="45719" rIns="45719">
@@ -4184,7 +4037,7 @@
           </a:bodyPr>
           <a:lstStyle>
             <a:lvl1pPr algn="ctr">
-              <a:defRPr b="1" sz="1400">
+              <a:defRPr sz="1400" b="1">
                 <a:solidFill>
                   <a:srgbClr val="888888"/>
                 </a:solidFill>
@@ -4192,7 +4045,6 @@
             </a:lvl1pPr>
           </a:lstStyle>
           <a:p>
-            <a:pPr/>
             <a:r>
               <a:t>http://www.mashibing.com</a:t>
             </a:r>
@@ -4208,9 +4060,7 @@
           <p:nvPr/>
         </p:nvPicPr>
         <p:blipFill>
-          <a:blip r:embed="rId2">
-            <a:extLst/>
-          </a:blip>
+          <a:blip r:embed="rId1"/>
           <a:stretch>
             <a:fillRect/>
           </a:stretch>
@@ -4225,6 +4075,8 @@
           </a:prstGeom>
           <a:ln w="12700">
             <a:miter lim="400000"/>
+            <a:headEnd/>
+            <a:tailEnd/>
           </a:ln>
         </p:spPr>
       </p:pic>
@@ -4244,11 +4096,6 @@
           <a:prstGeom prst="rect">
             <a:avLst/>
           </a:prstGeom>
-          <a:extLst>
-            <a:ext uri="{C572A759-6A51-4108-AA02-DFA0A04FC94B}">
-              <ma14:wrappingTextBoxFlag xmlns:ma14="http://schemas.microsoft.com/office/mac/drawingml/2011/main" val="1"/>
-            </a:ext>
-          </a:extLst>
         </p:spPr>
         <p:txBody>
           <a:bodyPr/>
@@ -4262,8 +4109,10 @@
             </a:lvl1pPr>
           </a:lstStyle>
           <a:p>
-            <a:pPr/>
-            <a:fld id="{86CB4B4D-7CA3-9044-876B-883B54F8677D}" type="slidenum"/>
+            <a:fld id="{86CB4B4D-7CA3-9044-876B-883B54F8677D}" type="slidenum">
+              <a:rPr/>
+            </a:fld>
+            <a:endParaRPr/>
           </a:p>
         </p:txBody>
       </p:sp>
@@ -4284,11 +4133,6 @@
           <a:ln w="12700">
             <a:miter lim="400000"/>
           </a:ln>
-          <a:extLst>
-            <a:ext uri="{C572A759-6A51-4108-AA02-DFA0A04FC94B}">
-              <ma14:wrappingTextBoxFlag xmlns:ma14="http://schemas.microsoft.com/office/mac/drawingml/2011/main" val="1"/>
-            </a:ext>
-          </a:extLst>
         </p:spPr>
         <p:txBody>
           <a:bodyPr lIns="45719" rIns="45719">
@@ -4296,12 +4140,11 @@
           </a:bodyPr>
           <a:lstStyle>
             <a:lvl1pPr>
-              <a:buFont typeface="Wingdings"/>
+              <a:buFont typeface="Wingdings" panose="05000000000000000000"/>
               <a:defRPr b="1"/>
             </a:lvl1pPr>
           </a:lstStyle>
           <a:p>
-            <a:pPr/>
             <a:r>
               <a:t>倒排索引核心算法</a:t>
             </a:r>
@@ -4325,11 +4168,6 @@
           <a:ln w="12700">
             <a:miter lim="400000"/>
           </a:ln>
-          <a:extLst>
-            <a:ext uri="{C572A759-6A51-4108-AA02-DFA0A04FC94B}">
-              <ma14:wrappingTextBoxFlag xmlns:ma14="http://schemas.microsoft.com/office/mac/drawingml/2011/main" val="1"/>
-            </a:ext>
-          </a:extLst>
         </p:spPr>
         <p:txBody>
           <a:bodyPr lIns="45719" rIns="45719">
@@ -4343,7 +4181,6 @@
             </a:lvl1pPr>
           </a:lstStyle>
           <a:p>
-            <a:pPr/>
             <a:r>
               <a:t>倒排表的压缩算法</a:t>
             </a:r>
@@ -4367,11 +4204,6 @@
           <a:ln w="12700">
             <a:miter lim="400000"/>
           </a:ln>
-          <a:extLst>
-            <a:ext uri="{C572A759-6A51-4108-AA02-DFA0A04FC94B}">
-              <ma14:wrappingTextBoxFlag xmlns:ma14="http://schemas.microsoft.com/office/mac/drawingml/2011/main" val="1"/>
-            </a:ext>
-          </a:extLst>
         </p:spPr>
         <p:txBody>
           <a:bodyPr lIns="45719" rIns="45719">
@@ -4385,7 +4217,6 @@
             </a:lvl1pPr>
           </a:lstStyle>
           <a:p>
-            <a:pPr/>
             <a:r>
               <a:t>词项索引的检索原理</a:t>
             </a:r>
@@ -4409,11 +4240,6 @@
           <a:ln w="12700">
             <a:miter lim="400000"/>
           </a:ln>
-          <a:extLst>
-            <a:ext uri="{C572A759-6A51-4108-AA02-DFA0A04FC94B}">
-              <ma14:wrappingTextBoxFlag xmlns:ma14="http://schemas.microsoft.com/office/mac/drawingml/2011/main" val="1"/>
-            </a:ext>
-          </a:extLst>
         </p:spPr>
         <p:txBody>
           <a:bodyPr wrap="none" lIns="0" tIns="0" rIns="0" bIns="0">
@@ -4433,7 +4259,6 @@
             </a:lvl1pPr>
           </a:lstStyle>
           <a:p>
-            <a:pPr/>
             <a:r>
               <a:t>FOR：Frame Of Reference</a:t>
             </a:r>
@@ -4457,11 +4282,6 @@
           <a:ln w="12700">
             <a:miter lim="400000"/>
           </a:ln>
-          <a:extLst>
-            <a:ext uri="{C572A759-6A51-4108-AA02-DFA0A04FC94B}">
-              <ma14:wrappingTextBoxFlag xmlns:ma14="http://schemas.microsoft.com/office/mac/drawingml/2011/main" val="1"/>
-            </a:ext>
-          </a:extLst>
         </p:spPr>
         <p:txBody>
           <a:bodyPr wrap="none" lIns="0" tIns="0" rIns="0" bIns="0">
@@ -4481,7 +4301,6 @@
             </a:lvl1pPr>
           </a:lstStyle>
           <a:p>
-            <a:pPr/>
             <a:r>
               <a:t>RBM：RoaringBitmap</a:t>
             </a:r>
@@ -4505,11 +4324,6 @@
           <a:ln w="12700">
             <a:miter lim="400000"/>
           </a:ln>
-          <a:extLst>
-            <a:ext uri="{C572A759-6A51-4108-AA02-DFA0A04FC94B}">
-              <ma14:wrappingTextBoxFlag xmlns:ma14="http://schemas.microsoft.com/office/mac/drawingml/2011/main" val="1"/>
-            </a:ext>
-          </a:extLst>
         </p:spPr>
         <p:txBody>
           <a:bodyPr wrap="none" lIns="0" tIns="0" rIns="0" bIns="0">
@@ -4529,7 +4343,6 @@
             </a:lvl1pPr>
           </a:lstStyle>
           <a:p>
-            <a:pPr/>
             <a:r>
               <a:t>FST：Finit State Transducers</a:t>
             </a:r>
@@ -4541,14 +4354,14 @@
   <p:clrMapOvr>
     <a:masterClrMapping/>
   </p:clrMapOvr>
-  <p:transition xmlns:p14="http://schemas.microsoft.com/office/powerpoint/2010/main" spd="med" advClick="1"/>
+  <p:transition spd="med"/>
   <p:timing>
     <p:tnLst>
       <p:par>
-        <p:cTn id="1" nodeType="tmRoot" restart="never" dur="indefinite" fill="hold">
+        <p:cTn id="1" dur="indefinite" restart="never" fill="hold" nodeType="tmRoot">
           <p:childTnLst>
-            <p:seq concurrent="1" prevAc="none" nextAc="seek">
-              <p:cTn id="2" nodeType="mainSeq" dur="indefinite" fill="hold">
+            <p:seq concurrent="1" nextAc="seek">
+              <p:cTn id="2" dur="indefinite" fill="hold" nodeType="mainSeq">
                 <p:childTnLst>
                   <p:par>
                     <p:cTn id="3" fill="hold">
@@ -4563,17 +4376,17 @@
                             </p:stCondLst>
                             <p:childTnLst>
                               <p:par>
-                                <p:cTn id="5" presetClass="entr" nodeType="clickEffect" presetSubtype="8" presetID="2" grpId="1" fill="hold">
+                                <p:cTn id="5" presetID="2" presetClass="entr" presetSubtype="8" fill="hold" grpId="1" nodeType="clickEffect">
                                   <p:stCondLst>
                                     <p:cond delay="0"/>
                                   </p:stCondLst>
-                                  <p:iterate type="lt" backwards="0">
+                                  <p:iterate type="lt">
                                     <p:tmAbs val="0"/>
                                   </p:iterate>
                                   <p:childTnLst>
                                     <p:set>
                                       <p:cBhvr>
-                                        <p:cTn id="6" fill="hold"/>
+                                        <p:cTn id="6" dur="indefinite" fill="hold"/>
                                         <p:tgtEl>
                                           <p:spTgt spid="207">
                                             <p:bg/>
@@ -4641,17 +4454,17 @@
                                 </p:cTn>
                               </p:par>
                               <p:par>
-                                <p:cTn id="9" presetClass="entr" nodeType="withEffect" presetSubtype="8" presetID="2" grpId="1" fill="hold">
+                                <p:cTn id="9" presetID="2" presetClass="entr" presetSubtype="8" fill="hold" grpId="1" nodeType="withEffect">
                                   <p:stCondLst>
                                     <p:cond delay="0"/>
                                   </p:stCondLst>
-                                  <p:iterate type="lt" backwards="0">
+                                  <p:iterate type="lt">
                                     <p:tmAbs val="0"/>
                                   </p:iterate>
                                   <p:childTnLst>
                                     <p:set>
                                       <p:cBhvr>
-                                        <p:cTn id="10" fill="hold"/>
+                                        <p:cTn id="10" dur="indefinite" fill="hold"/>
                                         <p:tgtEl>
                                           <p:spTgt spid="207">
                                             <p:txEl>
@@ -4743,11 +4556,11 @@
                             </p:stCondLst>
                             <p:childTnLst>
                               <p:par>
-                                <p:cTn id="15" presetClass="exit" nodeType="clickEffect" presetSubtype="2" presetID="2" grpId="2" fill="hold">
+                                <p:cTn id="15" presetID="2" presetClass="exit" presetSubtype="2" fill="hold" grpId="2" nodeType="clickEffect">
                                   <p:stCondLst>
                                     <p:cond delay="0"/>
                                   </p:stCondLst>
-                                  <p:iterate type="el" backwards="0">
+                                  <p:iterate type="el">
                                     <p:tmAbs val="0"/>
                                   </p:iterate>
                                   <p:childTnLst>
@@ -4807,7 +4620,7 @@
                                     </p:anim>
                                     <p:set>
                                       <p:cBhvr>
-                                        <p:cTn id="18" fill="hold">
+                                        <p:cTn id="18" dur="indefinite" fill="hold">
                                           <p:stCondLst>
                                             <p:cond delay="199"/>
                                           </p:stCondLst>
@@ -4831,11 +4644,11 @@
                                 </p:cTn>
                               </p:par>
                               <p:par>
-                                <p:cTn id="19" presetClass="exit" nodeType="withEffect" presetSubtype="2" presetID="2" grpId="2" fill="hold">
+                                <p:cTn id="19" presetID="2" presetClass="exit" presetSubtype="2" fill="hold" grpId="2" nodeType="withEffect">
                                   <p:stCondLst>
                                     <p:cond delay="0"/>
                                   </p:stCondLst>
-                                  <p:iterate type="el" backwards="0">
+                                  <p:iterate type="el">
                                     <p:tmAbs val="0"/>
                                   </p:iterate>
                                   <p:childTnLst>
@@ -4891,7 +4704,7 @@
                                     </p:anim>
                                     <p:set>
                                       <p:cBhvr>
-                                        <p:cTn id="22" fill="hold">
+                                        <p:cTn id="22" dur="indefinite" fill="hold">
                                           <p:stCondLst>
                                             <p:cond delay="199"/>
                                           </p:stCondLst>
@@ -4931,17 +4744,17 @@
                             </p:stCondLst>
                             <p:childTnLst>
                               <p:par>
-                                <p:cTn id="25" presetClass="entr" nodeType="clickEffect" presetSubtype="8" presetID="2" grpId="3" fill="hold">
+                                <p:cTn id="25" presetID="2" presetClass="entr" presetSubtype="8" fill="hold" grpId="3" nodeType="clickEffect">
                                   <p:stCondLst>
                                     <p:cond delay="0"/>
                                   </p:stCondLst>
-                                  <p:iterate type="lt" backwards="0">
+                                  <p:iterate type="lt">
                                     <p:tmAbs val="0"/>
                                   </p:iterate>
                                   <p:childTnLst>
                                     <p:set>
                                       <p:cBhvr>
-                                        <p:cTn id="26" fill="hold"/>
+                                        <p:cTn id="26" dur="indefinite" fill="hold"/>
                                         <p:tgtEl>
                                           <p:spTgt spid="208">
                                             <p:bg/>
@@ -5009,17 +4822,17 @@
                                 </p:cTn>
                               </p:par>
                               <p:par>
-                                <p:cTn id="29" presetClass="entr" nodeType="withEffect" presetSubtype="8" presetID="2" grpId="3" fill="hold">
+                                <p:cTn id="29" presetID="2" presetClass="entr" presetSubtype="8" fill="hold" grpId="3" nodeType="withEffect">
                                   <p:stCondLst>
                                     <p:cond delay="0"/>
                                   </p:stCondLst>
-                                  <p:iterate type="lt" backwards="0">
+                                  <p:iterate type="lt">
                                     <p:tmAbs val="0"/>
                                   </p:iterate>
                                   <p:childTnLst>
                                     <p:set>
                                       <p:cBhvr>
-                                        <p:cTn id="30" fill="hold"/>
+                                        <p:cTn id="30" dur="indefinite" fill="hold"/>
                                         <p:tgtEl>
                                           <p:spTgt spid="208">
                                             <p:txEl>
@@ -5111,11 +4924,11 @@
                             </p:stCondLst>
                             <p:childTnLst>
                               <p:par>
-                                <p:cTn id="35" presetClass="exit" nodeType="clickEffect" presetSubtype="2" presetID="2" grpId="4" fill="hold">
+                                <p:cTn id="35" presetID="2" presetClass="exit" presetSubtype="2" fill="hold" grpId="4" nodeType="clickEffect">
                                   <p:stCondLst>
                                     <p:cond delay="0"/>
                                   </p:stCondLst>
-                                  <p:iterate type="el" backwards="0">
+                                  <p:iterate type="el">
                                     <p:tmAbs val="0"/>
                                   </p:iterate>
                                   <p:childTnLst>
@@ -5175,7 +4988,7 @@
                                     </p:anim>
                                     <p:set>
                                       <p:cBhvr>
-                                        <p:cTn id="38" fill="hold">
+                                        <p:cTn id="38" dur="indefinite" fill="hold">
                                           <p:stCondLst>
                                             <p:cond delay="199"/>
                                           </p:stCondLst>
@@ -5199,11 +5012,11 @@
                                 </p:cTn>
                               </p:par>
                               <p:par>
-                                <p:cTn id="39" presetClass="exit" nodeType="withEffect" presetSubtype="2" presetID="2" grpId="4" fill="hold">
+                                <p:cTn id="39" presetID="2" presetClass="exit" presetSubtype="2" fill="hold" grpId="4" nodeType="withEffect">
                                   <p:stCondLst>
                                     <p:cond delay="0"/>
                                   </p:stCondLst>
-                                  <p:iterate type="el" backwards="0">
+                                  <p:iterate type="el">
                                     <p:tmAbs val="0"/>
                                   </p:iterate>
                                   <p:childTnLst>
@@ -5259,7 +5072,7 @@
                                     </p:anim>
                                     <p:set>
                                       <p:cBhvr>
-                                        <p:cTn id="42" fill="hold">
+                                        <p:cTn id="42" dur="indefinite" fill="hold">
                                           <p:stCondLst>
                                             <p:cond delay="199"/>
                                           </p:stCondLst>
@@ -5299,17 +5112,17 @@
                             </p:stCondLst>
                             <p:childTnLst>
                               <p:par>
-                                <p:cTn id="45" presetClass="entr" nodeType="clickEffect" presetSubtype="8" presetID="2" grpId="5" fill="hold">
+                                <p:cTn id="45" presetID="2" presetClass="entr" presetSubtype="8" fill="hold" grpId="5" nodeType="clickEffect">
                                   <p:stCondLst>
                                     <p:cond delay="0"/>
                                   </p:stCondLst>
-                                  <p:iterate type="lt" backwards="0">
+                                  <p:iterate type="lt">
                                     <p:tmAbs val="0"/>
                                   </p:iterate>
                                   <p:childTnLst>
                                     <p:set>
                                       <p:cBhvr>
-                                        <p:cTn id="46" fill="hold"/>
+                                        <p:cTn id="46" dur="indefinite" fill="hold"/>
                                         <p:tgtEl>
                                           <p:spTgt spid="209">
                                             <p:bg/>
@@ -5377,17 +5190,17 @@
                                 </p:cTn>
                               </p:par>
                               <p:par>
-                                <p:cTn id="49" presetClass="entr" nodeType="withEffect" presetSubtype="8" presetID="2" grpId="5" fill="hold">
+                                <p:cTn id="49" presetID="2" presetClass="entr" presetSubtype="8" fill="hold" grpId="5" nodeType="withEffect">
                                   <p:stCondLst>
                                     <p:cond delay="0"/>
                                   </p:stCondLst>
-                                  <p:iterate type="lt" backwards="0">
+                                  <p:iterate type="lt">
                                     <p:tmAbs val="0"/>
                                   </p:iterate>
                                   <p:childTnLst>
                                     <p:set>
                                       <p:cBhvr>
-                                        <p:cTn id="50" fill="hold"/>
+                                        <p:cTn id="50" dur="indefinite" fill="hold"/>
                                         <p:tgtEl>
                                           <p:spTgt spid="209">
                                             <p:txEl>
@@ -5479,11 +5292,11 @@
                             </p:stCondLst>
                             <p:childTnLst>
                               <p:par>
-                                <p:cTn id="55" presetClass="exit" nodeType="clickEffect" presetSubtype="2" presetID="2" grpId="6" fill="hold">
+                                <p:cTn id="55" presetID="2" presetClass="exit" presetSubtype="2" fill="hold" grpId="6" nodeType="clickEffect">
                                   <p:stCondLst>
                                     <p:cond delay="0"/>
                                   </p:stCondLst>
-                                  <p:iterate type="el" backwards="0">
+                                  <p:iterate type="el">
                                     <p:tmAbs val="0"/>
                                   </p:iterate>
                                   <p:childTnLst>
@@ -5543,7 +5356,7 @@
                                     </p:anim>
                                     <p:set>
                                       <p:cBhvr>
-                                        <p:cTn id="58" fill="hold">
+                                        <p:cTn id="58" dur="indefinite" fill="hold">
                                           <p:stCondLst>
                                             <p:cond delay="199"/>
                                           </p:stCondLst>
@@ -5567,11 +5380,11 @@
                                 </p:cTn>
                               </p:par>
                               <p:par>
-                                <p:cTn id="59" presetClass="exit" nodeType="withEffect" presetSubtype="2" presetID="2" grpId="6" fill="hold">
+                                <p:cTn id="59" presetID="2" presetClass="exit" presetSubtype="2" fill="hold" grpId="6" nodeType="withEffect">
                                   <p:stCondLst>
                                     <p:cond delay="0"/>
                                   </p:stCondLst>
-                                  <p:iterate type="el" backwards="0">
+                                  <p:iterate type="el">
                                     <p:tmAbs val="0"/>
                                   </p:iterate>
                                   <p:childTnLst>
@@ -5627,7 +5440,7 @@
                                     </p:anim>
                                     <p:set>
                                       <p:cBhvr>
-                                        <p:cTn id="62" fill="hold">
+                                        <p:cTn id="62" dur="indefinite" fill="hold">
                                           <p:stCondLst>
                                             <p:cond delay="199"/>
                                           </p:stCondLst>
@@ -5676,19 +5489,19 @@
       </p:par>
     </p:tnLst>
     <p:bldLst>
-      <p:bldP build="p" bldLvl="5" animBg="1" rev="0" advAuto="0" spid="207" grpId="1"/>
-      <p:bldP build="p" bldLvl="5" animBg="1" rev="0" advAuto="0" spid="207" grpId="2"/>
-      <p:bldP build="p" bldLvl="5" animBg="1" rev="0" advAuto="0" spid="208" grpId="3"/>
-      <p:bldP build="p" bldLvl="5" animBg="1" rev="0" advAuto="0" spid="208" grpId="4"/>
-      <p:bldP build="p" bldLvl="5" animBg="1" rev="0" advAuto="0" spid="209" grpId="5"/>
-      <p:bldP build="p" bldLvl="5" animBg="1" rev="0" advAuto="0" spid="209" grpId="6"/>
+      <p:bldP spid="207" grpId="1" bldLvl="5" animBg="1" advAuto="0" build="p"/>
+      <p:bldP spid="207" grpId="2" bldLvl="5" animBg="1" advAuto="0" build="p"/>
+      <p:bldP spid="208" grpId="3" bldLvl="5" animBg="1" advAuto="0" build="p"/>
+      <p:bldP spid="208" grpId="4" bldLvl="5" animBg="1" advAuto="0" build="p"/>
+      <p:bldP spid="209" grpId="5" bldLvl="5" animBg="1" advAuto="0" build="p"/>
+      <p:bldP spid="209" grpId="6" bldLvl="5" animBg="1" advAuto="0" build="p"/>
     </p:bldLst>
   </p:timing>
 </p:sld>
 </file>
 
 <file path=ppt/slides/slide14.xml><?xml version="1.0" encoding="utf-8"?>
-<p:sld xmlns:a="http://schemas.openxmlformats.org/drawingml/2006/main" xmlns:r="http://schemas.openxmlformats.org/officeDocument/2006/relationships" xmlns:p="http://schemas.openxmlformats.org/presentationml/2006/main" xmlns:m="http://schemas.openxmlformats.org/officeDocument/2006/math" xmlns:a14="http://schemas.microsoft.com/office/drawing/2010/main" showMasterSp="1" showMasterPhAnim="1">
+<p:sld xmlns:a="http://schemas.openxmlformats.org/drawingml/2006/main" xmlns:r="http://schemas.openxmlformats.org/officeDocument/2006/relationships" xmlns:p="http://schemas.openxmlformats.org/presentationml/2006/main">
   <p:cSld>
     <p:spTree>
       <p:nvGrpSpPr>
@@ -5721,11 +5534,6 @@
           <a:ln w="12700">
             <a:miter lim="400000"/>
           </a:ln>
-          <a:extLst>
-            <a:ext uri="{C572A759-6A51-4108-AA02-DFA0A04FC94B}">
-              <ma14:wrappingTextBoxFlag xmlns:ma14="http://schemas.microsoft.com/office/mac/drawingml/2011/main" val="1"/>
-            </a:ext>
-          </a:extLst>
         </p:spPr>
         <p:txBody>
           <a:bodyPr lIns="45719" rIns="45719">
@@ -5733,7 +5541,7 @@
           </a:bodyPr>
           <a:lstStyle>
             <a:lvl1pPr algn="ctr">
-              <a:defRPr b="1" sz="1400">
+              <a:defRPr sz="1400" b="1">
                 <a:solidFill>
                   <a:srgbClr val="888888"/>
                 </a:solidFill>
@@ -5741,7 +5549,6 @@
             </a:lvl1pPr>
           </a:lstStyle>
           <a:p>
-            <a:pPr/>
             <a:r>
               <a:t>http://www.mashibing.com</a:t>
             </a:r>
@@ -5757,9 +5564,7 @@
           <p:nvPr/>
         </p:nvPicPr>
         <p:blipFill>
-          <a:blip r:embed="rId2">
-            <a:extLst/>
-          </a:blip>
+          <a:blip r:embed="rId1"/>
           <a:stretch>
             <a:fillRect/>
           </a:stretch>
@@ -5774,6 +5579,8 @@
           </a:prstGeom>
           <a:ln w="12700">
             <a:miter lim="400000"/>
+            <a:headEnd/>
+            <a:tailEnd/>
           </a:ln>
         </p:spPr>
       </p:pic>
@@ -5793,11 +5600,6 @@
           <a:prstGeom prst="rect">
             <a:avLst/>
           </a:prstGeom>
-          <a:extLst>
-            <a:ext uri="{C572A759-6A51-4108-AA02-DFA0A04FC94B}">
-              <ma14:wrappingTextBoxFlag xmlns:ma14="http://schemas.microsoft.com/office/mac/drawingml/2011/main" val="1"/>
-            </a:ext>
-          </a:extLst>
         </p:spPr>
         <p:txBody>
           <a:bodyPr/>
@@ -5811,8 +5613,10 @@
             </a:lvl1pPr>
           </a:lstStyle>
           <a:p>
-            <a:pPr/>
-            <a:fld id="{86CB4B4D-7CA3-9044-876B-883B54F8677D}" type="slidenum"/>
+            <a:fld id="{86CB4B4D-7CA3-9044-876B-883B54F8677D}" type="slidenum">
+              <a:rPr/>
+            </a:fld>
+            <a:endParaRPr/>
           </a:p>
         </p:txBody>
       </p:sp>
@@ -5833,11 +5637,6 @@
           <a:ln w="12700">
             <a:miter lim="400000"/>
           </a:ln>
-          <a:extLst>
-            <a:ext uri="{C572A759-6A51-4108-AA02-DFA0A04FC94B}">
-              <ma14:wrappingTextBoxFlag xmlns:ma14="http://schemas.microsoft.com/office/mac/drawingml/2011/main" val="1"/>
-            </a:ext>
-          </a:extLst>
         </p:spPr>
         <p:txBody>
           <a:bodyPr lIns="45719" rIns="45719">
@@ -5845,12 +5644,11 @@
           </a:bodyPr>
           <a:lstStyle>
             <a:lvl1pPr>
-              <a:buFont typeface="Wingdings"/>
+              <a:buFont typeface="Wingdings" panose="05000000000000000000"/>
               <a:defRPr b="1"/>
             </a:lvl1pPr>
           </a:lstStyle>
           <a:p>
-            <a:pPr/>
             <a:r>
               <a:t>倒排索引的的压缩算法</a:t>
             </a:r>
@@ -5866,9 +5664,7 @@
           <p:nvPr/>
         </p:nvPicPr>
         <p:blipFill>
-          <a:blip r:embed="rId3">
-            <a:extLst/>
-          </a:blip>
+          <a:blip r:embed="rId2"/>
           <a:stretch>
             <a:fillRect/>
           </a:stretch>
@@ -5883,6 +5679,8 @@
           </a:prstGeom>
           <a:ln w="12700">
             <a:miter lim="400000"/>
+            <a:headEnd/>
+            <a:tailEnd/>
           </a:ln>
         </p:spPr>
       </p:pic>
@@ -5891,12 +5689,12 @@
   <p:clrMapOvr>
     <a:masterClrMapping/>
   </p:clrMapOvr>
-  <p:transition xmlns:p14="http://schemas.microsoft.com/office/powerpoint/2010/main" spd="med" advClick="1"/>
+  <p:transition spd="med"/>
 </p:sld>
 </file>
 
 <file path=ppt/slides/slide15.xml><?xml version="1.0" encoding="utf-8"?>
-<p:sld xmlns:a="http://schemas.openxmlformats.org/drawingml/2006/main" xmlns:r="http://schemas.openxmlformats.org/officeDocument/2006/relationships" xmlns:p="http://schemas.openxmlformats.org/presentationml/2006/main" xmlns:m="http://schemas.openxmlformats.org/officeDocument/2006/math" xmlns:a14="http://schemas.microsoft.com/office/drawing/2010/main" showMasterSp="1" showMasterPhAnim="1">
+<p:sld xmlns:a="http://schemas.openxmlformats.org/drawingml/2006/main" xmlns:r="http://schemas.openxmlformats.org/officeDocument/2006/relationships" xmlns:p="http://schemas.openxmlformats.org/presentationml/2006/main">
   <p:cSld>
     <p:spTree>
       <p:nvGrpSpPr>
@@ -5929,11 +5727,6 @@
           <a:ln w="12700">
             <a:miter lim="400000"/>
           </a:ln>
-          <a:extLst>
-            <a:ext uri="{C572A759-6A51-4108-AA02-DFA0A04FC94B}">
-              <ma14:wrappingTextBoxFlag xmlns:ma14="http://schemas.microsoft.com/office/mac/drawingml/2011/main" val="1"/>
-            </a:ext>
-          </a:extLst>
         </p:spPr>
         <p:txBody>
           <a:bodyPr lIns="45719" rIns="45719">
@@ -5941,7 +5734,7 @@
           </a:bodyPr>
           <a:lstStyle>
             <a:lvl1pPr algn="ctr">
-              <a:defRPr b="1" sz="1400">
+              <a:defRPr sz="1400" b="1">
                 <a:solidFill>
                   <a:srgbClr val="888888"/>
                 </a:solidFill>
@@ -5949,7 +5742,6 @@
             </a:lvl1pPr>
           </a:lstStyle>
           <a:p>
-            <a:pPr/>
             <a:r>
               <a:t>http://www.mashibing.com</a:t>
             </a:r>
@@ -5965,9 +5757,7 @@
           <p:nvPr/>
         </p:nvPicPr>
         <p:blipFill>
-          <a:blip r:embed="rId2">
-            <a:extLst/>
-          </a:blip>
+          <a:blip r:embed="rId1"/>
           <a:stretch>
             <a:fillRect/>
           </a:stretch>
@@ -5982,6 +5772,8 @@
           </a:prstGeom>
           <a:ln w="12700">
             <a:miter lim="400000"/>
+            <a:headEnd/>
+            <a:tailEnd/>
           </a:ln>
         </p:spPr>
       </p:pic>
@@ -6001,11 +5793,6 @@
           <a:prstGeom prst="rect">
             <a:avLst/>
           </a:prstGeom>
-          <a:extLst>
-            <a:ext uri="{C572A759-6A51-4108-AA02-DFA0A04FC94B}">
-              <ma14:wrappingTextBoxFlag xmlns:ma14="http://schemas.microsoft.com/office/mac/drawingml/2011/main" val="1"/>
-            </a:ext>
-          </a:extLst>
         </p:spPr>
         <p:txBody>
           <a:bodyPr/>
@@ -6019,8 +5806,10 @@
             </a:lvl1pPr>
           </a:lstStyle>
           <a:p>
-            <a:pPr/>
-            <a:fld id="{86CB4B4D-7CA3-9044-876B-883B54F8677D}" type="slidenum"/>
+            <a:fld id="{86CB4B4D-7CA3-9044-876B-883B54F8677D}" type="slidenum">
+              <a:rPr/>
+            </a:fld>
+            <a:endParaRPr/>
           </a:p>
         </p:txBody>
       </p:sp>
@@ -6041,11 +5830,6 @@
           <a:ln w="12700">
             <a:miter lim="400000"/>
           </a:ln>
-          <a:extLst>
-            <a:ext uri="{C572A759-6A51-4108-AA02-DFA0A04FC94B}">
-              <ma14:wrappingTextBoxFlag xmlns:ma14="http://schemas.microsoft.com/office/mac/drawingml/2011/main" val="1"/>
-            </a:ext>
-          </a:extLst>
         </p:spPr>
         <p:txBody>
           <a:bodyPr lIns="45719" rIns="45719">
@@ -6053,12 +5837,11 @@
           </a:bodyPr>
           <a:lstStyle>
             <a:lvl1pPr>
-              <a:buFont typeface="Wingdings"/>
+              <a:buFont typeface="Wingdings" panose="05000000000000000000"/>
               <a:defRPr b="1"/>
             </a:lvl1pPr>
           </a:lstStyle>
           <a:p>
-            <a:pPr/>
             <a:r>
               <a:t>倒排索引的的压缩算法</a:t>
             </a:r>
@@ -6074,9 +5857,7 @@
           <p:nvPr/>
         </p:nvPicPr>
         <p:blipFill>
-          <a:blip r:embed="rId3">
-            <a:extLst/>
-          </a:blip>
+          <a:blip r:embed="rId2"/>
           <a:stretch>
             <a:fillRect/>
           </a:stretch>
@@ -6091,6 +5872,8 @@
           </a:prstGeom>
           <a:ln w="12700">
             <a:miter lim="400000"/>
+            <a:headEnd/>
+            <a:tailEnd/>
           </a:ln>
         </p:spPr>
       </p:pic>
@@ -6099,12 +5882,12 @@
   <p:clrMapOvr>
     <a:masterClrMapping/>
   </p:clrMapOvr>
-  <p:transition xmlns:p14="http://schemas.microsoft.com/office/powerpoint/2010/main" spd="med" advClick="1"/>
+  <p:transition spd="med"/>
 </p:sld>
 </file>
 
 <file path=ppt/slides/slide16.xml><?xml version="1.0" encoding="utf-8"?>
-<p:sld xmlns:a="http://schemas.openxmlformats.org/drawingml/2006/main" xmlns:r="http://schemas.openxmlformats.org/officeDocument/2006/relationships" xmlns:p="http://schemas.openxmlformats.org/presentationml/2006/main" xmlns:m="http://schemas.openxmlformats.org/officeDocument/2006/math" xmlns:a14="http://schemas.microsoft.com/office/drawing/2010/main" showMasterSp="1" showMasterPhAnim="1">
+<p:sld xmlns:a="http://schemas.openxmlformats.org/drawingml/2006/main" xmlns:r="http://schemas.openxmlformats.org/officeDocument/2006/relationships" xmlns:p="http://schemas.openxmlformats.org/presentationml/2006/main">
   <p:cSld>
     <p:spTree>
       <p:nvGrpSpPr>
@@ -6137,11 +5920,6 @@
           <a:ln w="12700">
             <a:miter lim="400000"/>
           </a:ln>
-          <a:extLst>
-            <a:ext uri="{C572A759-6A51-4108-AA02-DFA0A04FC94B}">
-              <ma14:wrappingTextBoxFlag xmlns:ma14="http://schemas.microsoft.com/office/mac/drawingml/2011/main" val="1"/>
-            </a:ext>
-          </a:extLst>
         </p:spPr>
         <p:txBody>
           <a:bodyPr lIns="45719" rIns="45719">
@@ -6149,7 +5927,7 @@
           </a:bodyPr>
           <a:lstStyle>
             <a:lvl1pPr algn="ctr">
-              <a:defRPr b="1" sz="1400">
+              <a:defRPr sz="1400" b="1">
                 <a:solidFill>
                   <a:srgbClr val="888888"/>
                 </a:solidFill>
@@ -6157,7 +5935,6 @@
             </a:lvl1pPr>
           </a:lstStyle>
           <a:p>
-            <a:pPr/>
             <a:r>
               <a:t>http://www.mashibing.com</a:t>
             </a:r>
@@ -6173,9 +5950,7 @@
           <p:nvPr/>
         </p:nvPicPr>
         <p:blipFill>
-          <a:blip r:embed="rId2">
-            <a:extLst/>
-          </a:blip>
+          <a:blip r:embed="rId1"/>
           <a:stretch>
             <a:fillRect/>
           </a:stretch>
@@ -6190,6 +5965,8 @@
           </a:prstGeom>
           <a:ln w="12700">
             <a:miter lim="400000"/>
+            <a:headEnd/>
+            <a:tailEnd/>
           </a:ln>
         </p:spPr>
       </p:pic>
@@ -6209,11 +5986,6 @@
           <a:prstGeom prst="rect">
             <a:avLst/>
           </a:prstGeom>
-          <a:extLst>
-            <a:ext uri="{C572A759-6A51-4108-AA02-DFA0A04FC94B}">
-              <ma14:wrappingTextBoxFlag xmlns:ma14="http://schemas.microsoft.com/office/mac/drawingml/2011/main" val="1"/>
-            </a:ext>
-          </a:extLst>
         </p:spPr>
         <p:txBody>
           <a:bodyPr/>
@@ -6227,8 +5999,10 @@
             </a:lvl1pPr>
           </a:lstStyle>
           <a:p>
-            <a:pPr/>
-            <a:fld id="{86CB4B4D-7CA3-9044-876B-883B54F8677D}" type="slidenum"/>
+            <a:fld id="{86CB4B4D-7CA3-9044-876B-883B54F8677D}" type="slidenum">
+              <a:rPr/>
+            </a:fld>
+            <a:endParaRPr/>
           </a:p>
         </p:txBody>
       </p:sp>
@@ -6249,11 +6023,6 @@
           <a:ln w="12700">
             <a:miter lim="400000"/>
           </a:ln>
-          <a:extLst>
-            <a:ext uri="{C572A759-6A51-4108-AA02-DFA0A04FC94B}">
-              <ma14:wrappingTextBoxFlag xmlns:ma14="http://schemas.microsoft.com/office/mac/drawingml/2011/main" val="1"/>
-            </a:ext>
-          </a:extLst>
         </p:spPr>
         <p:txBody>
           <a:bodyPr lIns="45719" rIns="45719">
@@ -6261,12 +6030,11 @@
           </a:bodyPr>
           <a:lstStyle>
             <a:lvl1pPr>
-              <a:buFont typeface="Wingdings"/>
+              <a:buFont typeface="Wingdings" panose="05000000000000000000"/>
               <a:defRPr b="1"/>
             </a:lvl1pPr>
           </a:lstStyle>
           <a:p>
-            <a:pPr/>
             <a:r>
               <a:t>Elasticsearch</a:t>
             </a:r>
@@ -6290,11 +6058,6 @@
           <a:ln w="12700">
             <a:miter lim="400000"/>
           </a:ln>
-          <a:extLst>
-            <a:ext uri="{C572A759-6A51-4108-AA02-DFA0A04FC94B}">
-              <ma14:wrappingTextBoxFlag xmlns:ma14="http://schemas.microsoft.com/office/mac/drawingml/2011/main" val="1"/>
-            </a:ext>
-          </a:extLst>
         </p:spPr>
         <p:txBody>
           <a:bodyPr lIns="45719" rIns="45719">
@@ -6308,7 +6071,6 @@
             </a:lvl1pPr>
           </a:lstStyle>
           <a:p>
-            <a:pPr/>
             <a:r>
               <a:t>分布式的搜索、存储和分析引擎</a:t>
             </a:r>
@@ -6332,11 +6094,6 @@
           <a:ln w="12700">
             <a:miter lim="400000"/>
           </a:ln>
-          <a:extLst>
-            <a:ext uri="{C572A759-6A51-4108-AA02-DFA0A04FC94B}">
-              <ma14:wrappingTextBoxFlag xmlns:ma14="http://schemas.microsoft.com/office/mac/drawingml/2011/main" val="1"/>
-            </a:ext>
-          </a:extLst>
         </p:spPr>
         <p:txBody>
           <a:bodyPr lIns="45719" rIns="45719">
@@ -6350,7 +6107,6 @@
             </a:lvl1pPr>
           </a:lstStyle>
           <a:p>
-            <a:pPr/>
             <a:r>
               <a:t>搜索引擎类的数据库</a:t>
             </a:r>
@@ -6374,11 +6130,6 @@
           <a:ln w="12700">
             <a:miter lim="400000"/>
           </a:ln>
-          <a:extLst>
-            <a:ext uri="{C572A759-6A51-4108-AA02-DFA0A04FC94B}">
-              <ma14:wrappingTextBoxFlag xmlns:ma14="http://schemas.microsoft.com/office/mac/drawingml/2011/main" val="1"/>
-            </a:ext>
-          </a:extLst>
         </p:spPr>
         <p:txBody>
           <a:bodyPr lIns="45719" rIns="45719">
@@ -6392,7 +6143,6 @@
             </a:lvl1pPr>
           </a:lstStyle>
           <a:p>
-            <a:pPr/>
             <a:r>
               <a:t>ES的优势</a:t>
             </a:r>
@@ -6416,11 +6166,6 @@
           <a:ln w="12700">
             <a:miter lim="400000"/>
           </a:ln>
-          <a:extLst>
-            <a:ext uri="{C572A759-6A51-4108-AA02-DFA0A04FC94B}">
-              <ma14:wrappingTextBoxFlag xmlns:ma14="http://schemas.microsoft.com/office/mac/drawingml/2011/main" val="1"/>
-            </a:ext>
-          </a:extLst>
         </p:spPr>
         <p:txBody>
           <a:bodyPr lIns="45719" rIns="45719">
@@ -6434,7 +6179,6 @@
             </a:lvl1pPr>
           </a:lstStyle>
           <a:p>
-            <a:pPr/>
             <a:r>
               <a:t>应用范围广泛</a:t>
             </a:r>
@@ -6446,12 +6190,12 @@
   <p:clrMapOvr>
     <a:masterClrMapping/>
   </p:clrMapOvr>
-  <p:transition xmlns:p14="http://schemas.microsoft.com/office/powerpoint/2010/main" spd="med" advClick="1"/>
+  <p:transition spd="med"/>
 </p:sld>
 </file>
 
 <file path=ppt/slides/slide17.xml><?xml version="1.0" encoding="utf-8"?>
-<p:sld xmlns:a="http://schemas.openxmlformats.org/drawingml/2006/main" xmlns:r="http://schemas.openxmlformats.org/officeDocument/2006/relationships" xmlns:p="http://schemas.openxmlformats.org/presentationml/2006/main" xmlns:m="http://schemas.openxmlformats.org/officeDocument/2006/math" xmlns:a14="http://schemas.microsoft.com/office/drawing/2010/main" showMasterSp="1" showMasterPhAnim="1">
+<p:sld xmlns:a="http://schemas.openxmlformats.org/drawingml/2006/main" xmlns:r="http://schemas.openxmlformats.org/officeDocument/2006/relationships" xmlns:p="http://schemas.openxmlformats.org/presentationml/2006/main">
   <p:cSld>
     <p:spTree>
       <p:nvGrpSpPr>
@@ -6484,11 +6228,6 @@
           <a:ln w="12700">
             <a:miter lim="400000"/>
           </a:ln>
-          <a:extLst>
-            <a:ext uri="{C572A759-6A51-4108-AA02-DFA0A04FC94B}">
-              <ma14:wrappingTextBoxFlag xmlns:ma14="http://schemas.microsoft.com/office/mac/drawingml/2011/main" val="1"/>
-            </a:ext>
-          </a:extLst>
         </p:spPr>
         <p:txBody>
           <a:bodyPr lIns="45719" rIns="45719">
@@ -6496,7 +6235,7 @@
           </a:bodyPr>
           <a:lstStyle>
             <a:lvl1pPr algn="ctr">
-              <a:defRPr b="1" sz="1400">
+              <a:defRPr sz="1400" b="1">
                 <a:solidFill>
                   <a:srgbClr val="888888"/>
                 </a:solidFill>
@@ -6504,7 +6243,6 @@
             </a:lvl1pPr>
           </a:lstStyle>
           <a:p>
-            <a:pPr/>
             <a:r>
               <a:t>http://www.mashibing.com</a:t>
             </a:r>
@@ -6520,9 +6258,7 @@
           <p:nvPr/>
         </p:nvPicPr>
         <p:blipFill>
-          <a:blip r:embed="rId2">
-            <a:extLst/>
-          </a:blip>
+          <a:blip r:embed="rId1"/>
           <a:stretch>
             <a:fillRect/>
           </a:stretch>
@@ -6537,6 +6273,8 @@
           </a:prstGeom>
           <a:ln w="12700">
             <a:miter lim="400000"/>
+            <a:headEnd/>
+            <a:tailEnd/>
           </a:ln>
         </p:spPr>
       </p:pic>
@@ -6556,11 +6294,6 @@
           <a:prstGeom prst="rect">
             <a:avLst/>
           </a:prstGeom>
-          <a:extLst>
-            <a:ext uri="{C572A759-6A51-4108-AA02-DFA0A04FC94B}">
-              <ma14:wrappingTextBoxFlag xmlns:ma14="http://schemas.microsoft.com/office/mac/drawingml/2011/main" val="1"/>
-            </a:ext>
-          </a:extLst>
         </p:spPr>
         <p:txBody>
           <a:bodyPr/>
@@ -6574,8 +6307,10 @@
             </a:lvl1pPr>
           </a:lstStyle>
           <a:p>
-            <a:pPr/>
-            <a:fld id="{86CB4B4D-7CA3-9044-876B-883B54F8677D}" type="slidenum"/>
+            <a:fld id="{86CB4B4D-7CA3-9044-876B-883B54F8677D}" type="slidenum">
+              <a:rPr/>
+            </a:fld>
+            <a:endParaRPr/>
           </a:p>
         </p:txBody>
       </p:sp>
@@ -6596,11 +6331,6 @@
           <a:ln w="12700">
             <a:miter lim="400000"/>
           </a:ln>
-          <a:extLst>
-            <a:ext uri="{C572A759-6A51-4108-AA02-DFA0A04FC94B}">
-              <ma14:wrappingTextBoxFlag xmlns:ma14="http://schemas.microsoft.com/office/mac/drawingml/2011/main" val="1"/>
-            </a:ext>
-          </a:extLst>
         </p:spPr>
         <p:txBody>
           <a:bodyPr lIns="45719" rIns="45719">
@@ -6608,12 +6338,11 @@
           </a:bodyPr>
           <a:lstStyle>
             <a:lvl1pPr>
-              <a:buFont typeface="Wingdings"/>
+              <a:buFont typeface="Wingdings" panose="05000000000000000000"/>
               <a:defRPr b="1"/>
             </a:lvl1pPr>
           </a:lstStyle>
           <a:p>
-            <a:pPr/>
             <a:r>
               <a:t>节点</a:t>
             </a:r>
@@ -6637,11 +6366,6 @@
           <a:ln w="12700">
             <a:miter lim="400000"/>
           </a:ln>
-          <a:extLst>
-            <a:ext uri="{C572A759-6A51-4108-AA02-DFA0A04FC94B}">
-              <ma14:wrappingTextBoxFlag xmlns:ma14="http://schemas.microsoft.com/office/mac/drawingml/2011/main" val="1"/>
-            </a:ext>
-          </a:extLst>
         </p:spPr>
         <p:txBody>
           <a:bodyPr lIns="45719" rIns="45719">
@@ -6655,7 +6379,6 @@
             </a:lvl1pPr>
           </a:lstStyle>
           <a:p>
-            <a:pPr/>
             <a:r>
               <a:t>每个节点就是一个Elasticsearch的实例</a:t>
             </a:r>
@@ -6679,11 +6402,6 @@
           <a:ln w="12700">
             <a:miter lim="400000"/>
           </a:ln>
-          <a:extLst>
-            <a:ext uri="{C572A759-6A51-4108-AA02-DFA0A04FC94B}">
-              <ma14:wrappingTextBoxFlag xmlns:ma14="http://schemas.microsoft.com/office/mac/drawingml/2011/main" val="1"/>
-            </a:ext>
-          </a:extLst>
         </p:spPr>
         <p:txBody>
           <a:bodyPr lIns="45719" rIns="45719">
@@ -6697,7 +6415,6 @@
             </a:lvl1pPr>
           </a:lstStyle>
           <a:p>
-            <a:pPr/>
             <a:r>
               <a:t>一个节点≠一台服务器</a:t>
             </a:r>
@@ -6709,12 +6426,12 @@
   <p:clrMapOvr>
     <a:masterClrMapping/>
   </p:clrMapOvr>
-  <p:transition xmlns:p14="http://schemas.microsoft.com/office/powerpoint/2010/main" spd="med" advClick="1"/>
+  <p:transition spd="med"/>
 </p:sld>
 </file>
 
 <file path=ppt/slides/slide18.xml><?xml version="1.0" encoding="utf-8"?>
-<p:sld xmlns:a="http://schemas.openxmlformats.org/drawingml/2006/main" xmlns:r="http://schemas.openxmlformats.org/officeDocument/2006/relationships" xmlns:p="http://schemas.openxmlformats.org/presentationml/2006/main" xmlns:m="http://schemas.openxmlformats.org/officeDocument/2006/math" xmlns:a14="http://schemas.microsoft.com/office/drawing/2010/main" showMasterSp="1" showMasterPhAnim="1">
+<p:sld xmlns:a="http://schemas.openxmlformats.org/drawingml/2006/main" xmlns:r="http://schemas.openxmlformats.org/officeDocument/2006/relationships" xmlns:p="http://schemas.openxmlformats.org/presentationml/2006/main">
   <p:cSld>
     <p:spTree>
       <p:nvGrpSpPr>
@@ -6747,11 +6464,6 @@
           <a:ln w="12700">
             <a:miter lim="400000"/>
           </a:ln>
-          <a:extLst>
-            <a:ext uri="{C572A759-6A51-4108-AA02-DFA0A04FC94B}">
-              <ma14:wrappingTextBoxFlag xmlns:ma14="http://schemas.microsoft.com/office/mac/drawingml/2011/main" val="1"/>
-            </a:ext>
-          </a:extLst>
         </p:spPr>
         <p:txBody>
           <a:bodyPr lIns="45719" rIns="45719">
@@ -6759,7 +6471,7 @@
           </a:bodyPr>
           <a:lstStyle>
             <a:lvl1pPr algn="ctr">
-              <a:defRPr b="1" sz="1400">
+              <a:defRPr sz="1400" b="1">
                 <a:solidFill>
                   <a:srgbClr val="888888"/>
                 </a:solidFill>
@@ -6767,7 +6479,6 @@
             </a:lvl1pPr>
           </a:lstStyle>
           <a:p>
-            <a:pPr/>
             <a:r>
               <a:t>http://www.mashibing.com</a:t>
             </a:r>
@@ -6783,9 +6494,7 @@
           <p:nvPr/>
         </p:nvPicPr>
         <p:blipFill>
-          <a:blip r:embed="rId2">
-            <a:extLst/>
-          </a:blip>
+          <a:blip r:embed="rId1"/>
           <a:stretch>
             <a:fillRect/>
           </a:stretch>
@@ -6800,6 +6509,8 @@
           </a:prstGeom>
           <a:ln w="12700">
             <a:miter lim="400000"/>
+            <a:headEnd/>
+            <a:tailEnd/>
           </a:ln>
         </p:spPr>
       </p:pic>
@@ -6819,11 +6530,6 @@
           <a:prstGeom prst="rect">
             <a:avLst/>
           </a:prstGeom>
-          <a:extLst>
-            <a:ext uri="{C572A759-6A51-4108-AA02-DFA0A04FC94B}">
-              <ma14:wrappingTextBoxFlag xmlns:ma14="http://schemas.microsoft.com/office/mac/drawingml/2011/main" val="1"/>
-            </a:ext>
-          </a:extLst>
         </p:spPr>
         <p:txBody>
           <a:bodyPr/>
@@ -6837,8 +6543,10 @@
             </a:lvl1pPr>
           </a:lstStyle>
           <a:p>
-            <a:pPr/>
-            <a:fld id="{86CB4B4D-7CA3-9044-876B-883B54F8677D}" type="slidenum"/>
+            <a:fld id="{86CB4B4D-7CA3-9044-876B-883B54F8677D}" type="slidenum">
+              <a:rPr/>
+            </a:fld>
+            <a:endParaRPr/>
           </a:p>
         </p:txBody>
       </p:sp>
@@ -6859,11 +6567,6 @@
           <a:ln w="12700">
             <a:miter lim="400000"/>
           </a:ln>
-          <a:extLst>
-            <a:ext uri="{C572A759-6A51-4108-AA02-DFA0A04FC94B}">
-              <ma14:wrappingTextBoxFlag xmlns:ma14="http://schemas.microsoft.com/office/mac/drawingml/2011/main" val="1"/>
-            </a:ext>
-          </a:extLst>
         </p:spPr>
         <p:txBody>
           <a:bodyPr lIns="45719" rIns="45719">
@@ -6871,12 +6574,11 @@
           </a:bodyPr>
           <a:lstStyle>
             <a:lvl1pPr>
-              <a:buFont typeface="Wingdings"/>
+              <a:buFont typeface="Wingdings" panose="05000000000000000000"/>
               <a:defRPr b="1"/>
             </a:lvl1pPr>
           </a:lstStyle>
           <a:p>
-            <a:pPr/>
             <a:r>
               <a:t>节点角色</a:t>
             </a:r>
@@ -6900,11 +6602,6 @@
           <a:ln w="12700">
             <a:miter lim="400000"/>
           </a:ln>
-          <a:extLst>
-            <a:ext uri="{C572A759-6A51-4108-AA02-DFA0A04FC94B}">
-              <ma14:wrappingTextBoxFlag xmlns:ma14="http://schemas.microsoft.com/office/mac/drawingml/2011/main" val="1"/>
-            </a:ext>
-          </a:extLst>
         </p:spPr>
         <p:txBody>
           <a:bodyPr lIns="45719" rIns="45719">
@@ -7176,12 +6873,12 @@
   <p:clrMapOvr>
     <a:masterClrMapping/>
   </p:clrMapOvr>
-  <p:transition xmlns:p14="http://schemas.microsoft.com/office/powerpoint/2010/main" spd="med" advClick="1"/>
+  <p:transition spd="med"/>
 </p:sld>
 </file>
 
 <file path=ppt/slides/slide19.xml><?xml version="1.0" encoding="utf-8"?>
-<p:sld xmlns:a="http://schemas.openxmlformats.org/drawingml/2006/main" xmlns:r="http://schemas.openxmlformats.org/officeDocument/2006/relationships" xmlns:p="http://schemas.openxmlformats.org/presentationml/2006/main" xmlns:m="http://schemas.openxmlformats.org/officeDocument/2006/math" xmlns:a14="http://schemas.microsoft.com/office/drawing/2010/main" showMasterSp="1" showMasterPhAnim="1">
+<p:sld xmlns:a="http://schemas.openxmlformats.org/drawingml/2006/main" xmlns:r="http://schemas.openxmlformats.org/officeDocument/2006/relationships" xmlns:p="http://schemas.openxmlformats.org/presentationml/2006/main">
   <p:cSld>
     <p:spTree>
       <p:nvGrpSpPr>
@@ -7214,11 +6911,6 @@
           <a:ln w="12700">
             <a:miter lim="400000"/>
           </a:ln>
-          <a:extLst>
-            <a:ext uri="{C572A759-6A51-4108-AA02-DFA0A04FC94B}">
-              <ma14:wrappingTextBoxFlag xmlns:ma14="http://schemas.microsoft.com/office/mac/drawingml/2011/main" val="1"/>
-            </a:ext>
-          </a:extLst>
         </p:spPr>
         <p:txBody>
           <a:bodyPr lIns="45719" rIns="45719">
@@ -7226,7 +6918,7 @@
           </a:bodyPr>
           <a:lstStyle>
             <a:lvl1pPr algn="ctr">
-              <a:defRPr b="1" sz="1400">
+              <a:defRPr sz="1400" b="1">
                 <a:solidFill>
                   <a:srgbClr val="888888"/>
                 </a:solidFill>
@@ -7234,7 +6926,6 @@
             </a:lvl1pPr>
           </a:lstStyle>
           <a:p>
-            <a:pPr/>
             <a:r>
               <a:t>http://www.mashibing.com</a:t>
             </a:r>
@@ -7250,9 +6941,7 @@
           <p:nvPr/>
         </p:nvPicPr>
         <p:blipFill>
-          <a:blip r:embed="rId2">
-            <a:extLst/>
-          </a:blip>
+          <a:blip r:embed="rId1"/>
           <a:stretch>
             <a:fillRect/>
           </a:stretch>
@@ -7267,6 +6956,8 @@
           </a:prstGeom>
           <a:ln w="12700">
             <a:miter lim="400000"/>
+            <a:headEnd/>
+            <a:tailEnd/>
           </a:ln>
         </p:spPr>
       </p:pic>
@@ -7286,11 +6977,6 @@
           <a:prstGeom prst="rect">
             <a:avLst/>
           </a:prstGeom>
-          <a:extLst>
-            <a:ext uri="{C572A759-6A51-4108-AA02-DFA0A04FC94B}">
-              <ma14:wrappingTextBoxFlag xmlns:ma14="http://schemas.microsoft.com/office/mac/drawingml/2011/main" val="1"/>
-            </a:ext>
-          </a:extLst>
         </p:spPr>
         <p:txBody>
           <a:bodyPr/>
@@ -7304,8 +6990,10 @@
             </a:lvl1pPr>
           </a:lstStyle>
           <a:p>
-            <a:pPr/>
-            <a:fld id="{86CB4B4D-7CA3-9044-876B-883B54F8677D}" type="slidenum"/>
+            <a:fld id="{86CB4B4D-7CA3-9044-876B-883B54F8677D}" type="slidenum">
+              <a:rPr/>
+            </a:fld>
+            <a:endParaRPr/>
           </a:p>
         </p:txBody>
       </p:sp>
@@ -7326,11 +7014,6 @@
           <a:ln w="12700">
             <a:miter lim="400000"/>
           </a:ln>
-          <a:extLst>
-            <a:ext uri="{C572A759-6A51-4108-AA02-DFA0A04FC94B}">
-              <ma14:wrappingTextBoxFlag xmlns:ma14="http://schemas.microsoft.com/office/mac/drawingml/2011/main" val="1"/>
-            </a:ext>
-          </a:extLst>
         </p:spPr>
         <p:txBody>
           <a:bodyPr lIns="45719" rIns="45719">
@@ -7338,11 +7021,10 @@
           </a:bodyPr>
           <a:lstStyle>
             <a:lvl1pPr algn="just" defTabSz="457200">
-              <a:defRPr b="1" sz="2800"/>
+              <a:defRPr sz="2800" b="1"/>
             </a:lvl1pPr>
           </a:lstStyle>
           <a:p>
-            <a:pPr/>
             <a:r>
               <a:t>分片</a:t>
             </a:r>
@@ -7366,11 +7048,6 @@
           <a:ln w="12700">
             <a:miter lim="400000"/>
           </a:ln>
-          <a:extLst>
-            <a:ext uri="{C572A759-6A51-4108-AA02-DFA0A04FC94B}">
-              <ma14:wrappingTextBoxFlag xmlns:ma14="http://schemas.microsoft.com/office/mac/drawingml/2011/main" val="1"/>
-            </a:ext>
-          </a:extLst>
         </p:spPr>
         <p:txBody>
           <a:bodyPr lIns="45719" rIns="45719">
@@ -7528,12 +7205,12 @@
   <p:clrMapOvr>
     <a:masterClrMapping/>
   </p:clrMapOvr>
-  <p:transition xmlns:p14="http://schemas.microsoft.com/office/powerpoint/2010/main" spd="med" advClick="1"/>
+  <p:transition spd="med"/>
 </p:sld>
 </file>
 
 <file path=ppt/slides/slide2.xml><?xml version="1.0" encoding="utf-8"?>
-<p:sld xmlns:a="http://schemas.openxmlformats.org/drawingml/2006/main" xmlns:r="http://schemas.openxmlformats.org/officeDocument/2006/relationships" xmlns:p="http://schemas.openxmlformats.org/presentationml/2006/main" xmlns:m="http://schemas.openxmlformats.org/officeDocument/2006/math" xmlns:a14="http://schemas.microsoft.com/office/drawing/2010/main" showMasterSp="1" showMasterPhAnim="1">
+<p:sld xmlns:a="http://schemas.openxmlformats.org/drawingml/2006/main" xmlns:r="http://schemas.openxmlformats.org/officeDocument/2006/relationships" xmlns:p="http://schemas.openxmlformats.org/presentationml/2006/main">
   <p:cSld>
     <p:spTree>
       <p:nvGrpSpPr>
@@ -7566,11 +7243,6 @@
           <a:ln w="12700">
             <a:miter lim="400000"/>
           </a:ln>
-          <a:extLst>
-            <a:ext uri="{C572A759-6A51-4108-AA02-DFA0A04FC94B}">
-              <ma14:wrappingTextBoxFlag xmlns:ma14="http://schemas.microsoft.com/office/mac/drawingml/2011/main" val="1"/>
-            </a:ext>
-          </a:extLst>
         </p:spPr>
         <p:txBody>
           <a:bodyPr lIns="45719" rIns="45719">
@@ -7578,7 +7250,7 @@
           </a:bodyPr>
           <a:lstStyle>
             <a:lvl1pPr algn="ctr">
-              <a:defRPr b="1" sz="1400">
+              <a:defRPr sz="1400" b="1">
                 <a:solidFill>
                   <a:srgbClr val="888888"/>
                 </a:solidFill>
@@ -7586,7 +7258,6 @@
             </a:lvl1pPr>
           </a:lstStyle>
           <a:p>
-            <a:pPr/>
             <a:r>
               <a:t>http://www.mashibing.com</a:t>
             </a:r>
@@ -7615,15 +7286,14 @@
           <a:lstStyle>
             <a:lvl1pPr algn="l">
               <a:defRPr sz="3600">
-                <a:latin typeface="宋体"/>
-                <a:ea typeface="宋体"/>
-                <a:cs typeface="宋体"/>
-                <a:sym typeface="宋体"/>
+                <a:latin typeface="宋体" panose="02010600030101010101" pitchFamily="2" charset="-122"/>
+                <a:ea typeface="宋体" panose="02010600030101010101" pitchFamily="2" charset="-122"/>
+                <a:cs typeface="宋体" panose="02010600030101010101" pitchFamily="2" charset="-122"/>
+                <a:sym typeface="宋体" panose="02010600030101010101" pitchFamily="2" charset="-122"/>
               </a:defRPr>
             </a:lvl1pPr>
           </a:lstStyle>
           <a:p>
-            <a:pPr/>
             <a:r>
               <a:t>Elasticsearch核心概念</a:t>
             </a:r>
@@ -7639,9 +7309,7 @@
           <p:nvPr/>
         </p:nvPicPr>
         <p:blipFill>
-          <a:blip r:embed="rId2">
-            <a:extLst/>
-          </a:blip>
+          <a:blip r:embed="rId1"/>
           <a:stretch>
             <a:fillRect/>
           </a:stretch>
@@ -7656,6 +7324,8 @@
           </a:prstGeom>
           <a:ln w="12700">
             <a:miter lim="400000"/>
+            <a:headEnd/>
+            <a:tailEnd/>
           </a:ln>
         </p:spPr>
       </p:pic>
@@ -7675,11 +7345,6 @@
           <a:prstGeom prst="rect">
             <a:avLst/>
           </a:prstGeom>
-          <a:extLst>
-            <a:ext uri="{C572A759-6A51-4108-AA02-DFA0A04FC94B}">
-              <ma14:wrappingTextBoxFlag xmlns:ma14="http://schemas.microsoft.com/office/mac/drawingml/2011/main" val="1"/>
-            </a:ext>
-          </a:extLst>
         </p:spPr>
         <p:txBody>
           <a:bodyPr/>
@@ -7693,8 +7358,10 @@
             </a:lvl1pPr>
           </a:lstStyle>
           <a:p>
-            <a:pPr/>
-            <a:fld id="{86CB4B4D-7CA3-9044-876B-883B54F8677D}" type="slidenum"/>
+            <a:fld id="{86CB4B4D-7CA3-9044-876B-883B54F8677D}" type="slidenum">
+              <a:rPr/>
+            </a:fld>
+            <a:endParaRPr/>
           </a:p>
         </p:txBody>
       </p:sp>
@@ -7715,11 +7382,6 @@
           <a:ln w="12700">
             <a:miter lim="400000"/>
           </a:ln>
-          <a:extLst>
-            <a:ext uri="{C572A759-6A51-4108-AA02-DFA0A04FC94B}">
-              <ma14:wrappingTextBoxFlag xmlns:ma14="http://schemas.microsoft.com/office/mac/drawingml/2011/main" val="1"/>
-            </a:ext>
-          </a:extLst>
         </p:spPr>
         <p:txBody>
           <a:bodyPr lIns="45719" rIns="45719">
@@ -7727,12 +7389,11 @@
           </a:bodyPr>
           <a:lstStyle>
             <a:lvl1pPr>
-              <a:buFont typeface="Wingdings"/>
+              <a:buFont typeface="Wingdings" panose="05000000000000000000"/>
               <a:defRPr b="1"/>
             </a:lvl1pPr>
           </a:lstStyle>
           <a:p>
-            <a:pPr/>
             <a:r>
               <a:t>什么是搜索引擎？</a:t>
             </a:r>
@@ -7756,11 +7417,6 @@
           <a:ln w="12700">
             <a:miter lim="400000"/>
           </a:ln>
-          <a:extLst>
-            <a:ext uri="{C572A759-6A51-4108-AA02-DFA0A04FC94B}">
-              <ma14:wrappingTextBoxFlag xmlns:ma14="http://schemas.microsoft.com/office/mac/drawingml/2011/main" val="1"/>
-            </a:ext>
-          </a:extLst>
         </p:spPr>
         <p:txBody>
           <a:bodyPr lIns="45719" rIns="45719">
@@ -7774,7 +7430,6 @@
             </a:lvl1pPr>
           </a:lstStyle>
           <a:p>
-            <a:pPr/>
             <a:r>
               <a:t>全文搜索引擎</a:t>
             </a:r>
@@ -7798,11 +7453,6 @@
           <a:ln w="12700">
             <a:miter lim="400000"/>
           </a:ln>
-          <a:extLst>
-            <a:ext uri="{C572A759-6A51-4108-AA02-DFA0A04FC94B}">
-              <ma14:wrappingTextBoxFlag xmlns:ma14="http://schemas.microsoft.com/office/mac/drawingml/2011/main" val="1"/>
-            </a:ext>
-          </a:extLst>
         </p:spPr>
         <p:txBody>
           <a:bodyPr lIns="45719" rIns="45719">
@@ -7816,7 +7466,6 @@
             </a:lvl1pPr>
           </a:lstStyle>
           <a:p>
-            <a:pPr/>
             <a:r>
               <a:t>垂直搜索引擎</a:t>
             </a:r>
@@ -7840,11 +7489,6 @@
           <a:ln w="12700">
             <a:miter lim="400000"/>
           </a:ln>
-          <a:extLst>
-            <a:ext uri="{C572A759-6A51-4108-AA02-DFA0A04FC94B}">
-              <ma14:wrappingTextBoxFlag xmlns:ma14="http://schemas.microsoft.com/office/mac/drawingml/2011/main" val="1"/>
-            </a:ext>
-          </a:extLst>
         </p:spPr>
         <p:txBody>
           <a:bodyPr lIns="45719" rIns="45719">
@@ -7853,7 +7497,7 @@
           <a:lstStyle/>
           <a:p>
             <a:pPr>
-              <a:buFont typeface="Wingdings"/>
+              <a:buFont typeface="Wingdings" panose="05000000000000000000"/>
               <a:defRPr sz="2200"/>
             </a:pPr>
             <a:r>
@@ -7862,7 +7506,7 @@
           </a:p>
           <a:p>
             <a:pPr>
-              <a:buFont typeface="Wingdings"/>
+              <a:buFont typeface="Wingdings" panose="05000000000000000000"/>
               <a:defRPr sz="2200"/>
             </a:pPr>
             <a:r>
@@ -7888,11 +7532,6 @@
           <a:ln w="12700">
             <a:miter lim="400000"/>
           </a:ln>
-          <a:extLst>
-            <a:ext uri="{C572A759-6A51-4108-AA02-DFA0A04FC94B}">
-              <ma14:wrappingTextBoxFlag xmlns:ma14="http://schemas.microsoft.com/office/mac/drawingml/2011/main" val="1"/>
-            </a:ext>
-          </a:extLst>
         </p:spPr>
         <p:txBody>
           <a:bodyPr lIns="45719" rIns="45719">
@@ -7900,12 +7539,11 @@
           </a:bodyPr>
           <a:lstStyle>
             <a:lvl1pPr>
-              <a:buFont typeface="Wingdings"/>
+              <a:buFont typeface="Wingdings" panose="05000000000000000000"/>
               <a:defRPr sz="2200"/>
             </a:lvl1pPr>
           </a:lstStyle>
           <a:p>
-            <a:pPr/>
             <a:r>
               <a:t>各大电商网站、OA、站内搜索、视频网站等</a:t>
             </a:r>
@@ -7929,11 +7567,6 @@
           <a:ln w="12700">
             <a:miter lim="400000"/>
           </a:ln>
-          <a:extLst>
-            <a:ext uri="{C572A759-6A51-4108-AA02-DFA0A04FC94B}">
-              <ma14:wrappingTextBoxFlag xmlns:ma14="http://schemas.microsoft.com/office/mac/drawingml/2011/main" val="1"/>
-            </a:ext>
-          </a:extLst>
         </p:spPr>
         <p:txBody>
           <a:bodyPr lIns="45719" rIns="45719">
@@ -7941,12 +7574,11 @@
           </a:bodyPr>
           <a:lstStyle>
             <a:lvl1pPr>
-              <a:buFont typeface="Wingdings"/>
+              <a:buFont typeface="Wingdings" panose="05000000000000000000"/>
               <a:defRPr sz="2200"/>
             </a:lvl1pPr>
           </a:lstStyle>
           <a:p>
-            <a:pPr/>
             <a:r>
               <a:t>有明确搜索目的的搜索行为</a:t>
             </a:r>
@@ -7958,14 +7590,14 @@
   <p:clrMapOvr>
     <a:masterClrMapping/>
   </p:clrMapOvr>
-  <p:transition xmlns:p14="http://schemas.microsoft.com/office/powerpoint/2010/main" spd="med" advClick="1"/>
+  <p:transition spd="med"/>
   <p:timing>
     <p:tnLst>
       <p:par>
-        <p:cTn id="1" nodeType="tmRoot" restart="never" dur="indefinite" fill="hold">
+        <p:cTn id="1" dur="indefinite" restart="never" fill="hold" nodeType="tmRoot">
           <p:childTnLst>
-            <p:seq concurrent="1" prevAc="none" nextAc="seek">
-              <p:cTn id="2" nodeType="mainSeq" dur="indefinite" fill="hold">
+            <p:seq concurrent="1" nextAc="seek">
+              <p:cTn id="2" dur="indefinite" fill="hold" nodeType="mainSeq">
                 <p:childTnLst>
                   <p:par>
                     <p:cTn id="3" fill="hold">
@@ -7980,17 +7612,17 @@
                             </p:stCondLst>
                             <p:childTnLst>
                               <p:par>
-                                <p:cTn id="5" presetClass="entr" nodeType="clickEffect" presetSubtype="8" presetID="2" grpId="1" fill="hold">
+                                <p:cTn id="5" presetID="2" presetClass="entr" presetSubtype="8" fill="hold" grpId="1" nodeType="clickEffect">
                                   <p:stCondLst>
                                     <p:cond delay="0"/>
                                   </p:stCondLst>
-                                  <p:iterate type="el" backwards="0">
+                                  <p:iterate type="el">
                                     <p:tmAbs val="0"/>
                                   </p:iterate>
                                   <p:childTnLst>
                                     <p:set>
                                       <p:cBhvr>
-                                        <p:cTn id="6" fill="hold"/>
+                                        <p:cTn id="6" dur="indefinite" fill="hold"/>
                                         <p:tgtEl>
                                           <p:spTgt spid="107"/>
                                         </p:tgtEl>
@@ -8070,17 +7702,17 @@
                             </p:stCondLst>
                             <p:childTnLst>
                               <p:par>
-                                <p:cTn id="11" presetClass="entr" nodeType="clickEffect" presetSubtype="8" presetID="2" grpId="2" fill="hold">
+                                <p:cTn id="11" presetID="2" presetClass="entr" presetSubtype="8" fill="hold" grpId="2" nodeType="clickEffect">
                                   <p:stCondLst>
                                     <p:cond delay="0"/>
                                   </p:stCondLst>
-                                  <p:iterate type="el" backwards="0">
+                                  <p:iterate type="el">
                                     <p:tmAbs val="0"/>
                                   </p:iterate>
                                   <p:childTnLst>
                                     <p:set>
                                       <p:cBhvr>
-                                        <p:cTn id="12" fill="hold"/>
+                                        <p:cTn id="12" dur="indefinite" fill="hold"/>
                                         <p:tgtEl>
                                           <p:spTgt spid="108"/>
                                         </p:tgtEl>
@@ -8160,17 +7792,17 @@
                             </p:stCondLst>
                             <p:childTnLst>
                               <p:par>
-                                <p:cTn id="17" presetClass="entr" nodeType="clickEffect" presetSubtype="8" presetID="2" grpId="3" fill="hold">
+                                <p:cTn id="17" presetID="2" presetClass="entr" presetSubtype="8" fill="hold" grpId="3" nodeType="clickEffect">
                                   <p:stCondLst>
                                     <p:cond delay="0"/>
                                   </p:stCondLst>
-                                  <p:iterate type="el" backwards="0">
+                                  <p:iterate type="el">
                                     <p:tmAbs val="0"/>
                                   </p:iterate>
                                   <p:childTnLst>
                                     <p:set>
                                       <p:cBhvr>
-                                        <p:cTn id="18" fill="hold"/>
+                                        <p:cTn id="18" dur="indefinite" fill="hold"/>
                                         <p:tgtEl>
                                           <p:spTgt spid="109"/>
                                         </p:tgtEl>
@@ -8250,17 +7882,17 @@
                             </p:stCondLst>
                             <p:childTnLst>
                               <p:par>
-                                <p:cTn id="23" presetClass="entr" nodeType="clickEffect" presetSubtype="8" presetID="2" grpId="4" fill="hold">
+                                <p:cTn id="23" presetID="2" presetClass="entr" presetSubtype="8" fill="hold" grpId="4" nodeType="clickEffect">
                                   <p:stCondLst>
                                     <p:cond delay="0"/>
                                   </p:stCondLst>
-                                  <p:iterate type="el" backwards="0">
+                                  <p:iterate type="el">
                                     <p:tmAbs val="0"/>
                                   </p:iterate>
                                   <p:childTnLst>
                                     <p:set>
                                       <p:cBhvr>
-                                        <p:cTn id="24" fill="hold"/>
+                                        <p:cTn id="24" dur="indefinite" fill="hold"/>
                                         <p:tgtEl>
                                           <p:spTgt spid="110"/>
                                         </p:tgtEl>
@@ -8340,17 +7972,17 @@
                             </p:stCondLst>
                             <p:childTnLst>
                               <p:par>
-                                <p:cTn id="29" presetClass="entr" nodeType="clickEffect" presetSubtype="8" presetID="2" grpId="5" fill="hold">
+                                <p:cTn id="29" presetID="2" presetClass="entr" presetSubtype="8" fill="hold" grpId="5" nodeType="clickEffect">
                                   <p:stCondLst>
                                     <p:cond delay="0"/>
                                   </p:stCondLst>
-                                  <p:iterate type="el" backwards="0">
+                                  <p:iterate type="el">
                                     <p:tmAbs val="0"/>
                                   </p:iterate>
                                   <p:childTnLst>
                                     <p:set>
                                       <p:cBhvr>
-                                        <p:cTn id="30" fill="hold"/>
+                                        <p:cTn id="30" dur="indefinite" fill="hold"/>
                                         <p:tgtEl>
                                           <p:spTgt spid="112"/>
                                         </p:tgtEl>
@@ -8430,17 +8062,17 @@
                             </p:stCondLst>
                             <p:childTnLst>
                               <p:par>
-                                <p:cTn id="35" presetClass="entr" nodeType="clickEffect" presetSubtype="8" presetID="2" grpId="6" fill="hold">
+                                <p:cTn id="35" presetID="2" presetClass="entr" presetSubtype="8" fill="hold" grpId="6" nodeType="clickEffect">
                                   <p:stCondLst>
                                     <p:cond delay="0"/>
                                   </p:stCondLst>
-                                  <p:iterate type="el" backwards="0">
+                                  <p:iterate type="el">
                                     <p:tmAbs val="0"/>
                                   </p:iterate>
                                   <p:childTnLst>
                                     <p:set>
                                       <p:cBhvr>
-                                        <p:cTn id="36" fill="hold"/>
+                                        <p:cTn id="36" dur="indefinite" fill="hold"/>
                                         <p:tgtEl>
                                           <p:spTgt spid="111"/>
                                         </p:tgtEl>
@@ -8529,19 +8161,19 @@
       </p:par>
     </p:tnLst>
     <p:bldLst>
-      <p:bldP build="whole" bldLvl="1" animBg="1" rev="0" advAuto="0" spid="109" grpId="3"/>
-      <p:bldP build="whole" bldLvl="1" animBg="1" rev="0" advAuto="0" spid="110" grpId="4"/>
-      <p:bldP build="whole" bldLvl="1" animBg="1" rev="0" advAuto="0" spid="112" grpId="5"/>
-      <p:bldP build="whole" bldLvl="1" animBg="1" rev="0" advAuto="0" spid="108" grpId="2"/>
-      <p:bldP build="whole" bldLvl="1" animBg="1" rev="0" advAuto="0" spid="111" grpId="6"/>
-      <p:bldP build="whole" bldLvl="1" animBg="1" rev="0" advAuto="0" spid="107" grpId="1"/>
+      <p:bldP spid="109" grpId="3" animBg="1" advAuto="0"/>
+      <p:bldP spid="110" grpId="4" animBg="1" advAuto="0"/>
+      <p:bldP spid="112" grpId="5" animBg="1" advAuto="0"/>
+      <p:bldP spid="108" grpId="2" animBg="1" advAuto="0"/>
+      <p:bldP spid="111" grpId="6" animBg="1" advAuto="0"/>
+      <p:bldP spid="107" grpId="1" animBg="1" advAuto="0"/>
     </p:bldLst>
   </p:timing>
 </p:sld>
 </file>
 
 <file path=ppt/slides/slide20.xml><?xml version="1.0" encoding="utf-8"?>
-<p:sld xmlns:a="http://schemas.openxmlformats.org/drawingml/2006/main" xmlns:r="http://schemas.openxmlformats.org/officeDocument/2006/relationships" xmlns:p="http://schemas.openxmlformats.org/presentationml/2006/main" xmlns:m="http://schemas.openxmlformats.org/officeDocument/2006/math" xmlns:a14="http://schemas.microsoft.com/office/drawing/2010/main" showMasterSp="1" showMasterPhAnim="1">
+<p:sld xmlns:a="http://schemas.openxmlformats.org/drawingml/2006/main" xmlns:r="http://schemas.openxmlformats.org/officeDocument/2006/relationships" xmlns:p="http://schemas.openxmlformats.org/presentationml/2006/main">
   <p:cSld>
     <p:spTree>
       <p:nvGrpSpPr>
@@ -8574,11 +8206,6 @@
           <a:ln w="12700">
             <a:miter lim="400000"/>
           </a:ln>
-          <a:extLst>
-            <a:ext uri="{C572A759-6A51-4108-AA02-DFA0A04FC94B}">
-              <ma14:wrappingTextBoxFlag xmlns:ma14="http://schemas.microsoft.com/office/mac/drawingml/2011/main" val="1"/>
-            </a:ext>
-          </a:extLst>
         </p:spPr>
         <p:txBody>
           <a:bodyPr lIns="45719" rIns="45719">
@@ -8586,7 +8213,7 @@
           </a:bodyPr>
           <a:lstStyle>
             <a:lvl1pPr algn="ctr">
-              <a:defRPr b="1" sz="1400">
+              <a:defRPr sz="1400" b="1">
                 <a:solidFill>
                   <a:srgbClr val="888888"/>
                 </a:solidFill>
@@ -8594,7 +8221,6 @@
             </a:lvl1pPr>
           </a:lstStyle>
           <a:p>
-            <a:pPr/>
             <a:r>
               <a:t>http://www.mashibing.com</a:t>
             </a:r>
@@ -8610,9 +8236,7 @@
           <p:nvPr/>
         </p:nvPicPr>
         <p:blipFill>
-          <a:blip r:embed="rId2">
-            <a:extLst/>
-          </a:blip>
+          <a:blip r:embed="rId1"/>
           <a:stretch>
             <a:fillRect/>
           </a:stretch>
@@ -8627,6 +8251,8 @@
           </a:prstGeom>
           <a:ln w="12700">
             <a:miter lim="400000"/>
+            <a:headEnd/>
+            <a:tailEnd/>
           </a:ln>
         </p:spPr>
       </p:pic>
@@ -8646,11 +8272,6 @@
           <a:prstGeom prst="rect">
             <a:avLst/>
           </a:prstGeom>
-          <a:extLst>
-            <a:ext uri="{C572A759-6A51-4108-AA02-DFA0A04FC94B}">
-              <ma14:wrappingTextBoxFlag xmlns:ma14="http://schemas.microsoft.com/office/mac/drawingml/2011/main" val="1"/>
-            </a:ext>
-          </a:extLst>
         </p:spPr>
         <p:txBody>
           <a:bodyPr/>
@@ -8664,8 +8285,10 @@
             </a:lvl1pPr>
           </a:lstStyle>
           <a:p>
-            <a:pPr/>
-            <a:fld id="{86CB4B4D-7CA3-9044-876B-883B54F8677D}" type="slidenum"/>
+            <a:fld id="{86CB4B4D-7CA3-9044-876B-883B54F8677D}" type="slidenum">
+              <a:rPr/>
+            </a:fld>
+            <a:endParaRPr/>
           </a:p>
         </p:txBody>
       </p:sp>
@@ -8686,11 +8309,6 @@
           <a:ln w="12700">
             <a:miter lim="400000"/>
           </a:ln>
-          <a:extLst>
-            <a:ext uri="{C572A759-6A51-4108-AA02-DFA0A04FC94B}">
-              <ma14:wrappingTextBoxFlag xmlns:ma14="http://schemas.microsoft.com/office/mac/drawingml/2011/main" val="1"/>
-            </a:ext>
-          </a:extLst>
         </p:spPr>
         <p:txBody>
           <a:bodyPr lIns="45719" rIns="45719">
@@ -8698,12 +8316,11 @@
           </a:bodyPr>
           <a:lstStyle>
             <a:lvl1pPr>
-              <a:buFont typeface="Wingdings"/>
+              <a:buFont typeface="Wingdings" panose="05000000000000000000"/>
               <a:defRPr b="1"/>
             </a:lvl1pPr>
           </a:lstStyle>
           <a:p>
-            <a:pPr/>
             <a:r>
               <a:t>集群</a:t>
             </a:r>
@@ -8727,11 +8344,6 @@
           <a:ln w="12700">
             <a:miter lim="400000"/>
           </a:ln>
-          <a:extLst>
-            <a:ext uri="{C572A759-6A51-4108-AA02-DFA0A04FC94B}">
-              <ma14:wrappingTextBoxFlag xmlns:ma14="http://schemas.microsoft.com/office/mac/drawingml/2011/main" val="1"/>
-            </a:ext>
-          </a:extLst>
         </p:spPr>
         <p:txBody>
           <a:bodyPr lIns="45719" rIns="45719">
@@ -8745,7 +8357,6 @@
             </a:lvl1pPr>
           </a:lstStyle>
           <a:p>
-            <a:pPr/>
             <a:r>
               <a:t>原生分布式</a:t>
             </a:r>
@@ -8769,11 +8380,6 @@
           <a:ln w="12700">
             <a:miter lim="400000"/>
           </a:ln>
-          <a:extLst>
-            <a:ext uri="{C572A759-6A51-4108-AA02-DFA0A04FC94B}">
-              <ma14:wrappingTextBoxFlag xmlns:ma14="http://schemas.microsoft.com/office/mac/drawingml/2011/main" val="1"/>
-            </a:ext>
-          </a:extLst>
         </p:spPr>
         <p:txBody>
           <a:bodyPr lIns="45719" rIns="45719">
@@ -8787,7 +8393,6 @@
             </a:lvl1pPr>
           </a:lstStyle>
           <a:p>
-            <a:pPr/>
             <a:r>
               <a:t>一个节点≠一台服务器</a:t>
             </a:r>
@@ -8799,12 +8404,12 @@
   <p:clrMapOvr>
     <a:masterClrMapping/>
   </p:clrMapOvr>
-  <p:transition xmlns:p14="http://schemas.microsoft.com/office/powerpoint/2010/main" spd="med" advClick="1"/>
+  <p:transition spd="med"/>
 </p:sld>
 </file>
 
 <file path=ppt/slides/slide21.xml><?xml version="1.0" encoding="utf-8"?>
-<p:sld xmlns:a="http://schemas.openxmlformats.org/drawingml/2006/main" xmlns:r="http://schemas.openxmlformats.org/officeDocument/2006/relationships" xmlns:p="http://schemas.openxmlformats.org/presentationml/2006/main" xmlns:m="http://schemas.openxmlformats.org/officeDocument/2006/math" xmlns:a14="http://schemas.microsoft.com/office/drawing/2010/main" showMasterSp="1" showMasterPhAnim="1">
+<p:sld xmlns:a="http://schemas.openxmlformats.org/drawingml/2006/main" xmlns:r="http://schemas.openxmlformats.org/officeDocument/2006/relationships" xmlns:p="http://schemas.openxmlformats.org/presentationml/2006/main">
   <p:cSld>
     <p:spTree>
       <p:nvGrpSpPr>
@@ -8837,11 +8442,6 @@
           <a:ln w="12700">
             <a:miter lim="400000"/>
           </a:ln>
-          <a:extLst>
-            <a:ext uri="{C572A759-6A51-4108-AA02-DFA0A04FC94B}">
-              <ma14:wrappingTextBoxFlag xmlns:ma14="http://schemas.microsoft.com/office/mac/drawingml/2011/main" val="1"/>
-            </a:ext>
-          </a:extLst>
         </p:spPr>
         <p:txBody>
           <a:bodyPr lIns="45719" rIns="45719">
@@ -8849,7 +8449,7 @@
           </a:bodyPr>
           <a:lstStyle>
             <a:lvl1pPr algn="ctr">
-              <a:defRPr b="1" sz="1400">
+              <a:defRPr sz="1400" b="1">
                 <a:solidFill>
                   <a:srgbClr val="888888"/>
                 </a:solidFill>
@@ -8857,7 +8457,6 @@
             </a:lvl1pPr>
           </a:lstStyle>
           <a:p>
-            <a:pPr/>
             <a:r>
               <a:t>http://www.mashibing.com</a:t>
             </a:r>
@@ -8873,9 +8472,7 @@
           <p:nvPr/>
         </p:nvPicPr>
         <p:blipFill>
-          <a:blip r:embed="rId2">
-            <a:extLst/>
-          </a:blip>
+          <a:blip r:embed="rId1"/>
           <a:stretch>
             <a:fillRect/>
           </a:stretch>
@@ -8890,6 +8487,8 @@
           </a:prstGeom>
           <a:ln w="12700">
             <a:miter lim="400000"/>
+            <a:headEnd/>
+            <a:tailEnd/>
           </a:ln>
         </p:spPr>
       </p:pic>
@@ -8909,11 +8508,6 @@
           <a:prstGeom prst="rect">
             <a:avLst/>
           </a:prstGeom>
-          <a:extLst>
-            <a:ext uri="{C572A759-6A51-4108-AA02-DFA0A04FC94B}">
-              <ma14:wrappingTextBoxFlag xmlns:ma14="http://schemas.microsoft.com/office/mac/drawingml/2011/main" val="1"/>
-            </a:ext>
-          </a:extLst>
         </p:spPr>
         <p:txBody>
           <a:bodyPr/>
@@ -8927,8 +8521,10 @@
             </a:lvl1pPr>
           </a:lstStyle>
           <a:p>
-            <a:pPr/>
-            <a:fld id="{86CB4B4D-7CA3-9044-876B-883B54F8677D}" type="slidenum"/>
+            <a:fld id="{86CB4B4D-7CA3-9044-876B-883B54F8677D}" type="slidenum">
+              <a:rPr/>
+            </a:fld>
+            <a:endParaRPr/>
           </a:p>
         </p:txBody>
       </p:sp>
@@ -8949,11 +8545,6 @@
           <a:ln w="12700">
             <a:miter lim="400000"/>
           </a:ln>
-          <a:extLst>
-            <a:ext uri="{C572A759-6A51-4108-AA02-DFA0A04FC94B}">
-              <ma14:wrappingTextBoxFlag xmlns:ma14="http://schemas.microsoft.com/office/mac/drawingml/2011/main" val="1"/>
-            </a:ext>
-          </a:extLst>
         </p:spPr>
         <p:txBody>
           <a:bodyPr lIns="45719" rIns="45719">
@@ -8961,12 +8552,11 @@
           </a:bodyPr>
           <a:lstStyle>
             <a:lvl1pPr>
-              <a:buFont typeface="Wingdings"/>
+              <a:buFont typeface="Wingdings" panose="05000000000000000000"/>
               <a:defRPr b="1"/>
             </a:lvl1pPr>
           </a:lstStyle>
           <a:p>
-            <a:pPr/>
             <a:r>
               <a:t>集群状态</a:t>
             </a:r>
@@ -8990,11 +8580,6 @@
           <a:ln w="12700">
             <a:miter lim="400000"/>
           </a:ln>
-          <a:extLst>
-            <a:ext uri="{C572A759-6A51-4108-AA02-DFA0A04FC94B}">
-              <ma14:wrappingTextBoxFlag xmlns:ma14="http://schemas.microsoft.com/office/mac/drawingml/2011/main" val="1"/>
-            </a:ext>
-          </a:extLst>
         </p:spPr>
         <p:txBody>
           <a:bodyPr lIns="45719" rIns="45719">
@@ -9002,7 +8587,7 @@
           </a:bodyPr>
           <a:lstStyle/>
           <a:p>
-            <a:pPr marL="516021" indent="-160421" algn="just" defTabSz="457200">
+            <a:pPr marL="516255" indent="-160655" algn="just" defTabSz="457200">
               <a:buSzPct val="100000"/>
               <a:buChar char="•"/>
               <a:defRPr sz="1800">
@@ -9020,7 +8605,7 @@
             </a:r>
           </a:p>
           <a:p>
-            <a:pPr marL="516021" indent="-160421" algn="just" defTabSz="457200">
+            <a:pPr marL="516255" indent="-160655" algn="just" defTabSz="457200">
               <a:buSzPct val="100000"/>
               <a:buChar char="•"/>
               <a:defRPr sz="1800">
@@ -9118,7 +8703,7 @@
             </a:pPr>
           </a:p>
           <a:p>
-            <a:pPr marL="516021" indent="-160421" algn="just" defTabSz="457200">
+            <a:pPr marL="516255" indent="-160655" algn="just" defTabSz="457200">
               <a:buSzPct val="100000"/>
               <a:buChar char="•"/>
               <a:defRPr sz="1800">
@@ -9133,7 +8718,7 @@
             </a:r>
           </a:p>
           <a:p>
-            <a:pPr lvl="1" marL="711200" indent="25400" algn="just" defTabSz="457200">
+            <a:pPr marL="711200" lvl="1" indent="25400" algn="just" defTabSz="457200">
               <a:defRPr sz="1800">
                 <a:latin typeface="PingFang SC Regular"/>
                 <a:ea typeface="PingFang SC Regular"/>
@@ -9143,7 +8728,7 @@
             </a:pPr>
           </a:p>
           <a:p>
-            <a:pPr lvl="1" marL="711200" indent="25400" algn="just" defTabSz="457200">
+            <a:pPr marL="711200" lvl="1" indent="25400" algn="just" defTabSz="457200">
               <a:defRPr sz="1800">
                 <a:latin typeface="PingFang SC Regular"/>
                 <a:ea typeface="PingFang SC Regular"/>
@@ -9156,7 +8741,7 @@
             </a:r>
           </a:p>
           <a:p>
-            <a:pPr lvl="1" marL="711200" indent="25400" algn="just" defTabSz="457200">
+            <a:pPr marL="711200" lvl="1" indent="25400" algn="just" defTabSz="457200">
               <a:defRPr sz="1800">
                 <a:latin typeface="PingFang SC Regular"/>
                 <a:ea typeface="PingFang SC Regular"/>
@@ -9166,7 +8751,7 @@
             </a:pPr>
           </a:p>
           <a:p>
-            <a:pPr lvl="1" marL="711200" indent="25400" algn="just" defTabSz="457200">
+            <a:pPr marL="711200" lvl="1" indent="25400" algn="just" defTabSz="457200">
               <a:defRPr sz="1800">
                 <a:latin typeface="PingFang SC Regular"/>
                 <a:ea typeface="PingFang SC Regular"/>
@@ -9205,12 +8790,12 @@
   <p:clrMapOvr>
     <a:masterClrMapping/>
   </p:clrMapOvr>
-  <p:transition xmlns:p14="http://schemas.microsoft.com/office/powerpoint/2010/main" spd="med" advClick="1"/>
+  <p:transition spd="med"/>
 </p:sld>
 </file>
 
 <file path=ppt/slides/slide22.xml><?xml version="1.0" encoding="utf-8"?>
-<p:sld xmlns:a="http://schemas.openxmlformats.org/drawingml/2006/main" xmlns:r="http://schemas.openxmlformats.org/officeDocument/2006/relationships" xmlns:p="http://schemas.openxmlformats.org/presentationml/2006/main" xmlns:m="http://schemas.openxmlformats.org/officeDocument/2006/math" xmlns:a14="http://schemas.microsoft.com/office/drawing/2010/main" showMasterSp="1" showMasterPhAnim="1">
+<p:sld xmlns:a="http://schemas.openxmlformats.org/drawingml/2006/main" xmlns:r="http://schemas.openxmlformats.org/officeDocument/2006/relationships" xmlns:p="http://schemas.openxmlformats.org/presentationml/2006/main">
   <p:cSld>
     <p:spTree>
       <p:nvGrpSpPr>
@@ -9243,11 +8828,6 @@
           <a:ln w="12700">
             <a:miter lim="400000"/>
           </a:ln>
-          <a:extLst>
-            <a:ext uri="{C572A759-6A51-4108-AA02-DFA0A04FC94B}">
-              <ma14:wrappingTextBoxFlag xmlns:ma14="http://schemas.microsoft.com/office/mac/drawingml/2011/main" val="1"/>
-            </a:ext>
-          </a:extLst>
         </p:spPr>
         <p:txBody>
           <a:bodyPr lIns="45719" rIns="45719">
@@ -9255,7 +8835,7 @@
           </a:bodyPr>
           <a:lstStyle>
             <a:lvl1pPr algn="ctr">
-              <a:defRPr b="1" sz="1400">
+              <a:defRPr sz="1400" b="1">
                 <a:solidFill>
                   <a:srgbClr val="888888"/>
                 </a:solidFill>
@@ -9263,7 +8843,6 @@
             </a:lvl1pPr>
           </a:lstStyle>
           <a:p>
-            <a:pPr/>
             <a:r>
               <a:t>http://www.mashibing.com</a:t>
             </a:r>
@@ -9279,9 +8858,7 @@
           <p:nvPr/>
         </p:nvPicPr>
         <p:blipFill>
-          <a:blip r:embed="rId2">
-            <a:extLst/>
-          </a:blip>
+          <a:blip r:embed="rId1"/>
           <a:stretch>
             <a:fillRect/>
           </a:stretch>
@@ -9296,6 +8873,8 @@
           </a:prstGeom>
           <a:ln w="12700">
             <a:miter lim="400000"/>
+            <a:headEnd/>
+            <a:tailEnd/>
           </a:ln>
         </p:spPr>
       </p:pic>
@@ -9315,11 +8894,6 @@
           <a:prstGeom prst="rect">
             <a:avLst/>
           </a:prstGeom>
-          <a:extLst>
-            <a:ext uri="{C572A759-6A51-4108-AA02-DFA0A04FC94B}">
-              <ma14:wrappingTextBoxFlag xmlns:ma14="http://schemas.microsoft.com/office/mac/drawingml/2011/main" val="1"/>
-            </a:ext>
-          </a:extLst>
         </p:spPr>
         <p:txBody>
           <a:bodyPr/>
@@ -9333,8 +8907,10 @@
             </a:lvl1pPr>
           </a:lstStyle>
           <a:p>
-            <a:pPr/>
-            <a:fld id="{86CB4B4D-7CA3-9044-876B-883B54F8677D}" type="slidenum"/>
+            <a:fld id="{86CB4B4D-7CA3-9044-876B-883B54F8677D}" type="slidenum">
+              <a:rPr/>
+            </a:fld>
+            <a:endParaRPr/>
           </a:p>
         </p:txBody>
       </p:sp>
@@ -9355,11 +8931,6 @@
           <a:ln w="12700">
             <a:miter lim="400000"/>
           </a:ln>
-          <a:extLst>
-            <a:ext uri="{C572A759-6A51-4108-AA02-DFA0A04FC94B}">
-              <ma14:wrappingTextBoxFlag xmlns:ma14="http://schemas.microsoft.com/office/mac/drawingml/2011/main" val="1"/>
-            </a:ext>
-          </a:extLst>
         </p:spPr>
         <p:txBody>
           <a:bodyPr lIns="45719" rIns="45719">
@@ -9367,12 +8938,11 @@
           </a:bodyPr>
           <a:lstStyle>
             <a:lvl1pPr>
-              <a:buFont typeface="Wingdings"/>
+              <a:buFont typeface="Wingdings" panose="05000000000000000000"/>
               <a:defRPr b="1"/>
             </a:lvl1pPr>
           </a:lstStyle>
           <a:p>
-            <a:pPr/>
             <a:r>
               <a:t>索引-Index</a:t>
             </a:r>
@@ -9396,11 +8966,6 @@
           <a:ln w="12700">
             <a:miter lim="400000"/>
           </a:ln>
-          <a:extLst>
-            <a:ext uri="{C572A759-6A51-4108-AA02-DFA0A04FC94B}">
-              <ma14:wrappingTextBoxFlag xmlns:ma14="http://schemas.microsoft.com/office/mac/drawingml/2011/main" val="1"/>
-            </a:ext>
-          </a:extLst>
         </p:spPr>
         <p:txBody>
           <a:bodyPr lIns="45719" rIns="45719">
@@ -9408,12 +8973,11 @@
           </a:bodyPr>
           <a:lstStyle>
             <a:lvl1pPr>
-              <a:buFont typeface="Wingdings"/>
+              <a:buFont typeface="Wingdings" panose="05000000000000000000"/>
               <a:defRPr b="1"/>
             </a:lvl1pPr>
           </a:lstStyle>
           <a:p>
-            <a:pPr/>
             <a:r>
               <a:t>文档-Document</a:t>
             </a:r>
@@ -9437,17 +9001,12 @@
           <a:ln w="12700">
             <a:miter lim="400000"/>
           </a:ln>
-          <a:extLst>
-            <a:ext uri="{C572A759-6A51-4108-AA02-DFA0A04FC94B}">
-              <ma14:wrappingTextBoxFlag xmlns:ma14="http://schemas.microsoft.com/office/mac/drawingml/2011/main" val="1"/>
-            </a:ext>
-          </a:extLst>
         </p:spPr>
         <p:txBody>
           <a:bodyPr lIns="0" tIns="0" rIns="0" bIns="0"/>
           <a:lstStyle>
             <a:lvl1pPr>
-              <a:buFont typeface="Wingdings"/>
+              <a:buFont typeface="Wingdings" panose="05000000000000000000"/>
               <a:defRPr>
                 <a:solidFill>
                   <a:srgbClr val="FF2600"/>
@@ -9460,7 +9019,6 @@
             </a:lvl1pPr>
           </a:lstStyle>
           <a:p>
-            <a:pPr/>
             <a:r>
               <a:t>类型-Type: 7.x 弱化 8.x完全删除  _doc</a:t>
             </a:r>
@@ -9472,12 +9030,12 @@
   <p:clrMapOvr>
     <a:masterClrMapping/>
   </p:clrMapOvr>
-  <p:transition xmlns:p14="http://schemas.microsoft.com/office/powerpoint/2010/main" spd="med" advClick="1"/>
+  <p:transition spd="med"/>
 </p:sld>
 </file>
 
 <file path=ppt/slides/slide3.xml><?xml version="1.0" encoding="utf-8"?>
-<p:sld xmlns:a="http://schemas.openxmlformats.org/drawingml/2006/main" xmlns:r="http://schemas.openxmlformats.org/officeDocument/2006/relationships" xmlns:p="http://schemas.openxmlformats.org/presentationml/2006/main" xmlns:m="http://schemas.openxmlformats.org/officeDocument/2006/math" xmlns:a14="http://schemas.microsoft.com/office/drawing/2010/main" showMasterSp="1" showMasterPhAnim="1">
+<p:sld xmlns:a="http://schemas.openxmlformats.org/drawingml/2006/main" xmlns:r="http://schemas.openxmlformats.org/officeDocument/2006/relationships" xmlns:p="http://schemas.openxmlformats.org/presentationml/2006/main">
   <p:cSld>
     <p:spTree>
       <p:nvGrpSpPr>
@@ -9510,11 +9068,6 @@
           <a:ln w="12700">
             <a:miter lim="400000"/>
           </a:ln>
-          <a:extLst>
-            <a:ext uri="{C572A759-6A51-4108-AA02-DFA0A04FC94B}">
-              <ma14:wrappingTextBoxFlag xmlns:ma14="http://schemas.microsoft.com/office/mac/drawingml/2011/main" val="1"/>
-            </a:ext>
-          </a:extLst>
         </p:spPr>
         <p:txBody>
           <a:bodyPr lIns="45719" rIns="45719">
@@ -9522,7 +9075,7 @@
           </a:bodyPr>
           <a:lstStyle>
             <a:lvl1pPr algn="ctr">
-              <a:defRPr b="1" sz="1400">
+              <a:defRPr sz="1400" b="1">
                 <a:solidFill>
                   <a:srgbClr val="888888"/>
                 </a:solidFill>
@@ -9530,7 +9083,6 @@
             </a:lvl1pPr>
           </a:lstStyle>
           <a:p>
-            <a:pPr/>
             <a:r>
               <a:t>http://www.mashibing.com</a:t>
             </a:r>
@@ -9546,9 +9098,7 @@
           <p:nvPr/>
         </p:nvPicPr>
         <p:blipFill>
-          <a:blip r:embed="rId2">
-            <a:extLst/>
-          </a:blip>
+          <a:blip r:embed="rId1"/>
           <a:stretch>
             <a:fillRect/>
           </a:stretch>
@@ -9563,6 +9113,8 @@
           </a:prstGeom>
           <a:ln w="12700">
             <a:miter lim="400000"/>
+            <a:headEnd/>
+            <a:tailEnd/>
           </a:ln>
         </p:spPr>
       </p:pic>
@@ -9582,11 +9134,6 @@
           <a:prstGeom prst="rect">
             <a:avLst/>
           </a:prstGeom>
-          <a:extLst>
-            <a:ext uri="{C572A759-6A51-4108-AA02-DFA0A04FC94B}">
-              <ma14:wrappingTextBoxFlag xmlns:ma14="http://schemas.microsoft.com/office/mac/drawingml/2011/main" val="1"/>
-            </a:ext>
-          </a:extLst>
         </p:spPr>
         <p:txBody>
           <a:bodyPr/>
@@ -9600,8 +9147,10 @@
             </a:lvl1pPr>
           </a:lstStyle>
           <a:p>
-            <a:pPr/>
-            <a:fld id="{86CB4B4D-7CA3-9044-876B-883B54F8677D}" type="slidenum"/>
+            <a:fld id="{86CB4B4D-7CA3-9044-876B-883B54F8677D}" type="slidenum">
+              <a:rPr/>
+            </a:fld>
+            <a:endParaRPr/>
           </a:p>
         </p:txBody>
       </p:sp>
@@ -9622,11 +9171,6 @@
           <a:ln w="12700">
             <a:miter lim="400000"/>
           </a:ln>
-          <a:extLst>
-            <a:ext uri="{C572A759-6A51-4108-AA02-DFA0A04FC94B}">
-              <ma14:wrappingTextBoxFlag xmlns:ma14="http://schemas.microsoft.com/office/mac/drawingml/2011/main" val="1"/>
-            </a:ext>
-          </a:extLst>
         </p:spPr>
         <p:txBody>
           <a:bodyPr lIns="45719" rIns="45719">
@@ -9634,12 +9178,11 @@
           </a:bodyPr>
           <a:lstStyle>
             <a:lvl1pPr>
-              <a:buFont typeface="Wingdings"/>
+              <a:buFont typeface="Wingdings" panose="05000000000000000000"/>
               <a:defRPr b="1"/>
             </a:lvl1pPr>
           </a:lstStyle>
           <a:p>
-            <a:pPr/>
             <a:r>
               <a:t>搜索引擎应该具备哪些要求？</a:t>
             </a:r>
@@ -9663,11 +9206,6 @@
           <a:ln w="12700">
             <a:miter lim="400000"/>
           </a:ln>
-          <a:extLst>
-            <a:ext uri="{C572A759-6A51-4108-AA02-DFA0A04FC94B}">
-              <ma14:wrappingTextBoxFlag xmlns:ma14="http://schemas.microsoft.com/office/mac/drawingml/2011/main" val="1"/>
-            </a:ext>
-          </a:extLst>
         </p:spPr>
         <p:txBody>
           <a:bodyPr lIns="45719" rIns="45719">
@@ -9681,7 +9219,6 @@
             </a:lvl1pPr>
           </a:lstStyle>
           <a:p>
-            <a:pPr/>
             <a:r>
               <a:t>查询速度快</a:t>
             </a:r>
@@ -9705,11 +9242,6 @@
           <a:ln w="12700">
             <a:miter lim="400000"/>
           </a:ln>
-          <a:extLst>
-            <a:ext uri="{C572A759-6A51-4108-AA02-DFA0A04FC94B}">
-              <ma14:wrappingTextBoxFlag xmlns:ma14="http://schemas.microsoft.com/office/mac/drawingml/2011/main" val="1"/>
-            </a:ext>
-          </a:extLst>
         </p:spPr>
         <p:txBody>
           <a:bodyPr lIns="45719" rIns="45719">
@@ -9723,7 +9255,6 @@
             </a:lvl1pPr>
           </a:lstStyle>
           <a:p>
-            <a:pPr/>
             <a:r>
               <a:t>结果准确</a:t>
             </a:r>
@@ -9747,11 +9278,6 @@
           <a:ln w="12700">
             <a:miter lim="400000"/>
           </a:ln>
-          <a:extLst>
-            <a:ext uri="{C572A759-6A51-4108-AA02-DFA0A04FC94B}">
-              <ma14:wrappingTextBoxFlag xmlns:ma14="http://schemas.microsoft.com/office/mac/drawingml/2011/main" val="1"/>
-            </a:ext>
-          </a:extLst>
         </p:spPr>
         <p:txBody>
           <a:bodyPr lIns="45719" rIns="45719">
@@ -9765,7 +9291,6 @@
             </a:lvl1pPr>
           </a:lstStyle>
           <a:p>
-            <a:pPr/>
             <a:r>
               <a:t>检索结果丰富</a:t>
             </a:r>
@@ -9789,11 +9314,6 @@
           <a:ln w="12700">
             <a:miter lim="400000"/>
           </a:ln>
-          <a:extLst>
-            <a:ext uri="{C572A759-6A51-4108-AA02-DFA0A04FC94B}">
-              <ma14:wrappingTextBoxFlag xmlns:ma14="http://schemas.microsoft.com/office/mac/drawingml/2011/main" val="1"/>
-            </a:ext>
-          </a:extLst>
         </p:spPr>
         <p:txBody>
           <a:bodyPr lIns="45719" rIns="45719">
@@ -9801,11 +9321,10 @@
           </a:bodyPr>
           <a:lstStyle>
             <a:lvl1pPr>
-              <a:buFont typeface="Wingdings"/>
+              <a:buFont typeface="Wingdings" panose="05000000000000000000"/>
             </a:lvl1pPr>
           </a:lstStyle>
           <a:p>
-            <a:pPr/>
             <a:r>
               <a:t>高效的压缩算法</a:t>
             </a:r>
@@ -9829,11 +9348,6 @@
           <a:ln w="12700">
             <a:miter lim="400000"/>
           </a:ln>
-          <a:extLst>
-            <a:ext uri="{C572A759-6A51-4108-AA02-DFA0A04FC94B}">
-              <ma14:wrappingTextBoxFlag xmlns:ma14="http://schemas.microsoft.com/office/mac/drawingml/2011/main" val="1"/>
-            </a:ext>
-          </a:extLst>
         </p:spPr>
         <p:txBody>
           <a:bodyPr lIns="45719" rIns="45719">
@@ -9841,11 +9355,10 @@
           </a:bodyPr>
           <a:lstStyle>
             <a:lvl1pPr>
-              <a:buFont typeface="Wingdings"/>
+              <a:buFont typeface="Wingdings" panose="05000000000000000000"/>
             </a:lvl1pPr>
           </a:lstStyle>
           <a:p>
-            <a:pPr/>
             <a:r>
               <a:t>快速的编码和解码速度</a:t>
             </a:r>
@@ -9869,11 +9382,6 @@
           <a:ln w="12700">
             <a:miter lim="400000"/>
           </a:ln>
-          <a:extLst>
-            <a:ext uri="{C572A759-6A51-4108-AA02-DFA0A04FC94B}">
-              <ma14:wrappingTextBoxFlag xmlns:ma14="http://schemas.microsoft.com/office/mac/drawingml/2011/main" val="1"/>
-            </a:ext>
-          </a:extLst>
         </p:spPr>
         <p:txBody>
           <a:bodyPr lIns="45719" rIns="45719">
@@ -9881,11 +9389,10 @@
           </a:bodyPr>
           <a:lstStyle>
             <a:lvl1pPr>
-              <a:buFont typeface="Wingdings"/>
+              <a:buFont typeface="Wingdings" panose="05000000000000000000"/>
             </a:lvl1pPr>
           </a:lstStyle>
           <a:p>
-            <a:pPr/>
             <a:r>
               <a:t>BM25</a:t>
             </a:r>
@@ -9909,11 +9416,6 @@
           <a:ln w="12700">
             <a:miter lim="400000"/>
           </a:ln>
-          <a:extLst>
-            <a:ext uri="{C572A759-6A51-4108-AA02-DFA0A04FC94B}">
-              <ma14:wrappingTextBoxFlag xmlns:ma14="http://schemas.microsoft.com/office/mac/drawingml/2011/main" val="1"/>
-            </a:ext>
-          </a:extLst>
         </p:spPr>
         <p:txBody>
           <a:bodyPr lIns="45719" rIns="45719">
@@ -9921,11 +9423,10 @@
           </a:bodyPr>
           <a:lstStyle>
             <a:lvl1pPr>
-              <a:buFont typeface="Wingdings"/>
+              <a:buFont typeface="Wingdings" panose="05000000000000000000"/>
             </a:lvl1pPr>
           </a:lstStyle>
           <a:p>
-            <a:pPr/>
             <a:r>
               <a:t>TF-IDF</a:t>
             </a:r>
@@ -9949,11 +9450,6 @@
           <a:ln w="12700">
             <a:miter lim="400000"/>
           </a:ln>
-          <a:extLst>
-            <a:ext uri="{C572A759-6A51-4108-AA02-DFA0A04FC94B}">
-              <ma14:wrappingTextBoxFlag xmlns:ma14="http://schemas.microsoft.com/office/mac/drawingml/2011/main" val="1"/>
-            </a:ext>
-          </a:extLst>
         </p:spPr>
         <p:txBody>
           <a:bodyPr lIns="45719" rIns="45719">
@@ -9961,11 +9457,10 @@
           </a:bodyPr>
           <a:lstStyle>
             <a:lvl1pPr>
-              <a:buFont typeface="Wingdings"/>
+              <a:buFont typeface="Wingdings" panose="05000000000000000000"/>
             </a:lvl1pPr>
           </a:lstStyle>
           <a:p>
-            <a:pPr/>
             <a:r>
               <a:t>召回率</a:t>
             </a:r>
@@ -9977,14 +9472,14 @@
   <p:clrMapOvr>
     <a:masterClrMapping/>
   </p:clrMapOvr>
-  <p:transition xmlns:p14="http://schemas.microsoft.com/office/powerpoint/2010/main" spd="med" advClick="1"/>
+  <p:transition spd="med"/>
   <p:timing>
     <p:tnLst>
       <p:par>
-        <p:cTn id="1" nodeType="tmRoot" restart="never" dur="indefinite" fill="hold">
+        <p:cTn id="1" dur="indefinite" restart="never" fill="hold" nodeType="tmRoot">
           <p:childTnLst>
-            <p:seq concurrent="1" prevAc="none" nextAc="seek">
-              <p:cTn id="2" nodeType="mainSeq" dur="indefinite" fill="hold">
+            <p:seq concurrent="1" nextAc="seek">
+              <p:cTn id="2" dur="indefinite" fill="hold" nodeType="mainSeq">
                 <p:childTnLst>
                   <p:par>
                     <p:cTn id="3" fill="hold">
@@ -9999,17 +9494,17 @@
                             </p:stCondLst>
                             <p:childTnLst>
                               <p:par>
-                                <p:cTn id="5" presetClass="entr" nodeType="clickEffect" presetSubtype="1" presetID="2" grpId="1" fill="hold">
+                                <p:cTn id="5" presetID="2" presetClass="entr" presetSubtype="1" fill="hold" grpId="1" nodeType="clickEffect">
                                   <p:stCondLst>
                                     <p:cond delay="0"/>
                                   </p:stCondLst>
-                                  <p:iterate type="el" backwards="0">
+                                  <p:iterate type="el">
                                     <p:tmAbs val="0"/>
                                   </p:iterate>
                                   <p:childTnLst>
                                     <p:set>
                                       <p:cBhvr>
-                                        <p:cTn id="6" fill="hold"/>
+                                        <p:cTn id="6" dur="indefinite" fill="hold"/>
                                         <p:tgtEl>
                                           <p:spTgt spid="118"/>
                                         </p:tgtEl>
@@ -10089,17 +9584,17 @@
                             </p:stCondLst>
                             <p:childTnLst>
                               <p:par>
-                                <p:cTn id="11" presetClass="entr" nodeType="clickEffect" presetSubtype="1" presetID="2" grpId="2" fill="hold">
+                                <p:cTn id="11" presetID="2" presetClass="entr" presetSubtype="1" fill="hold" grpId="2" nodeType="clickEffect">
                                   <p:stCondLst>
                                     <p:cond delay="0"/>
                                   </p:stCondLst>
-                                  <p:iterate type="el" backwards="0">
+                                  <p:iterate type="el">
                                     <p:tmAbs val="0"/>
                                   </p:iterate>
                                   <p:childTnLst>
                                     <p:set>
                                       <p:cBhvr>
-                                        <p:cTn id="12" fill="hold"/>
+                                        <p:cTn id="12" dur="indefinite" fill="hold"/>
                                         <p:tgtEl>
                                           <p:spTgt spid="119"/>
                                         </p:tgtEl>
@@ -10179,17 +9674,17 @@
                             </p:stCondLst>
                             <p:childTnLst>
                               <p:par>
-                                <p:cTn id="17" presetClass="entr" nodeType="clickEffect" presetSubtype="1" presetID="2" grpId="3" fill="hold">
+                                <p:cTn id="17" presetID="2" presetClass="entr" presetSubtype="1" fill="hold" grpId="3" nodeType="clickEffect">
                                   <p:stCondLst>
                                     <p:cond delay="0"/>
                                   </p:stCondLst>
-                                  <p:iterate type="el" backwards="0">
+                                  <p:iterate type="el">
                                     <p:tmAbs val="0"/>
                                   </p:iterate>
                                   <p:childTnLst>
                                     <p:set>
                                       <p:cBhvr>
-                                        <p:cTn id="18" fill="hold"/>
+                                        <p:cTn id="18" dur="indefinite" fill="hold"/>
                                         <p:tgtEl>
                                           <p:spTgt spid="120"/>
                                         </p:tgtEl>
@@ -10269,17 +9764,17 @@
                             </p:stCondLst>
                             <p:childTnLst>
                               <p:par>
-                                <p:cTn id="23" presetClass="entr" nodeType="clickEffect" presetSubtype="8" presetID="2" grpId="4" fill="hold">
+                                <p:cTn id="23" presetID="2" presetClass="entr" presetSubtype="8" fill="hold" grpId="4" nodeType="clickEffect">
                                   <p:stCondLst>
                                     <p:cond delay="0"/>
                                   </p:stCondLst>
-                                  <p:iterate type="lt" backwards="0">
+                                  <p:iterate type="lt">
                                     <p:tmAbs val="0"/>
                                   </p:iterate>
                                   <p:childTnLst>
                                     <p:set>
                                       <p:cBhvr>
-                                        <p:cTn id="24" fill="hold"/>
+                                        <p:cTn id="24" dur="indefinite" fill="hold"/>
                                         <p:tgtEl>
                                           <p:spTgt spid="121"/>
                                         </p:tgtEl>
@@ -10359,17 +9854,17 @@
                             </p:stCondLst>
                             <p:childTnLst>
                               <p:par>
-                                <p:cTn id="29" presetClass="entr" nodeType="clickEffect" presetSubtype="8" presetID="2" grpId="5" fill="hold">
+                                <p:cTn id="29" presetID="2" presetClass="entr" presetSubtype="8" fill="hold" grpId="5" nodeType="clickEffect">
                                   <p:stCondLst>
                                     <p:cond delay="0"/>
                                   </p:stCondLst>
-                                  <p:iterate type="lt" backwards="0">
+                                  <p:iterate type="lt">
                                     <p:tmAbs val="0"/>
                                   </p:iterate>
                                   <p:childTnLst>
                                     <p:set>
                                       <p:cBhvr>
-                                        <p:cTn id="30" fill="hold"/>
+                                        <p:cTn id="30" dur="indefinite" fill="hold"/>
                                         <p:tgtEl>
                                           <p:spTgt spid="122"/>
                                         </p:tgtEl>
@@ -10449,17 +9944,17 @@
                             </p:stCondLst>
                             <p:childTnLst>
                               <p:par>
-                                <p:cTn id="35" presetClass="entr" nodeType="clickEffect" presetSubtype="8" presetID="2" grpId="6" fill="hold">
+                                <p:cTn id="35" presetID="2" presetClass="entr" presetSubtype="8" fill="hold" grpId="6" nodeType="clickEffect">
                                   <p:stCondLst>
                                     <p:cond delay="0"/>
                                   </p:stCondLst>
-                                  <p:iterate type="lt" backwards="0">
+                                  <p:iterate type="lt">
                                     <p:tmAbs val="0"/>
                                   </p:iterate>
                                   <p:childTnLst>
                                     <p:set>
                                       <p:cBhvr>
-                                        <p:cTn id="36" fill="hold"/>
+                                        <p:cTn id="36" dur="indefinite" fill="hold"/>
                                         <p:tgtEl>
                                           <p:spTgt spid="123"/>
                                         </p:tgtEl>
@@ -10539,17 +10034,17 @@
                             </p:stCondLst>
                             <p:childTnLst>
                               <p:par>
-                                <p:cTn id="41" presetClass="entr" nodeType="clickEffect" presetSubtype="8" presetID="2" grpId="7" fill="hold">
+                                <p:cTn id="41" presetID="2" presetClass="entr" presetSubtype="8" fill="hold" grpId="7" nodeType="clickEffect">
                                   <p:stCondLst>
                                     <p:cond delay="0"/>
                                   </p:stCondLst>
-                                  <p:iterate type="lt" backwards="0">
+                                  <p:iterate type="lt">
                                     <p:tmAbs val="0"/>
                                   </p:iterate>
                                   <p:childTnLst>
                                     <p:set>
                                       <p:cBhvr>
-                                        <p:cTn id="42" fill="hold"/>
+                                        <p:cTn id="42" dur="indefinite" fill="hold"/>
                                         <p:tgtEl>
                                           <p:spTgt spid="124"/>
                                         </p:tgtEl>
@@ -10629,17 +10124,17 @@
                             </p:stCondLst>
                             <p:childTnLst>
                               <p:par>
-                                <p:cTn id="47" presetClass="entr" nodeType="clickEffect" presetSubtype="8" presetID="2" grpId="8" fill="hold">
+                                <p:cTn id="47" presetID="2" presetClass="entr" presetSubtype="8" fill="hold" grpId="8" nodeType="clickEffect">
                                   <p:stCondLst>
                                     <p:cond delay="0"/>
                                   </p:stCondLst>
-                                  <p:iterate type="lt" backwards="0">
+                                  <p:iterate type="lt">
                                     <p:tmAbs val="0"/>
                                   </p:iterate>
                                   <p:childTnLst>
                                     <p:set>
                                       <p:cBhvr>
-                                        <p:cTn id="48" fill="hold"/>
+                                        <p:cTn id="48" dur="indefinite" fill="hold"/>
                                         <p:tgtEl>
                                           <p:spTgt spid="125"/>
                                         </p:tgtEl>
@@ -10728,21 +10223,21 @@
       </p:par>
     </p:tnLst>
     <p:bldLst>
-      <p:bldP build="whole" bldLvl="1" animBg="1" rev="0" advAuto="0" spid="121" grpId="4"/>
-      <p:bldP build="whole" bldLvl="1" animBg="1" rev="0" advAuto="0" spid="124" grpId="7"/>
-      <p:bldP build="whole" bldLvl="1" animBg="1" rev="0" advAuto="0" spid="123" grpId="6"/>
-      <p:bldP build="whole" bldLvl="1" animBg="1" rev="0" advAuto="0" spid="119" grpId="2"/>
-      <p:bldP build="whole" bldLvl="1" animBg="1" rev="0" advAuto="0" spid="118" grpId="1"/>
-      <p:bldP build="whole" bldLvl="1" animBg="1" rev="0" advAuto="0" spid="122" grpId="5"/>
-      <p:bldP build="whole" bldLvl="1" animBg="1" rev="0" advAuto="0" spid="120" grpId="3"/>
-      <p:bldP build="whole" bldLvl="1" animBg="1" rev="0" advAuto="0" spid="125" grpId="8"/>
+      <p:bldP spid="121" grpId="4" animBg="1" advAuto="0"/>
+      <p:bldP spid="124" grpId="7" animBg="1" advAuto="0"/>
+      <p:bldP spid="123" grpId="6" animBg="1" advAuto="0"/>
+      <p:bldP spid="119" grpId="2" animBg="1" advAuto="0"/>
+      <p:bldP spid="118" grpId="1" animBg="1" advAuto="0"/>
+      <p:bldP spid="122" grpId="5" animBg="1" advAuto="0"/>
+      <p:bldP spid="120" grpId="3" animBg="1" advAuto="0"/>
+      <p:bldP spid="125" grpId="8" animBg="1" advAuto="0"/>
     </p:bldLst>
   </p:timing>
 </p:sld>
 </file>
 
 <file path=ppt/slides/slide4.xml><?xml version="1.0" encoding="utf-8"?>
-<p:sld xmlns:a="http://schemas.openxmlformats.org/drawingml/2006/main" xmlns:r="http://schemas.openxmlformats.org/officeDocument/2006/relationships" xmlns:p="http://schemas.openxmlformats.org/presentationml/2006/main" xmlns:m="http://schemas.openxmlformats.org/officeDocument/2006/math" xmlns:a14="http://schemas.microsoft.com/office/drawing/2010/main" showMasterSp="1" showMasterPhAnim="1">
+<p:sld xmlns:a="http://schemas.openxmlformats.org/drawingml/2006/main" xmlns:r="http://schemas.openxmlformats.org/officeDocument/2006/relationships" xmlns:p="http://schemas.openxmlformats.org/presentationml/2006/main">
   <p:cSld>
     <p:spTree>
       <p:nvGrpSpPr>
@@ -10775,11 +10270,6 @@
           <a:ln w="12700">
             <a:miter lim="400000"/>
           </a:ln>
-          <a:extLst>
-            <a:ext uri="{C572A759-6A51-4108-AA02-DFA0A04FC94B}">
-              <ma14:wrappingTextBoxFlag xmlns:ma14="http://schemas.microsoft.com/office/mac/drawingml/2011/main" val="1"/>
-            </a:ext>
-          </a:extLst>
         </p:spPr>
         <p:txBody>
           <a:bodyPr lIns="45719" rIns="45719">
@@ -10787,7 +10277,7 @@
           </a:bodyPr>
           <a:lstStyle>
             <a:lvl1pPr algn="ctr">
-              <a:defRPr b="1" sz="1400">
+              <a:defRPr sz="1400" b="1">
                 <a:solidFill>
                   <a:srgbClr val="888888"/>
                 </a:solidFill>
@@ -10795,7 +10285,6 @@
             </a:lvl1pPr>
           </a:lstStyle>
           <a:p>
-            <a:pPr/>
             <a:r>
               <a:t>http://www.mashibing.com</a:t>
             </a:r>
@@ -10811,9 +10300,7 @@
           <p:nvPr/>
         </p:nvPicPr>
         <p:blipFill>
-          <a:blip r:embed="rId2">
-            <a:extLst/>
-          </a:blip>
+          <a:blip r:embed="rId1"/>
           <a:stretch>
             <a:fillRect/>
           </a:stretch>
@@ -10828,6 +10315,8 @@
           </a:prstGeom>
           <a:ln w="12700">
             <a:miter lim="400000"/>
+            <a:headEnd/>
+            <a:tailEnd/>
           </a:ln>
         </p:spPr>
       </p:pic>
@@ -10847,11 +10336,6 @@
           <a:prstGeom prst="rect">
             <a:avLst/>
           </a:prstGeom>
-          <a:extLst>
-            <a:ext uri="{C572A759-6A51-4108-AA02-DFA0A04FC94B}">
-              <ma14:wrappingTextBoxFlag xmlns:ma14="http://schemas.microsoft.com/office/mac/drawingml/2011/main" val="1"/>
-            </a:ext>
-          </a:extLst>
         </p:spPr>
         <p:txBody>
           <a:bodyPr/>
@@ -10865,8 +10349,10 @@
             </a:lvl1pPr>
           </a:lstStyle>
           <a:p>
-            <a:pPr/>
-            <a:fld id="{86CB4B4D-7CA3-9044-876B-883B54F8677D}" type="slidenum"/>
+            <a:fld id="{86CB4B4D-7CA3-9044-876B-883B54F8677D}" type="slidenum">
+              <a:rPr/>
+            </a:fld>
+            <a:endParaRPr/>
           </a:p>
         </p:txBody>
       </p:sp>
@@ -10887,11 +10373,6 @@
           <a:ln w="12700">
             <a:miter lim="400000"/>
           </a:ln>
-          <a:extLst>
-            <a:ext uri="{C572A759-6A51-4108-AA02-DFA0A04FC94B}">
-              <ma14:wrappingTextBoxFlag xmlns:ma14="http://schemas.microsoft.com/office/mac/drawingml/2011/main" val="1"/>
-            </a:ext>
-          </a:extLst>
         </p:spPr>
         <p:txBody>
           <a:bodyPr lIns="45719" rIns="45719">
@@ -10899,12 +10380,11 @@
           </a:bodyPr>
           <a:lstStyle>
             <a:lvl1pPr>
-              <a:buFont typeface="Wingdings"/>
+              <a:buFont typeface="Wingdings" panose="05000000000000000000"/>
               <a:defRPr b="1"/>
             </a:lvl1pPr>
           </a:lstStyle>
           <a:p>
-            <a:pPr/>
             <a:r>
               <a:t>索引</a:t>
             </a:r>
@@ -10928,11 +10408,6 @@
           <a:ln w="12700">
             <a:miter lim="400000"/>
           </a:ln>
-          <a:extLst>
-            <a:ext uri="{C572A759-6A51-4108-AA02-DFA0A04FC94B}">
-              <ma14:wrappingTextBoxFlag xmlns:ma14="http://schemas.microsoft.com/office/mac/drawingml/2011/main" val="1"/>
-            </a:ext>
-          </a:extLst>
         </p:spPr>
         <p:txBody>
           <a:bodyPr lIns="45719" rIns="45719">
@@ -10946,7 +10421,6 @@
             </a:lvl1pPr>
           </a:lstStyle>
           <a:p>
-            <a:pPr/>
             <a:r>
               <a:t>帮助快速检索</a:t>
             </a:r>
@@ -10970,11 +10444,6 @@
           <a:ln w="12700">
             <a:miter lim="400000"/>
           </a:ln>
-          <a:extLst>
-            <a:ext uri="{C572A759-6A51-4108-AA02-DFA0A04FC94B}">
-              <ma14:wrappingTextBoxFlag xmlns:ma14="http://schemas.microsoft.com/office/mac/drawingml/2011/main" val="1"/>
-            </a:ext>
-          </a:extLst>
         </p:spPr>
         <p:txBody>
           <a:bodyPr lIns="45719" rIns="45719">
@@ -10988,7 +10457,6 @@
             </a:lvl1pPr>
           </a:lstStyle>
           <a:p>
-            <a:pPr/>
             <a:r>
               <a:t>以数据结构为载体</a:t>
             </a:r>
@@ -11012,11 +10480,6 @@
           <a:ln w="12700">
             <a:miter lim="400000"/>
           </a:ln>
-          <a:extLst>
-            <a:ext uri="{C572A759-6A51-4108-AA02-DFA0A04FC94B}">
-              <ma14:wrappingTextBoxFlag xmlns:ma14="http://schemas.microsoft.com/office/mac/drawingml/2011/main" val="1"/>
-            </a:ext>
-          </a:extLst>
         </p:spPr>
         <p:txBody>
           <a:bodyPr lIns="45719" rIns="45719">
@@ -11030,7 +10493,6 @@
             </a:lvl1pPr>
           </a:lstStyle>
           <a:p>
-            <a:pPr/>
             <a:r>
               <a:t>以文件的形式落地</a:t>
             </a:r>
@@ -11046,9 +10508,7 @@
           <p:nvPr/>
         </p:nvPicPr>
         <p:blipFill>
-          <a:blip r:embed="rId3">
-            <a:extLst/>
-          </a:blip>
+          <a:blip r:embed="rId2"/>
           <a:stretch>
             <a:fillRect/>
           </a:stretch>
@@ -11063,6 +10523,8 @@
           </a:prstGeom>
           <a:ln w="12700">
             <a:miter lim="400000"/>
+            <a:headEnd/>
+            <a:tailEnd/>
           </a:ln>
         </p:spPr>
       </p:pic>
@@ -11083,11 +10545,6 @@
           <a:ln w="12700">
             <a:miter lim="400000"/>
           </a:ln>
-          <a:extLst>
-            <a:ext uri="{C572A759-6A51-4108-AA02-DFA0A04FC94B}">
-              <ma14:wrappingTextBoxFlag xmlns:ma14="http://schemas.microsoft.com/office/mac/drawingml/2011/main" val="1"/>
-            </a:ext>
-          </a:extLst>
         </p:spPr>
         <p:txBody>
           <a:bodyPr lIns="45719" rIns="45719">
@@ -11095,12 +10552,11 @@
           </a:bodyPr>
           <a:lstStyle>
             <a:lvl1pPr>
-              <a:buFont typeface="Wingdings"/>
+              <a:buFont typeface="Wingdings" panose="05000000000000000000"/>
               <a:defRPr b="1"/>
             </a:lvl1pPr>
           </a:lstStyle>
           <a:p>
-            <a:pPr/>
             <a:r>
               <a:t>面向海量数据，如何达到“搜索引擎”级别的查询效率？</a:t>
             </a:r>
@@ -11112,14 +10568,14 @@
   <p:clrMapOvr>
     <a:masterClrMapping/>
   </p:clrMapOvr>
-  <p:transition xmlns:p14="http://schemas.microsoft.com/office/powerpoint/2010/main" spd="med" advClick="1"/>
+  <p:transition spd="med"/>
   <p:timing>
     <p:tnLst>
       <p:par>
-        <p:cTn id="1" nodeType="tmRoot" restart="never" dur="indefinite" fill="hold">
+        <p:cTn id="1" dur="indefinite" restart="never" fill="hold" nodeType="tmRoot">
           <p:childTnLst>
-            <p:seq concurrent="1" prevAc="none" nextAc="seek">
-              <p:cTn id="2" nodeType="mainSeq" dur="indefinite" fill="hold">
+            <p:seq concurrent="1" nextAc="seek">
+              <p:cTn id="2" dur="indefinite" fill="hold" nodeType="mainSeq">
                 <p:childTnLst>
                   <p:par>
                     <p:cTn id="3" fill="hold">
@@ -11134,17 +10590,17 @@
                             </p:stCondLst>
                             <p:childTnLst>
                               <p:par>
-                                <p:cTn id="5" presetClass="entr" nodeType="clickEffect" presetSubtype="8" presetID="2" grpId="1" fill="hold">
+                                <p:cTn id="5" presetID="2" presetClass="entr" presetSubtype="8" fill="hold" grpId="1" nodeType="clickEffect">
                                   <p:stCondLst>
                                     <p:cond delay="0"/>
                                   </p:stCondLst>
-                                  <p:iterate type="lt" backwards="0">
+                                  <p:iterate type="lt">
                                     <p:tmAbs val="0"/>
                                   </p:iterate>
                                   <p:childTnLst>
                                     <p:set>
                                       <p:cBhvr>
-                                        <p:cTn id="6" fill="hold"/>
+                                        <p:cTn id="6" dur="indefinite" fill="hold"/>
                                         <p:tgtEl>
                                           <p:spTgt spid="135"/>
                                         </p:tgtEl>
@@ -11224,17 +10680,17 @@
                             </p:stCondLst>
                             <p:childTnLst>
                               <p:par>
-                                <p:cTn id="11" presetClass="entr" nodeType="clickEffect" presetSubtype="8" presetID="26" grpId="2" fill="hold">
+                                <p:cTn id="11" presetID="26" presetClass="entr" presetSubtype="0" fill="hold" grpId="2" nodeType="clickEffect">
                                   <p:stCondLst>
                                     <p:cond delay="0"/>
                                   </p:stCondLst>
-                                  <p:iterate type="lt" backwards="0">
+                                  <p:iterate type="lt">
                                     <p:tmAbs val="0"/>
                                   </p:iterate>
                                   <p:childTnLst>
                                     <p:set>
                                       <p:cBhvr>
-                                        <p:cTn id="12" fill="hold"/>
+                                        <p:cTn id="12" dur="indefinite" fill="hold"/>
                                         <p:tgtEl>
                                           <p:spTgt spid="130"/>
                                         </p:tgtEl>
@@ -11246,7 +10702,7 @@
                                         <p:strVal val="visible"/>
                                       </p:to>
                                     </p:set>
-                                    <p:animEffect filter="wipe(down)" transition="in">
+                                    <p:animEffect transition="in" filter="wipe(down)">
                                       <p:cBhvr>
                                         <p:cTn id="13" dur="580">
                                           <p:stCondLst>
@@ -11260,7 +10716,7 @@
                                     </p:animEffect>
                                     <p:anim calcmode="lin" valueType="num">
                                       <p:cBhvr>
-                                        <p:cTn id="14" dur="1822" fill="hold" tmFilter="0,0; 0.14,0.36; 0.43,0.73; 0.71,0.91; 1.0,1.0">
+                                        <p:cTn id="14" dur="1822" tmFilter="0,0; 0.14,0.36; 0.43,0.73; 0.71,0.91; 1.0,1.0" fill="hold">
                                           <p:stCondLst>
                                             <p:cond delay="0"/>
                                           </p:stCondLst>
@@ -11287,7 +10743,7 @@
                                     </p:anim>
                                     <p:anim calcmode="lin" valueType="num">
                                       <p:cBhvr>
-                                        <p:cTn id="15" dur="664" fill="hold" tmFilter="0.0,0.0; 0.25,0.07; 0.50,0.2; 0.75,0.467; 1.0,1.0">
+                                        <p:cTn id="15" dur="664" tmFilter="0.0,0.0; 0.25,0.07; 0.50,0.2; 0.75,0.467; 1.0,1.0" fill="hold">
                                           <p:stCondLst>
                                             <p:cond delay="0"/>
                                           </p:stCondLst>
@@ -11314,7 +10770,7 @@
                                     </p:anim>
                                     <p:anim calcmode="lin" valueType="num">
                                       <p:cBhvr>
-                                        <p:cTn id="16" dur="664" fill="hold" tmFilter="0, 0; 0.125,0.2665; 0.25,0.4; 0.375,0.465; 0.5,0.5;  0.625,0.535; 0.75,0.6; 0.875,0.7335; 1,1">
+                                        <p:cTn id="16" dur="664" tmFilter="0, 0; 0.125,0.2665; 0.25,0.4; 0.375,0.465; 0.5,0.5;  0.625,0.535; 0.75,0.6; 0.875,0.7335; 1,1" fill="hold">
                                           <p:stCondLst>
                                             <p:cond delay="664"/>
                                           </p:stCondLst>
@@ -11341,7 +10797,7 @@
                                     </p:anim>
                                     <p:anim calcmode="lin" valueType="num">
                                       <p:cBhvr>
-                                        <p:cTn id="17" dur="332" fill="hold" tmFilter="0, 0; 0.125,0.2665; 0.25,0.4; 0.375,0.465; 0.5,0.5;  0.625,0.535; 0.75,0.6; 0.875,0.7335; 1,1">
+                                        <p:cTn id="17" dur="332" tmFilter="0, 0; 0.125,0.2665; 0.25,0.4; 0.375,0.465; 0.5,0.5;  0.625,0.535; 0.75,0.6; 0.875,0.7335; 1,1" fill="hold">
                                           <p:stCondLst>
                                             <p:cond delay="1324"/>
                                           </p:stCondLst>
@@ -11368,7 +10824,7 @@
                                     </p:anim>
                                     <p:anim calcmode="lin" valueType="num">
                                       <p:cBhvr>
-                                        <p:cTn id="18" dur="164" fill="hold" tmFilter="0, 0; 0.125,0.2665; 0.25,0.4; 0.375,0.465; 0.5,0.5;  0.625,0.535; 0.75,0.6; 0.875,0.7335; 1,1">
+                                        <p:cTn id="18" dur="164" tmFilter="0, 0; 0.125,0.2665; 0.25,0.4; 0.375,0.465; 0.5,0.5;  0.625,0.535; 0.75,0.6; 0.875,0.7335; 1,1" fill="hold">
                                           <p:stCondLst>
                                             <p:cond delay="1656"/>
                                           </p:stCondLst>
@@ -11519,17 +10975,17 @@
                             </p:stCondLst>
                             <p:childTnLst>
                               <p:par>
-                                <p:cTn id="29" presetClass="entr" nodeType="clickEffect" presetSubtype="8" presetID="2" grpId="3" fill="hold">
+                                <p:cTn id="29" presetID="2" presetClass="entr" presetSubtype="8" fill="hold" grpId="3" nodeType="clickEffect">
                                   <p:stCondLst>
                                     <p:cond delay="0"/>
                                   </p:stCondLst>
-                                  <p:iterate type="lt" backwards="0">
+                                  <p:iterate type="lt">
                                     <p:tmAbs val="0"/>
                                   </p:iterate>
                                   <p:childTnLst>
                                     <p:set>
                                       <p:cBhvr>
-                                        <p:cTn id="30" fill="hold"/>
+                                        <p:cTn id="30" dur="indefinite" fill="hold"/>
                                         <p:tgtEl>
                                           <p:spTgt spid="131"/>
                                         </p:tgtEl>
@@ -11609,17 +11065,17 @@
                             </p:stCondLst>
                             <p:childTnLst>
                               <p:par>
-                                <p:cTn id="35" presetClass="entr" nodeType="clickEffect" presetSubtype="8" presetID="22" grpId="4" fill="hold">
+                                <p:cTn id="35" presetID="22" presetClass="entr" presetSubtype="8" fill="hold" grpId="4" nodeType="clickEffect">
                                   <p:stCondLst>
                                     <p:cond delay="0"/>
                                   </p:stCondLst>
-                                  <p:iterate type="el" backwards="0">
+                                  <p:iterate type="el">
                                     <p:tmAbs val="0"/>
                                   </p:iterate>
                                   <p:childTnLst>
                                     <p:set>
                                       <p:cBhvr>
-                                        <p:cTn id="36" fill="hold"/>
+                                        <p:cTn id="36" dur="indefinite" fill="hold"/>
                                         <p:tgtEl>
                                           <p:spTgt spid="132"/>
                                         </p:tgtEl>
@@ -11631,7 +11087,7 @@
                                         <p:strVal val="visible"/>
                                       </p:to>
                                     </p:set>
-                                    <p:animEffect filter="wipe(left)" transition="in">
+                                    <p:animEffect transition="in" filter="wipe(left)">
                                       <p:cBhvr>
                                         <p:cTn id="37" dur="1000"/>
                                         <p:tgtEl>
@@ -11661,17 +11117,17 @@
                             </p:stCondLst>
                             <p:childTnLst>
                               <p:par>
-                                <p:cTn id="40" presetClass="entr" nodeType="clickEffect" presetID="10" grpId="5" fill="hold">
+                                <p:cTn id="40" presetID="10" presetClass="entr" presetSubtype="0" fill="hold" grpId="5" nodeType="clickEffect">
                                   <p:stCondLst>
                                     <p:cond delay="0"/>
                                   </p:stCondLst>
-                                  <p:iterate type="el" backwards="0">
+                                  <p:iterate type="el">
                                     <p:tmAbs val="0"/>
                                   </p:iterate>
                                   <p:childTnLst>
                                     <p:set>
                                       <p:cBhvr>
-                                        <p:cTn id="41" fill="hold"/>
+                                        <p:cTn id="41" dur="indefinite" fill="hold"/>
                                         <p:tgtEl>
                                           <p:spTgt spid="133"/>
                                         </p:tgtEl>
@@ -11683,7 +11139,7 @@
                                         <p:strVal val="visible"/>
                                       </p:to>
                                     </p:set>
-                                    <p:animEffect filter="fade" transition="in">
+                                    <p:animEffect transition="in" filter="fade">
                                       <p:cBhvr>
                                         <p:cTn id="42" dur="1000"/>
                                         <p:tgtEl>
@@ -11713,17 +11169,17 @@
                             </p:stCondLst>
                             <p:childTnLst>
                               <p:par>
-                                <p:cTn id="45" presetClass="entr" nodeType="clickEffect" presetSubtype="5" presetID="3" grpId="6" fill="hold">
+                                <p:cTn id="45" presetID="3" presetClass="entr" presetSubtype="5" fill="hold" grpId="6" nodeType="clickEffect">
                                   <p:stCondLst>
                                     <p:cond delay="0"/>
                                   </p:stCondLst>
-                                  <p:iterate type="el" backwards="0">
+                                  <p:iterate type="el">
                                     <p:tmAbs val="0"/>
                                   </p:iterate>
                                   <p:childTnLst>
                                     <p:set>
                                       <p:cBhvr>
-                                        <p:cTn id="46" fill="hold"/>
+                                        <p:cTn id="46" dur="indefinite" fill="hold"/>
                                         <p:tgtEl>
                                           <p:spTgt spid="134"/>
                                         </p:tgtEl>
@@ -11735,7 +11191,7 @@
                                         <p:strVal val="visible"/>
                                       </p:to>
                                     </p:set>
-                                    <p:animEffect filter="blinds(vertical)" transition="in">
+                                    <p:animEffect transition="in" filter="blinds(vertical)">
                                       <p:cBhvr>
                                         <p:cTn id="47" dur="1000"/>
                                         <p:tgtEl>
@@ -11774,19 +11230,19 @@
       </p:par>
     </p:tnLst>
     <p:bldLst>
-      <p:bldP build="whole" bldLvl="1" animBg="1" rev="0" advAuto="0" spid="130" grpId="2"/>
-      <p:bldP build="whole" bldLvl="1" animBg="1" rev="0" advAuto="0" spid="135" grpId="1"/>
-      <p:bldP build="whole" bldLvl="1" animBg="1" rev="0" advAuto="0" spid="132" grpId="4"/>
-      <p:bldP build="whole" bldLvl="1" animBg="1" rev="0" advAuto="0" spid="134" grpId="6"/>
-      <p:bldP build="whole" bldLvl="1" animBg="1" rev="0" advAuto="0" spid="131" grpId="3"/>
-      <p:bldP build="whole" bldLvl="1" animBg="1" rev="0" advAuto="0" spid="133" grpId="5"/>
+      <p:bldP spid="130" grpId="2" animBg="1" advAuto="0"/>
+      <p:bldP spid="135" grpId="1" animBg="1" advAuto="0"/>
+      <p:bldP spid="132" grpId="4" animBg="1" advAuto="0"/>
+      <p:bldP spid="134" grpId="6" animBg="1" advAuto="0"/>
+      <p:bldP spid="131" grpId="3" animBg="1" advAuto="0"/>
+      <p:bldP spid="133" grpId="5" animBg="1" advAuto="0"/>
     </p:bldLst>
   </p:timing>
 </p:sld>
 </file>
 
 <file path=ppt/slides/slide5.xml><?xml version="1.0" encoding="utf-8"?>
-<p:sld xmlns:a="http://schemas.openxmlformats.org/drawingml/2006/main" xmlns:r="http://schemas.openxmlformats.org/officeDocument/2006/relationships" xmlns:p="http://schemas.openxmlformats.org/presentationml/2006/main" xmlns:m="http://schemas.openxmlformats.org/officeDocument/2006/math" xmlns:a14="http://schemas.microsoft.com/office/drawing/2010/main" showMasterSp="1" showMasterPhAnim="1">
+<p:sld xmlns:a="http://schemas.openxmlformats.org/drawingml/2006/main" xmlns:r="http://schemas.openxmlformats.org/officeDocument/2006/relationships" xmlns:p="http://schemas.openxmlformats.org/presentationml/2006/main">
   <p:cSld>
     <p:spTree>
       <p:nvGrpSpPr>
@@ -11819,11 +11275,6 @@
           <a:ln w="12700">
             <a:miter lim="400000"/>
           </a:ln>
-          <a:extLst>
-            <a:ext uri="{C572A759-6A51-4108-AA02-DFA0A04FC94B}">
-              <ma14:wrappingTextBoxFlag xmlns:ma14="http://schemas.microsoft.com/office/mac/drawingml/2011/main" val="1"/>
-            </a:ext>
-          </a:extLst>
         </p:spPr>
         <p:txBody>
           <a:bodyPr lIns="45719" rIns="45719">
@@ -11831,7 +11282,7 @@
           </a:bodyPr>
           <a:lstStyle>
             <a:lvl1pPr algn="ctr">
-              <a:defRPr b="1" sz="1400">
+              <a:defRPr sz="1400" b="1">
                 <a:solidFill>
                   <a:srgbClr val="888888"/>
                 </a:solidFill>
@@ -11839,7 +11290,6 @@
             </a:lvl1pPr>
           </a:lstStyle>
           <a:p>
-            <a:pPr/>
             <a:r>
               <a:t>http://www.mashibing.com</a:t>
             </a:r>
@@ -11855,9 +11305,7 @@
           <p:nvPr/>
         </p:nvPicPr>
         <p:blipFill>
-          <a:blip r:embed="rId2">
-            <a:extLst/>
-          </a:blip>
+          <a:blip r:embed="rId1"/>
           <a:stretch>
             <a:fillRect/>
           </a:stretch>
@@ -11872,6 +11320,8 @@
           </a:prstGeom>
           <a:ln w="12700">
             <a:miter lim="400000"/>
+            <a:headEnd/>
+            <a:tailEnd/>
           </a:ln>
         </p:spPr>
       </p:pic>
@@ -11891,11 +11341,6 @@
           <a:prstGeom prst="rect">
             <a:avLst/>
           </a:prstGeom>
-          <a:extLst>
-            <a:ext uri="{C572A759-6A51-4108-AA02-DFA0A04FC94B}">
-              <ma14:wrappingTextBoxFlag xmlns:ma14="http://schemas.microsoft.com/office/mac/drawingml/2011/main" val="1"/>
-            </a:ext>
-          </a:extLst>
         </p:spPr>
         <p:txBody>
           <a:bodyPr/>
@@ -11909,8 +11354,10 @@
             </a:lvl1pPr>
           </a:lstStyle>
           <a:p>
-            <a:pPr/>
-            <a:fld id="{86CB4B4D-7CA3-9044-876B-883B54F8677D}" type="slidenum"/>
+            <a:fld id="{86CB4B4D-7CA3-9044-876B-883B54F8677D}" type="slidenum">
+              <a:rPr/>
+            </a:fld>
+            <a:endParaRPr/>
           </a:p>
         </p:txBody>
       </p:sp>
@@ -11931,11 +11378,6 @@
           <a:ln w="12700">
             <a:miter lim="400000"/>
           </a:ln>
-          <a:extLst>
-            <a:ext uri="{C572A759-6A51-4108-AA02-DFA0A04FC94B}">
-              <ma14:wrappingTextBoxFlag xmlns:ma14="http://schemas.microsoft.com/office/mac/drawingml/2011/main" val="1"/>
-            </a:ext>
-          </a:extLst>
         </p:spPr>
         <p:txBody>
           <a:bodyPr lIns="45719" rIns="45719">
@@ -11943,12 +11385,11 @@
           </a:bodyPr>
           <a:lstStyle>
             <a:lvl1pPr>
-              <a:buFont typeface="Wingdings"/>
+              <a:buFont typeface="Wingdings" panose="05000000000000000000"/>
               <a:defRPr b="1"/>
             </a:lvl1pPr>
           </a:lstStyle>
           <a:p>
-            <a:pPr/>
             <a:r>
               <a:t>数据库的组成结构</a:t>
             </a:r>
@@ -11972,11 +11413,6 @@
           <a:ln w="12700">
             <a:miter lim="400000"/>
           </a:ln>
-          <a:extLst>
-            <a:ext uri="{C572A759-6A51-4108-AA02-DFA0A04FC94B}">
-              <ma14:wrappingTextBoxFlag xmlns:ma14="http://schemas.microsoft.com/office/mac/drawingml/2011/main" val="1"/>
-            </a:ext>
-          </a:extLst>
         </p:spPr>
         <p:txBody>
           <a:bodyPr lIns="45719" rIns="45719">
@@ -11990,7 +11426,6 @@
             </a:lvl1pPr>
           </a:lstStyle>
           <a:p>
-            <a:pPr/>
             <a:r>
               <a:t>MySQL、Oracle、SQL Server、PostgreSQL</a:t>
             </a:r>
@@ -12014,11 +11449,6 @@
           <a:ln w="12700">
             <a:miter lim="400000"/>
           </a:ln>
-          <a:extLst>
-            <a:ext uri="{C572A759-6A51-4108-AA02-DFA0A04FC94B}">
-              <ma14:wrappingTextBoxFlag xmlns:ma14="http://schemas.microsoft.com/office/mac/drawingml/2011/main" val="1"/>
-            </a:ext>
-          </a:extLst>
         </p:spPr>
         <p:txBody>
           <a:bodyPr lIns="45719" rIns="45719">
@@ -12032,7 +11462,6 @@
             </a:lvl1pPr>
           </a:lstStyle>
           <a:p>
-            <a:pPr/>
             <a:r>
               <a:t>Redis、Memcached、MongoDB</a:t>
             </a:r>
@@ -12056,11 +11485,6 @@
           <a:ln w="12700">
             <a:miter lim="400000"/>
           </a:ln>
-          <a:extLst>
-            <a:ext uri="{C572A759-6A51-4108-AA02-DFA0A04FC94B}">
-              <ma14:wrappingTextBoxFlag xmlns:ma14="http://schemas.microsoft.com/office/mac/drawingml/2011/main" val="1"/>
-            </a:ext>
-          </a:extLst>
         </p:spPr>
         <p:txBody>
           <a:bodyPr lIns="45719" rIns="45719">
@@ -12074,7 +11498,6 @@
             </a:lvl1pPr>
           </a:lstStyle>
           <a:p>
-            <a:pPr/>
             <a:r>
               <a:t>Elasticsearch、Solr、Splunk</a:t>
             </a:r>
@@ -12090,9 +11513,7 @@
           <p:nvPr/>
         </p:nvPicPr>
         <p:blipFill>
-          <a:blip r:embed="rId3">
-            <a:extLst/>
-          </a:blip>
+          <a:blip r:embed="rId2"/>
           <a:stretch>
             <a:fillRect/>
           </a:stretch>
@@ -12107,6 +11528,8 @@
           </a:prstGeom>
           <a:ln w="12700">
             <a:miter lim="400000"/>
+            <a:headEnd/>
+            <a:tailEnd/>
           </a:ln>
         </p:spPr>
       </p:pic>
@@ -12115,14 +11538,14 @@
   <p:clrMapOvr>
     <a:masterClrMapping/>
   </p:clrMapOvr>
-  <p:transition xmlns:p14="http://schemas.microsoft.com/office/powerpoint/2010/main" spd="med" advClick="1"/>
+  <p:transition spd="med"/>
   <p:timing>
     <p:tnLst>
       <p:par>
-        <p:cTn id="1" nodeType="tmRoot" restart="never" dur="indefinite" fill="hold">
+        <p:cTn id="1" dur="indefinite" restart="never" fill="hold" nodeType="tmRoot">
           <p:childTnLst>
-            <p:seq concurrent="1" prevAc="none" nextAc="seek">
-              <p:cTn id="2" nodeType="mainSeq" dur="indefinite" fill="hold">
+            <p:seq concurrent="1" nextAc="seek">
+              <p:cTn id="2" dur="indefinite" fill="hold" nodeType="mainSeq">
                 <p:childTnLst>
                   <p:par>
                     <p:cTn id="3" fill="hold">
@@ -12137,17 +11560,17 @@
                             </p:stCondLst>
                             <p:childTnLst>
                               <p:par>
-                                <p:cTn id="5" presetClass="entr" nodeType="clickEffect" presetSubtype="8" presetID="15" grpId="1" fill="hold">
+                                <p:cTn id="5" presetID="15" presetClass="entr" presetSubtype="0" fill="hold" grpId="1" nodeType="clickEffect">
                                   <p:stCondLst>
                                     <p:cond delay="0"/>
                                   </p:stCondLst>
-                                  <p:iterate type="el" backwards="0">
+                                  <p:iterate type="el">
                                     <p:tmAbs val="0"/>
                                   </p:iterate>
                                   <p:childTnLst>
                                     <p:set>
                                       <p:cBhvr>
-                                        <p:cTn id="6" fill="hold"/>
+                                        <p:cTn id="6" dur="indefinite" fill="hold"/>
                                         <p:tgtEl>
                                           <p:spTgt spid="144"/>
                                         </p:tgtEl>
@@ -12273,17 +11696,17 @@
                             </p:stCondLst>
                             <p:childTnLst>
                               <p:par>
-                                <p:cTn id="13" presetClass="entr" nodeType="clickEffect" presetSubtype="8" presetID="2" grpId="2" fill="hold">
+                                <p:cTn id="13" presetID="2" presetClass="entr" presetSubtype="8" fill="hold" grpId="2" nodeType="clickEffect">
                                   <p:stCondLst>
                                     <p:cond delay="0"/>
                                   </p:stCondLst>
-                                  <p:iterate type="lt" backwards="0">
+                                  <p:iterate type="lt">
                                     <p:tmAbs val="0"/>
                                   </p:iterate>
                                   <p:childTnLst>
                                     <p:set>
                                       <p:cBhvr>
-                                        <p:cTn id="14" fill="hold"/>
+                                        <p:cTn id="14" dur="indefinite" fill="hold"/>
                                         <p:tgtEl>
                                           <p:spTgt spid="141"/>
                                         </p:tgtEl>
@@ -12363,17 +11786,17 @@
                             </p:stCondLst>
                             <p:childTnLst>
                               <p:par>
-                                <p:cTn id="19" presetClass="entr" nodeType="clickEffect" presetSubtype="8" presetID="2" grpId="3" fill="hold">
+                                <p:cTn id="19" presetID="2" presetClass="entr" presetSubtype="8" fill="hold" grpId="3" nodeType="clickEffect">
                                   <p:stCondLst>
                                     <p:cond delay="0"/>
                                   </p:stCondLst>
-                                  <p:iterate type="lt" backwards="0">
+                                  <p:iterate type="lt">
                                     <p:tmAbs val="0"/>
                                   </p:iterate>
                                   <p:childTnLst>
                                     <p:set>
                                       <p:cBhvr>
-                                        <p:cTn id="20" fill="hold"/>
+                                        <p:cTn id="20" dur="indefinite" fill="hold"/>
                                         <p:tgtEl>
                                           <p:spTgt spid="142"/>
                                         </p:tgtEl>
@@ -12453,17 +11876,17 @@
                             </p:stCondLst>
                             <p:childTnLst>
                               <p:par>
-                                <p:cTn id="25" presetClass="entr" nodeType="clickEffect" presetSubtype="8" presetID="2" grpId="4" fill="hold">
+                                <p:cTn id="25" presetID="2" presetClass="entr" presetSubtype="8" fill="hold" grpId="4" nodeType="clickEffect">
                                   <p:stCondLst>
                                     <p:cond delay="0"/>
                                   </p:stCondLst>
-                                  <p:iterate type="lt" backwards="0">
+                                  <p:iterate type="lt">
                                     <p:tmAbs val="0"/>
                                   </p:iterate>
                                   <p:childTnLst>
                                     <p:set>
                                       <p:cBhvr>
-                                        <p:cTn id="26" fill="hold"/>
+                                        <p:cTn id="26" dur="indefinite" fill="hold"/>
                                         <p:tgtEl>
                                           <p:spTgt spid="143"/>
                                         </p:tgtEl>
@@ -12552,17 +11975,17 @@
       </p:par>
     </p:tnLst>
     <p:bldLst>
-      <p:bldP build="whole" bldLvl="1" animBg="1" rev="0" advAuto="0" spid="142" grpId="3"/>
-      <p:bldP build="whole" bldLvl="1" animBg="1" rev="0" advAuto="0" spid="144" grpId="1"/>
-      <p:bldP build="whole" bldLvl="1" animBg="1" rev="0" advAuto="0" spid="141" grpId="2"/>
-      <p:bldP build="whole" bldLvl="1" animBg="1" rev="0" advAuto="0" spid="143" grpId="4"/>
+      <p:bldP spid="142" grpId="3" animBg="1" advAuto="0"/>
+      <p:bldP spid="144" grpId="1" animBg="1" advAuto="0"/>
+      <p:bldP spid="141" grpId="2" animBg="1" advAuto="0"/>
+      <p:bldP spid="143" grpId="4" animBg="1" advAuto="0"/>
     </p:bldLst>
   </p:timing>
 </p:sld>
 </file>
 
 <file path=ppt/slides/slide6.xml><?xml version="1.0" encoding="utf-8"?>
-<p:sld xmlns:a="http://schemas.openxmlformats.org/drawingml/2006/main" xmlns:r="http://schemas.openxmlformats.org/officeDocument/2006/relationships" xmlns:p="http://schemas.openxmlformats.org/presentationml/2006/main" xmlns:m="http://schemas.openxmlformats.org/officeDocument/2006/math" xmlns:a14="http://schemas.microsoft.com/office/drawing/2010/main" showMasterSp="1" showMasterPhAnim="1">
+<p:sld xmlns:a="http://schemas.openxmlformats.org/drawingml/2006/main" xmlns:r="http://schemas.openxmlformats.org/officeDocument/2006/relationships" xmlns:p="http://schemas.openxmlformats.org/presentationml/2006/main">
   <p:cSld>
     <p:spTree>
       <p:nvGrpSpPr>
@@ -12595,11 +12018,6 @@
           <a:ln w="12700">
             <a:miter lim="400000"/>
           </a:ln>
-          <a:extLst>
-            <a:ext uri="{C572A759-6A51-4108-AA02-DFA0A04FC94B}">
-              <ma14:wrappingTextBoxFlag xmlns:ma14="http://schemas.microsoft.com/office/mac/drawingml/2011/main" val="1"/>
-            </a:ext>
-          </a:extLst>
         </p:spPr>
         <p:txBody>
           <a:bodyPr lIns="45719" rIns="45719">
@@ -12607,7 +12025,7 @@
           </a:bodyPr>
           <a:lstStyle>
             <a:lvl1pPr algn="ctr">
-              <a:defRPr b="1" sz="1400">
+              <a:defRPr sz="1400" b="1">
                 <a:solidFill>
                   <a:srgbClr val="888888"/>
                 </a:solidFill>
@@ -12615,7 +12033,6 @@
             </a:lvl1pPr>
           </a:lstStyle>
           <a:p>
-            <a:pPr/>
             <a:r>
               <a:t>http://www.mashibing.com</a:t>
             </a:r>
@@ -12631,9 +12048,7 @@
           <p:nvPr/>
         </p:nvPicPr>
         <p:blipFill>
-          <a:blip r:embed="rId2">
-            <a:extLst/>
-          </a:blip>
+          <a:blip r:embed="rId1"/>
           <a:stretch>
             <a:fillRect/>
           </a:stretch>
@@ -12648,6 +12063,8 @@
           </a:prstGeom>
           <a:ln w="12700">
             <a:miter lim="400000"/>
+            <a:headEnd/>
+            <a:tailEnd/>
           </a:ln>
         </p:spPr>
       </p:pic>
@@ -12667,11 +12084,6 @@
           <a:prstGeom prst="rect">
             <a:avLst/>
           </a:prstGeom>
-          <a:extLst>
-            <a:ext uri="{C572A759-6A51-4108-AA02-DFA0A04FC94B}">
-              <ma14:wrappingTextBoxFlag xmlns:ma14="http://schemas.microsoft.com/office/mac/drawingml/2011/main" val="1"/>
-            </a:ext>
-          </a:extLst>
         </p:spPr>
         <p:txBody>
           <a:bodyPr/>
@@ -12685,8 +12097,10 @@
             </a:lvl1pPr>
           </a:lstStyle>
           <a:p>
-            <a:pPr/>
-            <a:fld id="{86CB4B4D-7CA3-9044-876B-883B54F8677D}" type="slidenum"/>
+            <a:fld id="{86CB4B4D-7CA3-9044-876B-883B54F8677D}" type="slidenum">
+              <a:rPr/>
+            </a:fld>
+            <a:endParaRPr/>
           </a:p>
         </p:txBody>
       </p:sp>
@@ -12707,11 +12121,6 @@
           <a:ln w="12700">
             <a:miter lim="400000"/>
           </a:ln>
-          <a:extLst>
-            <a:ext uri="{C572A759-6A51-4108-AA02-DFA0A04FC94B}">
-              <ma14:wrappingTextBoxFlag xmlns:ma14="http://schemas.microsoft.com/office/mac/drawingml/2011/main" val="1"/>
-            </a:ext>
-          </a:extLst>
         </p:spPr>
         <p:txBody>
           <a:bodyPr lIns="45719" rIns="45719">
@@ -12719,12 +12128,11 @@
           </a:bodyPr>
           <a:lstStyle>
             <a:lvl1pPr>
-              <a:buFont typeface="Wingdings"/>
+              <a:buFont typeface="Wingdings" panose="05000000000000000000"/>
               <a:defRPr b="1"/>
             </a:lvl1pPr>
           </a:lstStyle>
           <a:p>
-            <a:pPr/>
             <a:r>
               <a:t>MySQL的索引结构</a:t>
             </a:r>
@@ -12740,9 +12148,7 @@
           <p:nvPr/>
         </p:nvPicPr>
         <p:blipFill>
-          <a:blip r:embed="rId3">
-            <a:extLst/>
-          </a:blip>
+          <a:blip r:embed="rId2"/>
           <a:stretch>
             <a:fillRect/>
           </a:stretch>
@@ -12757,6 +12163,8 @@
           </a:prstGeom>
           <a:ln w="12700">
             <a:miter lim="400000"/>
+            <a:headEnd/>
+            <a:tailEnd/>
           </a:ln>
         </p:spPr>
       </p:pic>
@@ -12777,11 +12185,6 @@
           <a:ln w="12700">
             <a:miter lim="400000"/>
           </a:ln>
-          <a:extLst>
-            <a:ext uri="{C572A759-6A51-4108-AA02-DFA0A04FC94B}">
-              <ma14:wrappingTextBoxFlag xmlns:ma14="http://schemas.microsoft.com/office/mac/drawingml/2011/main" val="1"/>
-            </a:ext>
-          </a:extLst>
         </p:spPr>
         <p:txBody>
           <a:bodyPr lIns="45719" rIns="45719">
@@ -12789,12 +12192,11 @@
           </a:bodyPr>
           <a:lstStyle>
             <a:lvl1pPr>
-              <a:buFont typeface="Wingdings"/>
+              <a:buFont typeface="Wingdings" panose="05000000000000000000"/>
               <a:defRPr b="1"/>
             </a:lvl1pPr>
           </a:lstStyle>
           <a:p>
-            <a:pPr/>
             <a:r>
               <a:t>B-Trees</a:t>
             </a:r>
@@ -12806,12 +12208,12 @@
   <p:clrMapOvr>
     <a:masterClrMapping/>
   </p:clrMapOvr>
-  <p:transition xmlns:p14="http://schemas.microsoft.com/office/powerpoint/2010/main" spd="med" advClick="1"/>
+  <p:transition spd="med"/>
 </p:sld>
 </file>
 
 <file path=ppt/slides/slide7.xml><?xml version="1.0" encoding="utf-8"?>
-<p:sld xmlns:a="http://schemas.openxmlformats.org/drawingml/2006/main" xmlns:r="http://schemas.openxmlformats.org/officeDocument/2006/relationships" xmlns:p="http://schemas.openxmlformats.org/presentationml/2006/main" xmlns:m="http://schemas.openxmlformats.org/officeDocument/2006/math" xmlns:a14="http://schemas.microsoft.com/office/drawing/2010/main" showMasterSp="1" showMasterPhAnim="1">
+<p:sld xmlns:a="http://schemas.openxmlformats.org/drawingml/2006/main" xmlns:r="http://schemas.openxmlformats.org/officeDocument/2006/relationships" xmlns:p="http://schemas.openxmlformats.org/presentationml/2006/main">
   <p:cSld>
     <p:spTree>
       <p:nvGrpSpPr>
@@ -12844,11 +12246,6 @@
           <a:ln w="12700">
             <a:miter lim="400000"/>
           </a:ln>
-          <a:extLst>
-            <a:ext uri="{C572A759-6A51-4108-AA02-DFA0A04FC94B}">
-              <ma14:wrappingTextBoxFlag xmlns:ma14="http://schemas.microsoft.com/office/mac/drawingml/2011/main" val="1"/>
-            </a:ext>
-          </a:extLst>
         </p:spPr>
         <p:txBody>
           <a:bodyPr lIns="45719" rIns="45719">
@@ -12856,7 +12253,7 @@
           </a:bodyPr>
           <a:lstStyle>
             <a:lvl1pPr algn="ctr">
-              <a:defRPr b="1" sz="1400">
+              <a:defRPr sz="1400" b="1">
                 <a:solidFill>
                   <a:srgbClr val="888888"/>
                 </a:solidFill>
@@ -12864,7 +12261,6 @@
             </a:lvl1pPr>
           </a:lstStyle>
           <a:p>
-            <a:pPr/>
             <a:r>
               <a:t>http://www.mashibing.com</a:t>
             </a:r>
@@ -12880,9 +12276,7 @@
           <p:nvPr/>
         </p:nvPicPr>
         <p:blipFill>
-          <a:blip r:embed="rId2">
-            <a:extLst/>
-          </a:blip>
+          <a:blip r:embed="rId1"/>
           <a:stretch>
             <a:fillRect/>
           </a:stretch>
@@ -12897,6 +12291,8 @@
           </a:prstGeom>
           <a:ln w="12700">
             <a:miter lim="400000"/>
+            <a:headEnd/>
+            <a:tailEnd/>
           </a:ln>
         </p:spPr>
       </p:pic>
@@ -12916,11 +12312,6 @@
           <a:prstGeom prst="rect">
             <a:avLst/>
           </a:prstGeom>
-          <a:extLst>
-            <a:ext uri="{C572A759-6A51-4108-AA02-DFA0A04FC94B}">
-              <ma14:wrappingTextBoxFlag xmlns:ma14="http://schemas.microsoft.com/office/mac/drawingml/2011/main" val="1"/>
-            </a:ext>
-          </a:extLst>
         </p:spPr>
         <p:txBody>
           <a:bodyPr/>
@@ -12934,8 +12325,10 @@
             </a:lvl1pPr>
           </a:lstStyle>
           <a:p>
-            <a:pPr/>
-            <a:fld id="{86CB4B4D-7CA3-9044-876B-883B54F8677D}" type="slidenum"/>
+            <a:fld id="{86CB4B4D-7CA3-9044-876B-883B54F8677D}" type="slidenum">
+              <a:rPr/>
+            </a:fld>
+            <a:endParaRPr/>
           </a:p>
         </p:txBody>
       </p:sp>
@@ -12956,11 +12349,6 @@
           <a:ln w="12700">
             <a:miter lim="400000"/>
           </a:ln>
-          <a:extLst>
-            <a:ext uri="{C572A759-6A51-4108-AA02-DFA0A04FC94B}">
-              <ma14:wrappingTextBoxFlag xmlns:ma14="http://schemas.microsoft.com/office/mac/drawingml/2011/main" val="1"/>
-            </a:ext>
-          </a:extLst>
         </p:spPr>
         <p:txBody>
           <a:bodyPr lIns="45719" rIns="45719">
@@ -12968,12 +12356,11 @@
           </a:bodyPr>
           <a:lstStyle>
             <a:lvl1pPr>
-              <a:buFont typeface="Wingdings"/>
+              <a:buFont typeface="Wingdings" panose="05000000000000000000"/>
               <a:defRPr b="1"/>
             </a:lvl1pPr>
           </a:lstStyle>
           <a:p>
-            <a:pPr/>
             <a:r>
               <a:t>MySQL的索引结构</a:t>
             </a:r>
@@ -12989,9 +12376,7 @@
           <p:nvPr/>
         </p:nvPicPr>
         <p:blipFill>
-          <a:blip r:embed="rId3">
-            <a:extLst/>
-          </a:blip>
+          <a:blip r:embed="rId2"/>
           <a:stretch>
             <a:fillRect/>
           </a:stretch>
@@ -13006,6 +12391,8 @@
           </a:prstGeom>
           <a:ln w="12700">
             <a:miter lim="400000"/>
+            <a:headEnd/>
+            <a:tailEnd/>
           </a:ln>
         </p:spPr>
       </p:pic>
@@ -13026,11 +12413,6 @@
           <a:ln w="12700">
             <a:miter lim="400000"/>
           </a:ln>
-          <a:extLst>
-            <a:ext uri="{C572A759-6A51-4108-AA02-DFA0A04FC94B}">
-              <ma14:wrappingTextBoxFlag xmlns:ma14="http://schemas.microsoft.com/office/mac/drawingml/2011/main" val="1"/>
-            </a:ext>
-          </a:extLst>
         </p:spPr>
         <p:txBody>
           <a:bodyPr lIns="45719" rIns="45719">
@@ -13038,12 +12420,11 @@
           </a:bodyPr>
           <a:lstStyle>
             <a:lvl1pPr>
-              <a:buFont typeface="Wingdings"/>
+              <a:buFont typeface="Wingdings" panose="05000000000000000000"/>
               <a:defRPr b="1"/>
             </a:lvl1pPr>
           </a:lstStyle>
           <a:p>
-            <a:pPr/>
             <a:r>
               <a:t>B+Trees</a:t>
             </a:r>
@@ -13055,12 +12436,12 @@
   <p:clrMapOvr>
     <a:masterClrMapping/>
   </p:clrMapOvr>
-  <p:transition xmlns:p14="http://schemas.microsoft.com/office/powerpoint/2010/main" spd="med" advClick="1"/>
+  <p:transition spd="med"/>
 </p:sld>
 </file>
 
 <file path=ppt/slides/slide8.xml><?xml version="1.0" encoding="utf-8"?>
-<p:sld xmlns:a="http://schemas.openxmlformats.org/drawingml/2006/main" xmlns:r="http://schemas.openxmlformats.org/officeDocument/2006/relationships" xmlns:p="http://schemas.openxmlformats.org/presentationml/2006/main" xmlns:m="http://schemas.openxmlformats.org/officeDocument/2006/math" xmlns:a14="http://schemas.microsoft.com/office/drawing/2010/main" showMasterSp="1" showMasterPhAnim="1">
+<p:sld xmlns:a="http://schemas.openxmlformats.org/drawingml/2006/main" xmlns:r="http://schemas.openxmlformats.org/officeDocument/2006/relationships" xmlns:p="http://schemas.openxmlformats.org/presentationml/2006/main">
   <p:cSld>
     <p:spTree>
       <p:nvGrpSpPr>
@@ -13093,11 +12474,6 @@
           <a:ln w="12700">
             <a:miter lim="400000"/>
           </a:ln>
-          <a:extLst>
-            <a:ext uri="{C572A759-6A51-4108-AA02-DFA0A04FC94B}">
-              <ma14:wrappingTextBoxFlag xmlns:ma14="http://schemas.microsoft.com/office/mac/drawingml/2011/main" val="1"/>
-            </a:ext>
-          </a:extLst>
         </p:spPr>
         <p:txBody>
           <a:bodyPr lIns="45719" rIns="45719">
@@ -13105,7 +12481,7 @@
           </a:bodyPr>
           <a:lstStyle>
             <a:lvl1pPr algn="ctr">
-              <a:defRPr b="1" sz="1400">
+              <a:defRPr sz="1400" b="1">
                 <a:solidFill>
                   <a:srgbClr val="888888"/>
                 </a:solidFill>
@@ -13113,7 +12489,6 @@
             </a:lvl1pPr>
           </a:lstStyle>
           <a:p>
-            <a:pPr/>
             <a:r>
               <a:t>http://www.mashibing.com</a:t>
             </a:r>
@@ -13129,9 +12504,7 @@
           <p:nvPr/>
         </p:nvPicPr>
         <p:blipFill>
-          <a:blip r:embed="rId2">
-            <a:extLst/>
-          </a:blip>
+          <a:blip r:embed="rId1"/>
           <a:stretch>
             <a:fillRect/>
           </a:stretch>
@@ -13146,6 +12519,8 @@
           </a:prstGeom>
           <a:ln w="12700">
             <a:miter lim="400000"/>
+            <a:headEnd/>
+            <a:tailEnd/>
           </a:ln>
         </p:spPr>
       </p:pic>
@@ -13165,11 +12540,6 @@
           <a:prstGeom prst="rect">
             <a:avLst/>
           </a:prstGeom>
-          <a:extLst>
-            <a:ext uri="{C572A759-6A51-4108-AA02-DFA0A04FC94B}">
-              <ma14:wrappingTextBoxFlag xmlns:ma14="http://schemas.microsoft.com/office/mac/drawingml/2011/main" val="1"/>
-            </a:ext>
-          </a:extLst>
         </p:spPr>
         <p:txBody>
           <a:bodyPr/>
@@ -13183,8 +12553,10 @@
             </a:lvl1pPr>
           </a:lstStyle>
           <a:p>
-            <a:pPr/>
-            <a:fld id="{86CB4B4D-7CA3-9044-876B-883B54F8677D}" type="slidenum"/>
+            <a:fld id="{86CB4B4D-7CA3-9044-876B-883B54F8677D}" type="slidenum">
+              <a:rPr/>
+            </a:fld>
+            <a:endParaRPr/>
           </a:p>
         </p:txBody>
       </p:sp>
@@ -13205,11 +12577,6 @@
           <a:ln w="12700">
             <a:miter lim="400000"/>
           </a:ln>
-          <a:extLst>
-            <a:ext uri="{C572A759-6A51-4108-AA02-DFA0A04FC94B}">
-              <ma14:wrappingTextBoxFlag xmlns:ma14="http://schemas.microsoft.com/office/mac/drawingml/2011/main" val="1"/>
-            </a:ext>
-          </a:extLst>
         </p:spPr>
         <p:txBody>
           <a:bodyPr lIns="45719" rIns="45719">
@@ -13217,12 +12584,11 @@
           </a:bodyPr>
           <a:lstStyle>
             <a:lvl1pPr>
-              <a:buFont typeface="Wingdings"/>
+              <a:buFont typeface="Wingdings" panose="05000000000000000000"/>
               <a:defRPr b="1"/>
             </a:lvl1pPr>
           </a:lstStyle>
           <a:p>
-            <a:pPr/>
             <a:r>
               <a:t>MySQL索引能解决大数据检索的问题吗？</a:t>
             </a:r>
@@ -13246,11 +12612,6 @@
           <a:ln w="12700">
             <a:miter lim="400000"/>
           </a:ln>
-          <a:extLst>
-            <a:ext uri="{C572A759-6A51-4108-AA02-DFA0A04FC94B}">
-              <ma14:wrappingTextBoxFlag xmlns:ma14="http://schemas.microsoft.com/office/mac/drawingml/2011/main" val="1"/>
-            </a:ext>
-          </a:extLst>
         </p:spPr>
         <p:txBody>
           <a:bodyPr wrap="none" lIns="0" tIns="0" rIns="0" bIns="0">
@@ -13270,7 +12631,6 @@
             </a:lvl1pPr>
           </a:lstStyle>
           <a:p>
-            <a:pPr/>
             <a:r>
               <a:t>3、精准度差</a:t>
             </a:r>
@@ -13294,11 +12654,6 @@
           <a:ln w="12700">
             <a:miter lim="400000"/>
           </a:ln>
-          <a:extLst>
-            <a:ext uri="{C572A759-6A51-4108-AA02-DFA0A04FC94B}">
-              <ma14:wrappingTextBoxFlag xmlns:ma14="http://schemas.microsoft.com/office/mac/drawingml/2011/main" val="1"/>
-            </a:ext>
-          </a:extLst>
         </p:spPr>
         <p:txBody>
           <a:bodyPr lIns="45719" rIns="45719">
@@ -13306,12 +12661,11 @@
           </a:bodyPr>
           <a:lstStyle>
             <a:lvl1pPr>
-              <a:buFont typeface="Wingdings"/>
-              <a:defRPr b="1" sz="8600"/>
+              <a:buFont typeface="Wingdings" panose="05000000000000000000"/>
+              <a:defRPr sz="8600" b="1"/>
             </a:lvl1pPr>
           </a:lstStyle>
           <a:p>
-            <a:pPr/>
             <a:r>
               <a:t>Lucene</a:t>
             </a:r>
@@ -13335,11 +12689,6 @@
           <a:ln w="12700">
             <a:miter lim="400000"/>
           </a:ln>
-          <a:extLst>
-            <a:ext uri="{C572A759-6A51-4108-AA02-DFA0A04FC94B}">
-              <ma14:wrappingTextBoxFlag xmlns:ma14="http://schemas.microsoft.com/office/mac/drawingml/2011/main" val="1"/>
-            </a:ext>
-          </a:extLst>
         </p:spPr>
         <p:txBody>
           <a:bodyPr wrap="none" lIns="0" tIns="0" rIns="0" bIns="0">
@@ -13359,7 +12708,6 @@
             </a:lvl1pPr>
           </a:lstStyle>
           <a:p>
-            <a:pPr/>
             <a:r>
               <a:t>2、索引可能会失效</a:t>
             </a:r>
@@ -13383,11 +12731,6 @@
           <a:ln w="12700">
             <a:miter lim="400000"/>
           </a:ln>
-          <a:extLst>
-            <a:ext uri="{C572A759-6A51-4108-AA02-DFA0A04FC94B}">
-              <ma14:wrappingTextBoxFlag xmlns:ma14="http://schemas.microsoft.com/office/mac/drawingml/2011/main" val="1"/>
-            </a:ext>
-          </a:extLst>
         </p:spPr>
         <p:txBody>
           <a:bodyPr wrap="none" lIns="0" tIns="0" rIns="0" bIns="0">
@@ -13407,7 +12750,6 @@
             </a:lvl1pPr>
           </a:lstStyle>
           <a:p>
-            <a:pPr/>
             <a:r>
               <a:t>1、索引往往字段很长，如果使用B+trees，树可能很深，IO很可怕</a:t>
             </a:r>
@@ -13419,14 +12761,14 @@
   <p:clrMapOvr>
     <a:masterClrMapping/>
   </p:clrMapOvr>
-  <p:transition xmlns:p14="http://schemas.microsoft.com/office/powerpoint/2010/main" spd="med" advClick="1"/>
+  <p:transition spd="med"/>
   <p:timing>
     <p:tnLst>
       <p:par>
-        <p:cTn id="1" nodeType="tmRoot" restart="never" dur="indefinite" fill="hold">
+        <p:cTn id="1" dur="indefinite" restart="never" fill="hold" nodeType="tmRoot">
           <p:childTnLst>
-            <p:seq concurrent="1" prevAc="none" nextAc="seek">
-              <p:cTn id="2" nodeType="mainSeq" dur="indefinite" fill="hold">
+            <p:seq concurrent="1" nextAc="seek">
+              <p:cTn id="2" dur="indefinite" fill="hold" nodeType="mainSeq">
                 <p:childTnLst>
                   <p:par>
                     <p:cTn id="3" fill="hold">
@@ -13441,17 +12783,17 @@
                             </p:stCondLst>
                             <p:childTnLst>
                               <p:par>
-                                <p:cTn id="5" presetClass="entr" nodeType="clickEffect" presetSubtype="8" presetID="2" grpId="1" fill="hold">
+                                <p:cTn id="5" presetID="2" presetClass="entr" presetSubtype="8" fill="hold" grpId="1" nodeType="clickEffect">
                                   <p:stCondLst>
                                     <p:cond delay="0"/>
                                   </p:stCondLst>
-                                  <p:iterate type="lt" backwards="0">
+                                  <p:iterate type="lt">
                                     <p:tmAbs val="0"/>
                                   </p:iterate>
                                   <p:childTnLst>
                                     <p:set>
                                       <p:cBhvr>
-                                        <p:cTn id="6" fill="hold"/>
+                                        <p:cTn id="6" dur="indefinite" fill="hold"/>
                                         <p:tgtEl>
                                           <p:spTgt spid="163">
                                             <p:bg/>
@@ -13519,17 +12861,17 @@
                                 </p:cTn>
                               </p:par>
                               <p:par>
-                                <p:cTn id="9" presetClass="entr" nodeType="withEffect" presetSubtype="8" presetID="2" grpId="1" fill="hold">
+                                <p:cTn id="9" presetID="2" presetClass="entr" presetSubtype="8" fill="hold" grpId="1" nodeType="withEffect">
                                   <p:stCondLst>
                                     <p:cond delay="0"/>
                                   </p:stCondLst>
-                                  <p:iterate type="lt" backwards="0">
+                                  <p:iterate type="lt">
                                     <p:tmAbs val="0"/>
                                   </p:iterate>
                                   <p:childTnLst>
                                     <p:set>
                                       <p:cBhvr>
-                                        <p:cTn id="10" fill="hold"/>
+                                        <p:cTn id="10" dur="indefinite" fill="hold"/>
                                         <p:tgtEl>
                                           <p:spTgt spid="163">
                                             <p:txEl>
@@ -13621,17 +12963,17 @@
                             </p:stCondLst>
                             <p:childTnLst>
                               <p:par>
-                                <p:cTn id="15" presetClass="entr" nodeType="clickEffect" presetSubtype="8" presetID="2" grpId="2" fill="hold">
+                                <p:cTn id="15" presetID="2" presetClass="entr" presetSubtype="8" fill="hold" grpId="2" nodeType="clickEffect">
                                   <p:stCondLst>
                                     <p:cond delay="0"/>
                                   </p:stCondLst>
-                                  <p:iterate type="lt" backwards="0">
+                                  <p:iterate type="lt">
                                     <p:tmAbs val="0"/>
                                   </p:iterate>
                                   <p:childTnLst>
                                     <p:set>
                                       <p:cBhvr>
-                                        <p:cTn id="16" fill="hold"/>
+                                        <p:cTn id="16" dur="indefinite" fill="hold"/>
                                         <p:tgtEl>
                                           <p:spTgt spid="167">
                                             <p:bg/>
@@ -13699,17 +13041,17 @@
                                 </p:cTn>
                               </p:par>
                               <p:par>
-                                <p:cTn id="19" presetClass="entr" nodeType="withEffect" presetSubtype="8" presetID="2" grpId="2" fill="hold">
+                                <p:cTn id="19" presetID="2" presetClass="entr" presetSubtype="8" fill="hold" grpId="2" nodeType="withEffect">
                                   <p:stCondLst>
                                     <p:cond delay="0"/>
                                   </p:stCondLst>
-                                  <p:iterate type="lt" backwards="0">
+                                  <p:iterate type="lt">
                                     <p:tmAbs val="0"/>
                                   </p:iterate>
                                   <p:childTnLst>
                                     <p:set>
                                       <p:cBhvr>
-                                        <p:cTn id="20" fill="hold"/>
+                                        <p:cTn id="20" dur="indefinite" fill="hold"/>
                                         <p:tgtEl>
                                           <p:spTgt spid="167">
                                             <p:txEl>
@@ -13801,17 +13143,17 @@
                             </p:stCondLst>
                             <p:childTnLst>
                               <p:par>
-                                <p:cTn id="25" presetClass="entr" nodeType="clickEffect" presetSubtype="8" presetID="2" grpId="3" fill="hold">
+                                <p:cTn id="25" presetID="2" presetClass="entr" presetSubtype="8" fill="hold" grpId="3" nodeType="clickEffect">
                                   <p:stCondLst>
                                     <p:cond delay="0"/>
                                   </p:stCondLst>
-                                  <p:iterate type="lt" backwards="0">
+                                  <p:iterate type="lt">
                                     <p:tmAbs val="0"/>
                                   </p:iterate>
                                   <p:childTnLst>
                                     <p:set>
                                       <p:cBhvr>
-                                        <p:cTn id="26" fill="hold"/>
+                                        <p:cTn id="26" dur="indefinite" fill="hold"/>
                                         <p:tgtEl>
                                           <p:spTgt spid="166">
                                             <p:bg/>
@@ -13879,17 +13221,17 @@
                                 </p:cTn>
                               </p:par>
                               <p:par>
-                                <p:cTn id="29" presetClass="entr" nodeType="withEffect" presetSubtype="8" presetID="2" grpId="3" fill="hold">
+                                <p:cTn id="29" presetID="2" presetClass="entr" presetSubtype="8" fill="hold" grpId="3" nodeType="withEffect">
                                   <p:stCondLst>
                                     <p:cond delay="0"/>
                                   </p:stCondLst>
-                                  <p:iterate type="lt" backwards="0">
+                                  <p:iterate type="lt">
                                     <p:tmAbs val="0"/>
                                   </p:iterate>
                                   <p:childTnLst>
                                     <p:set>
                                       <p:cBhvr>
-                                        <p:cTn id="30" fill="hold"/>
+                                        <p:cTn id="30" dur="indefinite" fill="hold"/>
                                         <p:tgtEl>
                                           <p:spTgt spid="166">
                                             <p:txEl>
@@ -13981,17 +13323,17 @@
                             </p:stCondLst>
                             <p:childTnLst>
                               <p:par>
-                                <p:cTn id="35" presetClass="entr" nodeType="clickEffect" presetSubtype="8" presetID="2" grpId="4" fill="hold">
+                                <p:cTn id="35" presetID="2" presetClass="entr" presetSubtype="8" fill="hold" grpId="4" nodeType="clickEffect">
                                   <p:stCondLst>
                                     <p:cond delay="0"/>
                                   </p:stCondLst>
-                                  <p:iterate type="lt" backwards="0">
+                                  <p:iterate type="lt">
                                     <p:tmAbs val="0"/>
                                   </p:iterate>
                                   <p:childTnLst>
                                     <p:set>
                                       <p:cBhvr>
-                                        <p:cTn id="36" fill="hold"/>
+                                        <p:cTn id="36" dur="indefinite" fill="hold"/>
                                         <p:tgtEl>
                                           <p:spTgt spid="164">
                                             <p:bg/>
@@ -14059,17 +13401,17 @@
                                 </p:cTn>
                               </p:par>
                               <p:par>
-                                <p:cTn id="39" presetClass="entr" nodeType="withEffect" presetSubtype="8" presetID="2" grpId="4" fill="hold">
+                                <p:cTn id="39" presetID="2" presetClass="entr" presetSubtype="8" fill="hold" grpId="4" nodeType="withEffect">
                                   <p:stCondLst>
                                     <p:cond delay="0"/>
                                   </p:stCondLst>
-                                  <p:iterate type="lt" backwards="0">
+                                  <p:iterate type="lt">
                                     <p:tmAbs val="0"/>
                                   </p:iterate>
                                   <p:childTnLst>
                                     <p:set>
                                       <p:cBhvr>
-                                        <p:cTn id="40" fill="hold"/>
+                                        <p:cTn id="40" dur="indefinite" fill="hold"/>
                                         <p:tgtEl>
                                           <p:spTgt spid="164">
                                             <p:txEl>
@@ -14161,11 +13503,11 @@
                             </p:stCondLst>
                             <p:childTnLst>
                               <p:par>
-                                <p:cTn id="45" presetClass="exit" nodeType="clickEffect" presetSubtype="2" presetID="2" grpId="5" fill="hold">
+                                <p:cTn id="45" presetID="2" presetClass="exit" presetSubtype="2" fill="hold" grpId="5" nodeType="clickEffect">
                                   <p:stCondLst>
                                     <p:cond delay="0"/>
                                   </p:stCondLst>
-                                  <p:iterate type="el" backwards="0">
+                                  <p:iterate type="el">
                                     <p:tmAbs val="0"/>
                                   </p:iterate>
                                   <p:childTnLst>
@@ -14225,7 +13567,7 @@
                                     </p:anim>
                                     <p:set>
                                       <p:cBhvr>
-                                        <p:cTn id="48" fill="hold">
+                                        <p:cTn id="48" dur="indefinite" fill="hold">
                                           <p:stCondLst>
                                             <p:cond delay="199"/>
                                           </p:stCondLst>
@@ -14249,11 +13591,11 @@
                                 </p:cTn>
                               </p:par>
                               <p:par>
-                                <p:cTn id="49" presetClass="exit" nodeType="withEffect" presetSubtype="2" presetID="2" grpId="5" fill="hold">
+                                <p:cTn id="49" presetID="2" presetClass="exit" presetSubtype="2" fill="hold" grpId="5" nodeType="withEffect">
                                   <p:stCondLst>
                                     <p:cond delay="0"/>
                                   </p:stCondLst>
-                                  <p:iterate type="el" backwards="0">
+                                  <p:iterate type="el">
                                     <p:tmAbs val="0"/>
                                   </p:iterate>
                                   <p:childTnLst>
@@ -14309,7 +13651,7 @@
                                     </p:anim>
                                     <p:set>
                                       <p:cBhvr>
-                                        <p:cTn id="52" fill="hold">
+                                        <p:cTn id="52" dur="indefinite" fill="hold">
                                           <p:stCondLst>
                                             <p:cond delay="199"/>
                                           </p:stCondLst>
@@ -14349,11 +13691,11 @@
                             </p:stCondLst>
                             <p:childTnLst>
                               <p:par>
-                                <p:cTn id="55" presetClass="exit" nodeType="clickEffect" presetSubtype="2" presetID="2" grpId="6" fill="hold">
+                                <p:cTn id="55" presetID="2" presetClass="exit" presetSubtype="2" fill="hold" grpId="6" nodeType="clickEffect">
                                   <p:stCondLst>
                                     <p:cond delay="0"/>
                                   </p:stCondLst>
-                                  <p:iterate type="el" backwards="0">
+                                  <p:iterate type="el">
                                     <p:tmAbs val="0"/>
                                   </p:iterate>
                                   <p:childTnLst>
@@ -14413,7 +13755,7 @@
                                     </p:anim>
                                     <p:set>
                                       <p:cBhvr>
-                                        <p:cTn id="58" fill="hold">
+                                        <p:cTn id="58" dur="indefinite" fill="hold">
                                           <p:stCondLst>
                                             <p:cond delay="199"/>
                                           </p:stCondLst>
@@ -14437,11 +13779,11 @@
                                 </p:cTn>
                               </p:par>
                               <p:par>
-                                <p:cTn id="59" presetClass="exit" nodeType="withEffect" presetSubtype="2" presetID="2" grpId="6" fill="hold">
+                                <p:cTn id="59" presetID="2" presetClass="exit" presetSubtype="2" fill="hold" grpId="6" nodeType="withEffect">
                                   <p:stCondLst>
                                     <p:cond delay="0"/>
                                   </p:stCondLst>
-                                  <p:iterate type="el" backwards="0">
+                                  <p:iterate type="el">
                                     <p:tmAbs val="0"/>
                                   </p:iterate>
                                   <p:childTnLst>
@@ -14497,7 +13839,7 @@
                                     </p:anim>
                                     <p:set>
                                       <p:cBhvr>
-                                        <p:cTn id="62" fill="hold">
+                                        <p:cTn id="62" dur="indefinite" fill="hold">
                                           <p:stCondLst>
                                             <p:cond delay="199"/>
                                           </p:stCondLst>
@@ -14537,11 +13879,11 @@
                             </p:stCondLst>
                             <p:childTnLst>
                               <p:par>
-                                <p:cTn id="65" presetClass="exit" nodeType="clickEffect" presetSubtype="2" presetID="2" grpId="7" fill="hold">
+                                <p:cTn id="65" presetID="2" presetClass="exit" presetSubtype="2" fill="hold" grpId="7" nodeType="clickEffect">
                                   <p:stCondLst>
                                     <p:cond delay="0"/>
                                   </p:stCondLst>
-                                  <p:iterate type="el" backwards="0">
+                                  <p:iterate type="el">
                                     <p:tmAbs val="0"/>
                                   </p:iterate>
                                   <p:childTnLst>
@@ -14601,7 +13943,7 @@
                                     </p:anim>
                                     <p:set>
                                       <p:cBhvr>
-                                        <p:cTn id="68" fill="hold">
+                                        <p:cTn id="68" dur="indefinite" fill="hold">
                                           <p:stCondLst>
                                             <p:cond delay="199"/>
                                           </p:stCondLst>
@@ -14625,11 +13967,11 @@
                                 </p:cTn>
                               </p:par>
                               <p:par>
-                                <p:cTn id="69" presetClass="exit" nodeType="withEffect" presetSubtype="2" presetID="2" grpId="7" fill="hold">
+                                <p:cTn id="69" presetID="2" presetClass="exit" presetSubtype="2" fill="hold" grpId="7" nodeType="withEffect">
                                   <p:stCondLst>
                                     <p:cond delay="0"/>
                                   </p:stCondLst>
-                                  <p:iterate type="el" backwards="0">
+                                  <p:iterate type="el">
                                     <p:tmAbs val="0"/>
                                   </p:iterate>
                                   <p:childTnLst>
@@ -14685,7 +14027,7 @@
                                     </p:anim>
                                     <p:set>
                                       <p:cBhvr>
-                                        <p:cTn id="72" fill="hold">
+                                        <p:cTn id="72" dur="indefinite" fill="hold">
                                           <p:stCondLst>
                                             <p:cond delay="199"/>
                                           </p:stCondLst>
@@ -14725,11 +14067,11 @@
                             </p:stCondLst>
                             <p:childTnLst>
                               <p:par>
-                                <p:cTn id="75" presetClass="exit" nodeType="clickEffect" presetSubtype="2" presetID="2" grpId="8" fill="hold">
+                                <p:cTn id="75" presetID="2" presetClass="exit" presetSubtype="2" fill="hold" grpId="8" nodeType="clickEffect">
                                   <p:stCondLst>
                                     <p:cond delay="0"/>
                                   </p:stCondLst>
-                                  <p:iterate type="el" backwards="0">
+                                  <p:iterate type="el">
                                     <p:tmAbs val="0"/>
                                   </p:iterate>
                                   <p:childTnLst>
@@ -14789,7 +14131,7 @@
                                     </p:anim>
                                     <p:set>
                                       <p:cBhvr>
-                                        <p:cTn id="78" fill="hold">
+                                        <p:cTn id="78" dur="indefinite" fill="hold">
                                           <p:stCondLst>
                                             <p:cond delay="199"/>
                                           </p:stCondLst>
@@ -14813,11 +14155,11 @@
                                 </p:cTn>
                               </p:par>
                               <p:par>
-                                <p:cTn id="79" presetClass="exit" nodeType="withEffect" presetSubtype="2" presetID="2" grpId="8" fill="hold">
+                                <p:cTn id="79" presetID="2" presetClass="exit" presetSubtype="2" fill="hold" grpId="8" nodeType="withEffect">
                                   <p:stCondLst>
                                     <p:cond delay="0"/>
                                   </p:stCondLst>
-                                  <p:iterate type="el" backwards="0">
+                                  <p:iterate type="el">
                                     <p:tmAbs val="0"/>
                                   </p:iterate>
                                   <p:childTnLst>
@@ -14873,7 +14215,7 @@
                                     </p:anim>
                                     <p:set>
                                       <p:cBhvr>
-                                        <p:cTn id="82" fill="hold">
+                                        <p:cTn id="82" dur="indefinite" fill="hold">
                                           <p:stCondLst>
                                             <p:cond delay="199"/>
                                           </p:stCondLst>
@@ -14913,17 +14255,17 @@
                             </p:stCondLst>
                             <p:childTnLst>
                               <p:par>
-                                <p:cTn id="85" presetClass="entr" nodeType="clickEffect" presetSubtype="1" presetID="2" grpId="9" fill="hold">
+                                <p:cTn id="85" presetID="2" presetClass="entr" presetSubtype="1" fill="hold" grpId="9" nodeType="clickEffect">
                                   <p:stCondLst>
                                     <p:cond delay="0"/>
                                   </p:stCondLst>
-                                  <p:iterate type="el" backwards="0">
+                                  <p:iterate type="el">
                                     <p:tmAbs val="0"/>
                                   </p:iterate>
                                   <p:childTnLst>
                                     <p:set>
                                       <p:cBhvr>
-                                        <p:cTn id="86" fill="hold"/>
+                                        <p:cTn id="86" dur="indefinite" fill="hold"/>
                                         <p:tgtEl>
                                           <p:spTgt spid="165"/>
                                         </p:tgtEl>
@@ -15012,22 +14354,22 @@
       </p:par>
     </p:tnLst>
     <p:bldLst>
-      <p:bldP build="p" bldLvl="5" animBg="1" rev="0" advAuto="0" spid="163" grpId="1"/>
-      <p:bldP build="p" bldLvl="5" animBg="1" rev="0" advAuto="0" spid="167" grpId="6"/>
-      <p:bldP build="whole" bldLvl="1" animBg="1" rev="0" advAuto="0" spid="165" grpId="9"/>
-      <p:bldP build="p" bldLvl="5" animBg="1" rev="0" advAuto="0" spid="163" grpId="5"/>
-      <p:bldP build="p" bldLvl="5" animBg="1" rev="0" advAuto="0" spid="166" grpId="3"/>
-      <p:bldP build="p" bldLvl="5" animBg="1" rev="0" advAuto="0" spid="164" grpId="4"/>
-      <p:bldP build="p" bldLvl="5" animBg="1" rev="0" advAuto="0" spid="166" grpId="7"/>
-      <p:bldP build="p" bldLvl="5" animBg="1" rev="0" advAuto="0" spid="167" grpId="2"/>
-      <p:bldP build="p" bldLvl="5" animBg="1" rev="0" advAuto="0" spid="164" grpId="8"/>
+      <p:bldP spid="163" grpId="1" bldLvl="5" animBg="1" advAuto="0" build="p"/>
+      <p:bldP spid="167" grpId="6" bldLvl="5" animBg="1" advAuto="0" build="p"/>
+      <p:bldP spid="165" grpId="9" animBg="1" advAuto="0"/>
+      <p:bldP spid="163" grpId="5" bldLvl="5" animBg="1" advAuto="0" build="p"/>
+      <p:bldP spid="166" grpId="3" bldLvl="5" animBg="1" advAuto="0" build="p"/>
+      <p:bldP spid="164" grpId="4" bldLvl="5" animBg="1" advAuto="0" build="p"/>
+      <p:bldP spid="166" grpId="7" bldLvl="5" animBg="1" advAuto="0" build="p"/>
+      <p:bldP spid="167" grpId="2" bldLvl="5" animBg="1" advAuto="0" build="p"/>
+      <p:bldP spid="164" grpId="8" bldLvl="5" animBg="1" advAuto="0" build="p"/>
     </p:bldLst>
   </p:timing>
 </p:sld>
 </file>
 
 <file path=ppt/slides/slide9.xml><?xml version="1.0" encoding="utf-8"?>
-<p:sld xmlns:a="http://schemas.openxmlformats.org/drawingml/2006/main" xmlns:r="http://schemas.openxmlformats.org/officeDocument/2006/relationships" xmlns:p="http://schemas.openxmlformats.org/presentationml/2006/main" xmlns:m="http://schemas.openxmlformats.org/officeDocument/2006/math" xmlns:a14="http://schemas.microsoft.com/office/drawing/2010/main" showMasterSp="1" showMasterPhAnim="1">
+<p:sld xmlns:a="http://schemas.openxmlformats.org/drawingml/2006/main" xmlns:r="http://schemas.openxmlformats.org/officeDocument/2006/relationships" xmlns:p="http://schemas.openxmlformats.org/presentationml/2006/main">
   <p:cSld>
     <p:spTree>
       <p:nvGrpSpPr>
@@ -15060,11 +14402,6 @@
           <a:ln w="12700">
             <a:miter lim="400000"/>
           </a:ln>
-          <a:extLst>
-            <a:ext uri="{C572A759-6A51-4108-AA02-DFA0A04FC94B}">
-              <ma14:wrappingTextBoxFlag xmlns:ma14="http://schemas.microsoft.com/office/mac/drawingml/2011/main" val="1"/>
-            </a:ext>
-          </a:extLst>
         </p:spPr>
         <p:txBody>
           <a:bodyPr lIns="45719" rIns="45719">
@@ -15072,7 +14409,7 @@
           </a:bodyPr>
           <a:lstStyle>
             <a:lvl1pPr algn="ctr">
-              <a:defRPr b="1" sz="1400">
+              <a:defRPr sz="1400" b="1">
                 <a:solidFill>
                   <a:srgbClr val="888888"/>
                 </a:solidFill>
@@ -15080,7 +14417,6 @@
             </a:lvl1pPr>
           </a:lstStyle>
           <a:p>
-            <a:pPr/>
             <a:r>
               <a:t>http://www.mashibing.com</a:t>
             </a:r>
@@ -15096,9 +14432,7 @@
           <p:nvPr/>
         </p:nvPicPr>
         <p:blipFill>
-          <a:blip r:embed="rId2">
-            <a:extLst/>
-          </a:blip>
+          <a:blip r:embed="rId1"/>
           <a:stretch>
             <a:fillRect/>
           </a:stretch>
@@ -15113,6 +14447,8 @@
           </a:prstGeom>
           <a:ln w="12700">
             <a:miter lim="400000"/>
+            <a:headEnd/>
+            <a:tailEnd/>
           </a:ln>
         </p:spPr>
       </p:pic>
@@ -15132,11 +14468,6 @@
           <a:prstGeom prst="rect">
             <a:avLst/>
           </a:prstGeom>
-          <a:extLst>
-            <a:ext uri="{C572A759-6A51-4108-AA02-DFA0A04FC94B}">
-              <ma14:wrappingTextBoxFlag xmlns:ma14="http://schemas.microsoft.com/office/mac/drawingml/2011/main" val="1"/>
-            </a:ext>
-          </a:extLst>
         </p:spPr>
         <p:txBody>
           <a:bodyPr/>
@@ -15150,8 +14481,10 @@
             </a:lvl1pPr>
           </a:lstStyle>
           <a:p>
-            <a:pPr/>
-            <a:fld id="{86CB4B4D-7CA3-9044-876B-883B54F8677D}" type="slidenum"/>
+            <a:fld id="{86CB4B4D-7CA3-9044-876B-883B54F8677D}" type="slidenum">
+              <a:rPr/>
+            </a:fld>
+            <a:endParaRPr/>
           </a:p>
         </p:txBody>
       </p:sp>
@@ -15172,11 +14505,6 @@
           <a:ln w="12700">
             <a:miter lim="400000"/>
           </a:ln>
-          <a:extLst>
-            <a:ext uri="{C572A759-6A51-4108-AA02-DFA0A04FC94B}">
-              <ma14:wrappingTextBoxFlag xmlns:ma14="http://schemas.microsoft.com/office/mac/drawingml/2011/main" val="1"/>
-            </a:ext>
-          </a:extLst>
         </p:spPr>
         <p:txBody>
           <a:bodyPr lIns="45719" rIns="45719">
@@ -15184,12 +14512,11 @@
           </a:bodyPr>
           <a:lstStyle>
             <a:lvl1pPr>
-              <a:buFont typeface="Wingdings"/>
+              <a:buFont typeface="Wingdings" panose="05000000000000000000"/>
               <a:defRPr b="1"/>
             </a:lvl1pPr>
           </a:lstStyle>
           <a:p>
-            <a:pPr/>
             <a:r>
               <a:t>Lucene简介</a:t>
             </a:r>
@@ -15213,11 +14540,6 @@
           <a:ln w="12700">
             <a:miter lim="400000"/>
           </a:ln>
-          <a:extLst>
-            <a:ext uri="{C572A759-6A51-4108-AA02-DFA0A04FC94B}">
-              <ma14:wrappingTextBoxFlag xmlns:ma14="http://schemas.microsoft.com/office/mac/drawingml/2011/main" val="1"/>
-            </a:ext>
-          </a:extLst>
         </p:spPr>
         <p:txBody>
           <a:bodyPr lIns="45719" rIns="45719">
@@ -15231,7 +14553,6 @@
             </a:lvl1pPr>
           </a:lstStyle>
           <a:p>
-            <a:pPr/>
             <a:r>
               <a:t>Lucene是一个成熟的全文检索库，由Java语言编写，具有高性能、可伸缩的特点，并且开源、免费。</a:t>
             </a:r>
@@ -15255,11 +14576,6 @@
           <a:ln w="12700">
             <a:miter lim="400000"/>
           </a:ln>
-          <a:extLst>
-            <a:ext uri="{C572A759-6A51-4108-AA02-DFA0A04FC94B}">
-              <ma14:wrappingTextBoxFlag xmlns:ma14="http://schemas.microsoft.com/office/mac/drawingml/2011/main" val="1"/>
-            </a:ext>
-          </a:extLst>
         </p:spPr>
         <p:txBody>
           <a:bodyPr lIns="45719" rIns="45719">
@@ -15273,7 +14589,6 @@
             </a:lvl1pPr>
           </a:lstStyle>
           <a:p>
-            <a:pPr/>
             <a:r>
               <a:t>Lucene的作者Doug Cutting是资深的的全文检索专家，Lucene最开始发布在他本人的主页上，2001年10月贡献给Apache，成为Apache基金会的一个子项目。</a:t>
             </a:r>
@@ -15289,9 +14604,7 @@
           <p:nvPr/>
         </p:nvPicPr>
         <p:blipFill>
-          <a:blip r:embed="rId3">
-            <a:extLst/>
-          </a:blip>
+          <a:blip r:embed="rId2"/>
           <a:stretch>
             <a:fillRect/>
           </a:stretch>
@@ -15306,6 +14619,8 @@
           </a:prstGeom>
           <a:ln w="12700">
             <a:miter lim="400000"/>
+            <a:headEnd/>
+            <a:tailEnd/>
           </a:ln>
         </p:spPr>
       </p:pic>
@@ -15326,11 +14641,6 @@
           <a:ln w="12700">
             <a:miter lim="400000"/>
           </a:ln>
-          <a:extLst>
-            <a:ext uri="{C572A759-6A51-4108-AA02-DFA0A04FC94B}">
-              <ma14:wrappingTextBoxFlag xmlns:ma14="http://schemas.microsoft.com/office/mac/drawingml/2011/main" val="1"/>
-            </a:ext>
-          </a:extLst>
         </p:spPr>
         <p:txBody>
           <a:bodyPr lIns="45719" rIns="45719">
@@ -15353,7 +14663,6 @@
             </a:lvl1pPr>
           </a:lstStyle>
           <a:p>
-            <a:pPr/>
             <a:r>
               <a:t>Doug Cutting</a:t>
             </a:r>
@@ -15377,11 +14686,6 @@
           <a:ln w="12700">
             <a:miter lim="400000"/>
           </a:ln>
-          <a:extLst>
-            <a:ext uri="{C572A759-6A51-4108-AA02-DFA0A04FC94B}">
-              <ma14:wrappingTextBoxFlag xmlns:ma14="http://schemas.microsoft.com/office/mac/drawingml/2011/main" val="1"/>
-            </a:ext>
-          </a:extLst>
         </p:spPr>
         <p:txBody>
           <a:bodyPr wrap="none" lIns="0" tIns="0" rIns="0" bIns="0">
@@ -15404,7 +14708,6 @@
             </a:lvl1pPr>
           </a:lstStyle>
           <a:p>
-            <a:pPr/>
             <a:r>
               <a:t>Lucene之父</a:t>
             </a:r>
@@ -15428,11 +14731,6 @@
           <a:ln w="12700">
             <a:miter lim="400000"/>
           </a:ln>
-          <a:extLst>
-            <a:ext uri="{C572A759-6A51-4108-AA02-DFA0A04FC94B}">
-              <ma14:wrappingTextBoxFlag xmlns:ma14="http://schemas.microsoft.com/office/mac/drawingml/2011/main" val="1"/>
-            </a:ext>
-          </a:extLst>
         </p:spPr>
         <p:txBody>
           <a:bodyPr lIns="45719" rIns="45719">
@@ -15446,7 +14744,6 @@
             </a:lvl1pPr>
           </a:lstStyle>
           <a:p>
-            <a:pPr/>
             <a:r>
               <a:t>Lucene是一个IR库（Information Retrieval library）。后来才由Shay Banon在其基础上开发了Elasticsearch </a:t>
             </a:r>
@@ -15458,12 +14755,18 @@
   <p:clrMapOvr>
     <a:masterClrMapping/>
   </p:clrMapOvr>
-  <p:transition xmlns:p14="http://schemas.microsoft.com/office/powerpoint/2010/main" spd="med" advClick="1"/>
+  <p:transition spd="med"/>
 </p:sld>
 </file>
 
+<file path=ppt/tags/tag1.xml><?xml version="1.0" encoding="utf-8"?>
+<p:tagLst xmlns:p="http://schemas.openxmlformats.org/presentationml/2006/main">
+  <p:tag name="commondata" val="eyJoZGlkIjoiYWM4MWZhMDY4ZjA4ZTkzMTY1YzhhN2QzOGMyOWI1OGQifQ=="/>
+</p:tagLst>
+</file>
+
 <file path=ppt/theme/theme1.xml><?xml version="1.0" encoding="utf-8"?>
-<a:theme xmlns:a="http://schemas.openxmlformats.org/drawingml/2006/main" xmlns:r="http://schemas.openxmlformats.org/officeDocument/2006/relationships" name="默认设计模板">
+<a:theme xmlns:a="http://schemas.openxmlformats.org/drawingml/2006/main" name="默认设计模板">
   <a:themeElements>
     <a:clrScheme name="默认设计模板">
       <a:dk1>
@@ -15664,8 +14967,6 @@
           <a:prstDash val="solid"/>
           <a:miter lim="800000"/>
         </a:ln>
-        <a:effectLst/>
-        <a:sp3d/>
       </a:spPr>
       <a:bodyPr rot="0" spcFirstLastPara="1" vertOverflow="overflow" horzOverflow="overflow" vert="horz" wrap="square" lIns="0" tIns="0" rIns="0" bIns="0" numCol="1" spcCol="38100" rtlCol="0" anchor="t" upright="0">
         <a:spAutoFit/>
@@ -15685,8 +14986,7 @@
           <a:buSzTx/>
           <a:buFontTx/>
           <a:buNone/>
-          <a:tabLst/>
-          <a:defRPr b="0" baseline="0" cap="none" i="0" spc="0" strike="noStrike" sz="1800" u="none" kumimoji="0" normalizeH="0">
+          <a:defRPr kumimoji="0" sz="1800" b="0" i="0" u="none" strike="noStrike" cap="none" spc="0" normalizeH="0" baseline="0">
             <a:ln>
               <a:noFill/>
             </a:ln>
@@ -15695,10 +14995,10 @@
             </a:solidFill>
             <a:effectLst/>
             <a:uFillTx/>
-            <a:latin typeface="Arial"/>
-            <a:ea typeface="Arial"/>
-            <a:cs typeface="Arial"/>
-            <a:sym typeface="Arial"/>
+            <a:latin typeface="Arial" panose="020B0604020202020204"/>
+            <a:ea typeface="Arial" panose="020B0604020202020204"/>
+            <a:cs typeface="Arial" panose="020B0604020202020204"/>
+            <a:sym typeface="Arial" panose="020B0604020202020204"/>
           </a:defRPr>
         </a:defPPr>
         <a:lvl1pPr marL="0" marR="0" indent="0" algn="l" defTabSz="914400" rtl="0" fontAlgn="auto" latinLnBrk="1" hangingPunct="0">
@@ -15715,8 +15015,7 @@
           <a:buSzTx/>
           <a:buFontTx/>
           <a:buNone/>
-          <a:tabLst/>
-          <a:defRPr b="0" baseline="0" cap="none" i="0" spc="0" strike="noStrike" sz="1800" u="none" kumimoji="0" normalizeH="0">
+          <a:defRPr kumimoji="0" sz="1800" b="0" i="0" u="none" strike="noStrike" cap="none" spc="0" normalizeH="0" baseline="0">
             <a:ln>
               <a:noFill/>
             </a:ln>
@@ -15741,8 +15040,7 @@
           <a:buSzTx/>
           <a:buFontTx/>
           <a:buNone/>
-          <a:tabLst/>
-          <a:defRPr b="0" baseline="0" cap="none" i="0" spc="0" strike="noStrike" sz="1800" u="none" kumimoji="0" normalizeH="0">
+          <a:defRPr kumimoji="0" sz="1800" b="0" i="0" u="none" strike="noStrike" cap="none" spc="0" normalizeH="0" baseline="0">
             <a:ln>
               <a:noFill/>
             </a:ln>
@@ -15767,8 +15065,7 @@
           <a:buSzTx/>
           <a:buFontTx/>
           <a:buNone/>
-          <a:tabLst/>
-          <a:defRPr b="0" baseline="0" cap="none" i="0" spc="0" strike="noStrike" sz="1800" u="none" kumimoji="0" normalizeH="0">
+          <a:defRPr kumimoji="0" sz="1800" b="0" i="0" u="none" strike="noStrike" cap="none" spc="0" normalizeH="0" baseline="0">
             <a:ln>
               <a:noFill/>
             </a:ln>
@@ -15793,8 +15090,7 @@
           <a:buSzTx/>
           <a:buFontTx/>
           <a:buNone/>
-          <a:tabLst/>
-          <a:defRPr b="0" baseline="0" cap="none" i="0" spc="0" strike="noStrike" sz="1800" u="none" kumimoji="0" normalizeH="0">
+          <a:defRPr kumimoji="0" sz="1800" b="0" i="0" u="none" strike="noStrike" cap="none" spc="0" normalizeH="0" baseline="0">
             <a:ln>
               <a:noFill/>
             </a:ln>
@@ -15819,8 +15115,7 @@
           <a:buSzTx/>
           <a:buFontTx/>
           <a:buNone/>
-          <a:tabLst/>
-          <a:defRPr b="0" baseline="0" cap="none" i="0" spc="0" strike="noStrike" sz="1800" u="none" kumimoji="0" normalizeH="0">
+          <a:defRPr kumimoji="0" sz="1800" b="0" i="0" u="none" strike="noStrike" cap="none" spc="0" normalizeH="0" baseline="0">
             <a:ln>
               <a:noFill/>
             </a:ln>
@@ -15845,8 +15140,7 @@
           <a:buSzTx/>
           <a:buFontTx/>
           <a:buNone/>
-          <a:tabLst/>
-          <a:defRPr b="0" baseline="0" cap="none" i="0" spc="0" strike="noStrike" sz="1800" u="none" kumimoji="0" normalizeH="0">
+          <a:defRPr kumimoji="0" sz="1800" b="0" i="0" u="none" strike="noStrike" cap="none" spc="0" normalizeH="0" baseline="0">
             <a:ln>
               <a:noFill/>
             </a:ln>
@@ -15871,8 +15165,7 @@
           <a:buSzTx/>
           <a:buFontTx/>
           <a:buNone/>
-          <a:tabLst/>
-          <a:defRPr b="0" baseline="0" cap="none" i="0" spc="0" strike="noStrike" sz="1800" u="none" kumimoji="0" normalizeH="0">
+          <a:defRPr kumimoji="0" sz="1800" b="0" i="0" u="none" strike="noStrike" cap="none" spc="0" normalizeH="0" baseline="0">
             <a:ln>
               <a:noFill/>
             </a:ln>
@@ -15897,8 +15190,7 @@
           <a:buSzTx/>
           <a:buFontTx/>
           <a:buNone/>
-          <a:tabLst/>
-          <a:defRPr b="0" baseline="0" cap="none" i="0" spc="0" strike="noStrike" sz="1800" u="none" kumimoji="0" normalizeH="0">
+          <a:defRPr kumimoji="0" sz="1800" b="0" i="0" u="none" strike="noStrike" cap="none" spc="0" normalizeH="0" baseline="0">
             <a:ln>
               <a:noFill/>
             </a:ln>
@@ -15923,8 +15215,7 @@
           <a:buSzTx/>
           <a:buFontTx/>
           <a:buNone/>
-          <a:tabLst/>
-          <a:defRPr b="0" baseline="0" cap="none" i="0" spc="0" strike="noStrike" sz="1800" u="none" kumimoji="0" normalizeH="0">
+          <a:defRPr kumimoji="0" sz="1800" b="0" i="0" u="none" strike="noStrike" cap="none" spc="0" normalizeH="0" baseline="0">
             <a:ln>
               <a:noFill/>
             </a:ln>
@@ -15937,9 +15228,15 @@
         </a:lvl9pPr>
       </a:lstStyle>
       <a:style>
-        <a:lnRef idx="0"/>
-        <a:fillRef idx="0"/>
-        <a:effectRef idx="0"/>
+        <a:lnRef idx="0">
+          <a:srgbClr val="FFFFFF"/>
+        </a:lnRef>
+        <a:fillRef idx="0">
+          <a:srgbClr val="FFFFFF"/>
+        </a:fillRef>
+        <a:effectRef idx="0">
+          <a:srgbClr val="FFFFFF"/>
+        </a:effectRef>
         <a:fontRef idx="none"/>
       </a:style>
     </a:spDef>
@@ -15953,8 +15250,6 @@
           <a:prstDash val="solid"/>
           <a:miter lim="800000"/>
         </a:ln>
-        <a:effectLst/>
-        <a:sp3d/>
       </a:spPr>
       <a:bodyPr rot="0" spcFirstLastPara="1" vertOverflow="overflow" horzOverflow="overflow" vert="horz" wrap="square" lIns="91439" tIns="45719" rIns="91439" bIns="45719" numCol="1" spcCol="38100" rtlCol="0" anchor="t" upright="0">
         <a:noAutofit/>
@@ -15974,8 +15269,7 @@
           <a:buSzTx/>
           <a:buFontTx/>
           <a:buNone/>
-          <a:tabLst/>
-          <a:defRPr b="0" baseline="0" cap="none" i="0" spc="0" strike="noStrike" sz="1800" u="none" kumimoji="0" normalizeH="0">
+          <a:defRPr kumimoji="0" sz="1800" b="0" i="0" u="none" strike="noStrike" cap="none" spc="0" normalizeH="0" baseline="0">
             <a:ln>
               <a:noFill/>
             </a:ln>
@@ -16000,8 +15294,7 @@
           <a:buSzTx/>
           <a:buFontTx/>
           <a:buNone/>
-          <a:tabLst/>
-          <a:defRPr b="0" baseline="0" cap="none" i="0" spc="0" strike="noStrike" sz="1800" u="none" kumimoji="0" normalizeH="0">
+          <a:defRPr kumimoji="0" sz="1800" b="0" i="0" u="none" strike="noStrike" cap="none" spc="0" normalizeH="0" baseline="0">
             <a:ln>
               <a:noFill/>
             </a:ln>
@@ -16026,8 +15319,7 @@
           <a:buSzTx/>
           <a:buFontTx/>
           <a:buNone/>
-          <a:tabLst/>
-          <a:defRPr b="0" baseline="0" cap="none" i="0" spc="0" strike="noStrike" sz="1800" u="none" kumimoji="0" normalizeH="0">
+          <a:defRPr kumimoji="0" sz="1800" b="0" i="0" u="none" strike="noStrike" cap="none" spc="0" normalizeH="0" baseline="0">
             <a:ln>
               <a:noFill/>
             </a:ln>
@@ -16052,8 +15344,7 @@
           <a:buSzTx/>
           <a:buFontTx/>
           <a:buNone/>
-          <a:tabLst/>
-          <a:defRPr b="0" baseline="0" cap="none" i="0" spc="0" strike="noStrike" sz="1800" u="none" kumimoji="0" normalizeH="0">
+          <a:defRPr kumimoji="0" sz="1800" b="0" i="0" u="none" strike="noStrike" cap="none" spc="0" normalizeH="0" baseline="0">
             <a:ln>
               <a:noFill/>
             </a:ln>
@@ -16078,8 +15369,7 @@
           <a:buSzTx/>
           <a:buFontTx/>
           <a:buNone/>
-          <a:tabLst/>
-          <a:defRPr b="0" baseline="0" cap="none" i="0" spc="0" strike="noStrike" sz="1800" u="none" kumimoji="0" normalizeH="0">
+          <a:defRPr kumimoji="0" sz="1800" b="0" i="0" u="none" strike="noStrike" cap="none" spc="0" normalizeH="0" baseline="0">
             <a:ln>
               <a:noFill/>
             </a:ln>
@@ -16104,8 +15394,7 @@
           <a:buSzTx/>
           <a:buFontTx/>
           <a:buNone/>
-          <a:tabLst/>
-          <a:defRPr b="0" baseline="0" cap="none" i="0" spc="0" strike="noStrike" sz="1800" u="none" kumimoji="0" normalizeH="0">
+          <a:defRPr kumimoji="0" sz="1800" b="0" i="0" u="none" strike="noStrike" cap="none" spc="0" normalizeH="0" baseline="0">
             <a:ln>
               <a:noFill/>
             </a:ln>
@@ -16130,8 +15419,7 @@
           <a:buSzTx/>
           <a:buFontTx/>
           <a:buNone/>
-          <a:tabLst/>
-          <a:defRPr b="0" baseline="0" cap="none" i="0" spc="0" strike="noStrike" sz="1800" u="none" kumimoji="0" normalizeH="0">
+          <a:defRPr kumimoji="0" sz="1800" b="0" i="0" u="none" strike="noStrike" cap="none" spc="0" normalizeH="0" baseline="0">
             <a:ln>
               <a:noFill/>
             </a:ln>
@@ -16156,8 +15444,7 @@
           <a:buSzTx/>
           <a:buFontTx/>
           <a:buNone/>
-          <a:tabLst/>
-          <a:defRPr b="0" baseline="0" cap="none" i="0" spc="0" strike="noStrike" sz="1800" u="none" kumimoji="0" normalizeH="0">
+          <a:defRPr kumimoji="0" sz="1800" b="0" i="0" u="none" strike="noStrike" cap="none" spc="0" normalizeH="0" baseline="0">
             <a:ln>
               <a:noFill/>
             </a:ln>
@@ -16182,8 +15469,7 @@
           <a:buSzTx/>
           <a:buFontTx/>
           <a:buNone/>
-          <a:tabLst/>
-          <a:defRPr b="0" baseline="0" cap="none" i="0" spc="0" strike="noStrike" sz="1800" u="none" kumimoji="0" normalizeH="0">
+          <a:defRPr kumimoji="0" sz="1800" b="0" i="0" u="none" strike="noStrike" cap="none" spc="0" normalizeH="0" baseline="0">
             <a:ln>
               <a:noFill/>
             </a:ln>
@@ -16208,8 +15494,7 @@
           <a:buSzTx/>
           <a:buFontTx/>
           <a:buNone/>
-          <a:tabLst/>
-          <a:defRPr b="0" baseline="0" cap="none" i="0" spc="0" strike="noStrike" sz="1800" u="none" kumimoji="0" normalizeH="0">
+          <a:defRPr kumimoji="0" sz="1800" b="0" i="0" u="none" strike="noStrike" cap="none" spc="0" normalizeH="0" baseline="0">
             <a:ln>
               <a:noFill/>
             </a:ln>
@@ -16222,9 +15507,15 @@
         </a:lvl9pPr>
       </a:lstStyle>
       <a:style>
-        <a:lnRef idx="0"/>
-        <a:fillRef idx="0"/>
-        <a:effectRef idx="0"/>
+        <a:lnRef idx="0">
+          <a:srgbClr val="FFFFFF"/>
+        </a:lnRef>
+        <a:fillRef idx="0">
+          <a:srgbClr val="FFFFFF"/>
+        </a:fillRef>
+        <a:effectRef idx="0">
+          <a:srgbClr val="FFFFFF"/>
+        </a:effectRef>
         <a:fontRef idx="none"/>
       </a:style>
     </a:lnDef>
@@ -16235,8 +15526,6 @@
           <a:noFill/>
           <a:miter lim="400000"/>
         </a:ln>
-        <a:effectLst/>
-        <a:sp3d/>
       </a:spPr>
       <a:bodyPr rot="0" spcFirstLastPara="1" vertOverflow="overflow" horzOverflow="overflow" vert="horz" wrap="square" lIns="0" tIns="0" rIns="0" bIns="0" numCol="1" spcCol="38100" rtlCol="0" anchor="t" upright="0">
         <a:spAutoFit/>
@@ -16256,8 +15545,7 @@
           <a:buSzTx/>
           <a:buFontTx/>
           <a:buNone/>
-          <a:tabLst/>
-          <a:defRPr b="0" baseline="0" cap="none" i="0" spc="0" strike="noStrike" sz="2400" u="none" kumimoji="0" normalizeH="0">
+          <a:defRPr kumimoji="0" sz="2400" b="0" i="0" u="none" strike="noStrike" cap="none" spc="0" normalizeH="0" baseline="0">
             <a:ln>
               <a:noFill/>
             </a:ln>
@@ -16266,10 +15554,10 @@
             </a:solidFill>
             <a:effectLst/>
             <a:uFillTx/>
-            <a:latin typeface="Arial"/>
-            <a:ea typeface="Arial"/>
-            <a:cs typeface="Arial"/>
-            <a:sym typeface="Arial"/>
+            <a:latin typeface="Arial" panose="020B0604020202020204"/>
+            <a:ea typeface="Arial" panose="020B0604020202020204"/>
+            <a:cs typeface="Arial" panose="020B0604020202020204"/>
+            <a:sym typeface="Arial" panose="020B0604020202020204"/>
           </a:defRPr>
         </a:defPPr>
         <a:lvl1pPr marL="0" marR="0" indent="0" algn="l" defTabSz="914400" rtl="0" fontAlgn="auto" latinLnBrk="1" hangingPunct="0">
@@ -16286,8 +15574,7 @@
           <a:buSzTx/>
           <a:buFontTx/>
           <a:buNone/>
-          <a:tabLst/>
-          <a:defRPr b="0" baseline="0" cap="none" i="0" spc="0" strike="noStrike" sz="1800" u="none" kumimoji="0" normalizeH="0">
+          <a:defRPr kumimoji="0" sz="1800" b="0" i="0" u="none" strike="noStrike" cap="none" spc="0" normalizeH="0" baseline="0">
             <a:ln>
               <a:noFill/>
             </a:ln>
@@ -16312,8 +15599,7 @@
           <a:buSzTx/>
           <a:buFontTx/>
           <a:buNone/>
-          <a:tabLst/>
-          <a:defRPr b="0" baseline="0" cap="none" i="0" spc="0" strike="noStrike" sz="1800" u="none" kumimoji="0" normalizeH="0">
+          <a:defRPr kumimoji="0" sz="1800" b="0" i="0" u="none" strike="noStrike" cap="none" spc="0" normalizeH="0" baseline="0">
             <a:ln>
               <a:noFill/>
             </a:ln>
@@ -16338,8 +15624,7 @@
           <a:buSzTx/>
           <a:buFontTx/>
           <a:buNone/>
-          <a:tabLst/>
-          <a:defRPr b="0" baseline="0" cap="none" i="0" spc="0" strike="noStrike" sz="1800" u="none" kumimoji="0" normalizeH="0">
+          <a:defRPr kumimoji="0" sz="1800" b="0" i="0" u="none" strike="noStrike" cap="none" spc="0" normalizeH="0" baseline="0">
             <a:ln>
               <a:noFill/>
             </a:ln>
@@ -16364,8 +15649,7 @@
           <a:buSzTx/>
           <a:buFontTx/>
           <a:buNone/>
-          <a:tabLst/>
-          <a:defRPr b="0" baseline="0" cap="none" i="0" spc="0" strike="noStrike" sz="1800" u="none" kumimoji="0" normalizeH="0">
+          <a:defRPr kumimoji="0" sz="1800" b="0" i="0" u="none" strike="noStrike" cap="none" spc="0" normalizeH="0" baseline="0">
             <a:ln>
               <a:noFill/>
             </a:ln>
@@ -16390,8 +15674,7 @@
           <a:buSzTx/>
           <a:buFontTx/>
           <a:buNone/>
-          <a:tabLst/>
-          <a:defRPr b="0" baseline="0" cap="none" i="0" spc="0" strike="noStrike" sz="1800" u="none" kumimoji="0" normalizeH="0">
+          <a:defRPr kumimoji="0" sz="1800" b="0" i="0" u="none" strike="noStrike" cap="none" spc="0" normalizeH="0" baseline="0">
             <a:ln>
               <a:noFill/>
             </a:ln>
@@ -16416,8 +15699,7 @@
           <a:buSzTx/>
           <a:buFontTx/>
           <a:buNone/>
-          <a:tabLst/>
-          <a:defRPr b="0" baseline="0" cap="none" i="0" spc="0" strike="noStrike" sz="1800" u="none" kumimoji="0" normalizeH="0">
+          <a:defRPr kumimoji="0" sz="1800" b="0" i="0" u="none" strike="noStrike" cap="none" spc="0" normalizeH="0" baseline="0">
             <a:ln>
               <a:noFill/>
             </a:ln>
@@ -16442,8 +15724,7 @@
           <a:buSzTx/>
           <a:buFontTx/>
           <a:buNone/>
-          <a:tabLst/>
-          <a:defRPr b="0" baseline="0" cap="none" i="0" spc="0" strike="noStrike" sz="1800" u="none" kumimoji="0" normalizeH="0">
+          <a:defRPr kumimoji="0" sz="1800" b="0" i="0" u="none" strike="noStrike" cap="none" spc="0" normalizeH="0" baseline="0">
             <a:ln>
               <a:noFill/>
             </a:ln>
@@ -16468,8 +15749,7 @@
           <a:buSzTx/>
           <a:buFontTx/>
           <a:buNone/>
-          <a:tabLst/>
-          <a:defRPr b="0" baseline="0" cap="none" i="0" spc="0" strike="noStrike" sz="1800" u="none" kumimoji="0" normalizeH="0">
+          <a:defRPr kumimoji="0" sz="1800" b="0" i="0" u="none" strike="noStrike" cap="none" spc="0" normalizeH="0" baseline="0">
             <a:ln>
               <a:noFill/>
             </a:ln>
@@ -16494,8 +15774,7 @@
           <a:buSzTx/>
           <a:buFontTx/>
           <a:buNone/>
-          <a:tabLst/>
-          <a:defRPr b="0" baseline="0" cap="none" i="0" spc="0" strike="noStrike" sz="1800" u="none" kumimoji="0" normalizeH="0">
+          <a:defRPr kumimoji="0" sz="1800" b="0" i="0" u="none" strike="noStrike" cap="none" spc="0" normalizeH="0" baseline="0">
             <a:ln>
               <a:noFill/>
             </a:ln>
@@ -16508,18 +15787,29 @@
         </a:lvl9pPr>
       </a:lstStyle>
       <a:style>
-        <a:lnRef idx="0"/>
-        <a:fillRef idx="0"/>
-        <a:effectRef idx="0"/>
+        <a:lnRef idx="0">
+          <a:srgbClr val="FFFFFF"/>
+        </a:lnRef>
+        <a:fillRef idx="0">
+          <a:srgbClr val="FFFFFF"/>
+        </a:fillRef>
+        <a:effectRef idx="0">
+          <a:srgbClr val="FFFFFF"/>
+        </a:effectRef>
         <a:fontRef idx="none"/>
       </a:style>
     </a:txDef>
   </a:objectDefaults>
+  <a:extLst>
+    <a:ext uri="{05A4C25C-085E-4340-85A3-A5531E510DB2}">
+      <thm15:themeFamily xmlns:thm15="http://schemas.microsoft.com/office/thememl/2012/main" name="Office Theme" id="{62F939B6-93AF-4DB8-9C6B-D6C7DFDC589F}" vid="{4A3C46E8-61CC-4603-A589-7422A47A8E4A}"/>
+    </a:ext>
+  </a:extLst>
 </a:theme>
 </file>
 
 <file path=ppt/theme/theme2.xml><?xml version="1.0" encoding="utf-8"?>
-<a:theme xmlns:a="http://schemas.openxmlformats.org/drawingml/2006/main" xmlns:r="http://schemas.openxmlformats.org/officeDocument/2006/relationships" name="默认设计模板">
+<a:theme xmlns:a="http://schemas.openxmlformats.org/drawingml/2006/main" name="默认设计模板">
   <a:themeElements>
     <a:clrScheme name="默认设计模板">
       <a:dk1>
@@ -16720,8 +16010,6 @@
           <a:prstDash val="solid"/>
           <a:miter lim="800000"/>
         </a:ln>
-        <a:effectLst/>
-        <a:sp3d/>
       </a:spPr>
       <a:bodyPr rot="0" spcFirstLastPara="1" vertOverflow="overflow" horzOverflow="overflow" vert="horz" wrap="square" lIns="0" tIns="0" rIns="0" bIns="0" numCol="1" spcCol="38100" rtlCol="0" anchor="t" upright="0">
         <a:spAutoFit/>
@@ -16741,8 +16029,7 @@
           <a:buSzTx/>
           <a:buFontTx/>
           <a:buNone/>
-          <a:tabLst/>
-          <a:defRPr b="0" baseline="0" cap="none" i="0" spc="0" strike="noStrike" sz="1800" u="none" kumimoji="0" normalizeH="0">
+          <a:defRPr kumimoji="0" sz="1800" b="0" i="0" u="none" strike="noStrike" cap="none" spc="0" normalizeH="0" baseline="0">
             <a:ln>
               <a:noFill/>
             </a:ln>
@@ -16751,10 +16038,10 @@
             </a:solidFill>
             <a:effectLst/>
             <a:uFillTx/>
-            <a:latin typeface="Arial"/>
-            <a:ea typeface="Arial"/>
-            <a:cs typeface="Arial"/>
-            <a:sym typeface="Arial"/>
+            <a:latin typeface="Arial" panose="020B0604020202020204"/>
+            <a:ea typeface="Arial" panose="020B0604020202020204"/>
+            <a:cs typeface="Arial" panose="020B0604020202020204"/>
+            <a:sym typeface="Arial" panose="020B0604020202020204"/>
           </a:defRPr>
         </a:defPPr>
         <a:lvl1pPr marL="0" marR="0" indent="0" algn="l" defTabSz="914400" rtl="0" fontAlgn="auto" latinLnBrk="1" hangingPunct="0">
@@ -16771,8 +16058,7 @@
           <a:buSzTx/>
           <a:buFontTx/>
           <a:buNone/>
-          <a:tabLst/>
-          <a:defRPr b="0" baseline="0" cap="none" i="0" spc="0" strike="noStrike" sz="1800" u="none" kumimoji="0" normalizeH="0">
+          <a:defRPr kumimoji="0" sz="1800" b="0" i="0" u="none" strike="noStrike" cap="none" spc="0" normalizeH="0" baseline="0">
             <a:ln>
               <a:noFill/>
             </a:ln>
@@ -16797,8 +16083,7 @@
           <a:buSzTx/>
           <a:buFontTx/>
           <a:buNone/>
-          <a:tabLst/>
-          <a:defRPr b="0" baseline="0" cap="none" i="0" spc="0" strike="noStrike" sz="1800" u="none" kumimoji="0" normalizeH="0">
+          <a:defRPr kumimoji="0" sz="1800" b="0" i="0" u="none" strike="noStrike" cap="none" spc="0" normalizeH="0" baseline="0">
             <a:ln>
               <a:noFill/>
             </a:ln>
@@ -16823,8 +16108,7 @@
           <a:buSzTx/>
           <a:buFontTx/>
           <a:buNone/>
-          <a:tabLst/>
-          <a:defRPr b="0" baseline="0" cap="none" i="0" spc="0" strike="noStrike" sz="1800" u="none" kumimoji="0" normalizeH="0">
+          <a:defRPr kumimoji="0" sz="1800" b="0" i="0" u="none" strike="noStrike" cap="none" spc="0" normalizeH="0" baseline="0">
             <a:ln>
               <a:noFill/>
             </a:ln>
@@ -16849,8 +16133,7 @@
           <a:buSzTx/>
           <a:buFontTx/>
           <a:buNone/>
-          <a:tabLst/>
-          <a:defRPr b="0" baseline="0" cap="none" i="0" spc="0" strike="noStrike" sz="1800" u="none" kumimoji="0" normalizeH="0">
+          <a:defRPr kumimoji="0" sz="1800" b="0" i="0" u="none" strike="noStrike" cap="none" spc="0" normalizeH="0" baseline="0">
             <a:ln>
               <a:noFill/>
             </a:ln>
@@ -16875,8 +16158,7 @@
           <a:buSzTx/>
           <a:buFontTx/>
           <a:buNone/>
-          <a:tabLst/>
-          <a:defRPr b="0" baseline="0" cap="none" i="0" spc="0" strike="noStrike" sz="1800" u="none" kumimoji="0" normalizeH="0">
+          <a:defRPr kumimoji="0" sz="1800" b="0" i="0" u="none" strike="noStrike" cap="none" spc="0" normalizeH="0" baseline="0">
             <a:ln>
               <a:noFill/>
             </a:ln>
@@ -16901,8 +16183,7 @@
           <a:buSzTx/>
           <a:buFontTx/>
           <a:buNone/>
-          <a:tabLst/>
-          <a:defRPr b="0" baseline="0" cap="none" i="0" spc="0" strike="noStrike" sz="1800" u="none" kumimoji="0" normalizeH="0">
+          <a:defRPr kumimoji="0" sz="1800" b="0" i="0" u="none" strike="noStrike" cap="none" spc="0" normalizeH="0" baseline="0">
             <a:ln>
               <a:noFill/>
             </a:ln>
@@ -16927,8 +16208,7 @@
           <a:buSzTx/>
           <a:buFontTx/>
           <a:buNone/>
-          <a:tabLst/>
-          <a:defRPr b="0" baseline="0" cap="none" i="0" spc="0" strike="noStrike" sz="1800" u="none" kumimoji="0" normalizeH="0">
+          <a:defRPr kumimoji="0" sz="1800" b="0" i="0" u="none" strike="noStrike" cap="none" spc="0" normalizeH="0" baseline="0">
             <a:ln>
               <a:noFill/>
             </a:ln>
@@ -16953,8 +16233,7 @@
           <a:buSzTx/>
           <a:buFontTx/>
           <a:buNone/>
-          <a:tabLst/>
-          <a:defRPr b="0" baseline="0" cap="none" i="0" spc="0" strike="noStrike" sz="1800" u="none" kumimoji="0" normalizeH="0">
+          <a:defRPr kumimoji="0" sz="1800" b="0" i="0" u="none" strike="noStrike" cap="none" spc="0" normalizeH="0" baseline="0">
             <a:ln>
               <a:noFill/>
             </a:ln>
@@ -16979,8 +16258,7 @@
           <a:buSzTx/>
           <a:buFontTx/>
           <a:buNone/>
-          <a:tabLst/>
-          <a:defRPr b="0" baseline="0" cap="none" i="0" spc="0" strike="noStrike" sz="1800" u="none" kumimoji="0" normalizeH="0">
+          <a:defRPr kumimoji="0" sz="1800" b="0" i="0" u="none" strike="noStrike" cap="none" spc="0" normalizeH="0" baseline="0">
             <a:ln>
               <a:noFill/>
             </a:ln>
@@ -16993,9 +16271,15 @@
         </a:lvl9pPr>
       </a:lstStyle>
       <a:style>
-        <a:lnRef idx="0"/>
-        <a:fillRef idx="0"/>
-        <a:effectRef idx="0"/>
+        <a:lnRef idx="0">
+          <a:srgbClr val="FFFFFF"/>
+        </a:lnRef>
+        <a:fillRef idx="0">
+          <a:srgbClr val="FFFFFF"/>
+        </a:fillRef>
+        <a:effectRef idx="0">
+          <a:srgbClr val="FFFFFF"/>
+        </a:effectRef>
         <a:fontRef idx="none"/>
       </a:style>
     </a:spDef>
@@ -17009,8 +16293,6 @@
           <a:prstDash val="solid"/>
           <a:miter lim="800000"/>
         </a:ln>
-        <a:effectLst/>
-        <a:sp3d/>
       </a:spPr>
       <a:bodyPr rot="0" spcFirstLastPara="1" vertOverflow="overflow" horzOverflow="overflow" vert="horz" wrap="square" lIns="91439" tIns="45719" rIns="91439" bIns="45719" numCol="1" spcCol="38100" rtlCol="0" anchor="t" upright="0">
         <a:noAutofit/>
@@ -17030,8 +16312,7 @@
           <a:buSzTx/>
           <a:buFontTx/>
           <a:buNone/>
-          <a:tabLst/>
-          <a:defRPr b="0" baseline="0" cap="none" i="0" spc="0" strike="noStrike" sz="1800" u="none" kumimoji="0" normalizeH="0">
+          <a:defRPr kumimoji="0" sz="1800" b="0" i="0" u="none" strike="noStrike" cap="none" spc="0" normalizeH="0" baseline="0">
             <a:ln>
               <a:noFill/>
             </a:ln>
@@ -17056,8 +16337,7 @@
           <a:buSzTx/>
           <a:buFontTx/>
           <a:buNone/>
-          <a:tabLst/>
-          <a:defRPr b="0" baseline="0" cap="none" i="0" spc="0" strike="noStrike" sz="1800" u="none" kumimoji="0" normalizeH="0">
+          <a:defRPr kumimoji="0" sz="1800" b="0" i="0" u="none" strike="noStrike" cap="none" spc="0" normalizeH="0" baseline="0">
             <a:ln>
               <a:noFill/>
             </a:ln>
@@ -17082,8 +16362,7 @@
           <a:buSzTx/>
           <a:buFontTx/>
           <a:buNone/>
-          <a:tabLst/>
-          <a:defRPr b="0" baseline="0" cap="none" i="0" spc="0" strike="noStrike" sz="1800" u="none" kumimoji="0" normalizeH="0">
+          <a:defRPr kumimoji="0" sz="1800" b="0" i="0" u="none" strike="noStrike" cap="none" spc="0" normalizeH="0" baseline="0">
             <a:ln>
               <a:noFill/>
             </a:ln>
@@ -17108,8 +16387,7 @@
           <a:buSzTx/>
           <a:buFontTx/>
           <a:buNone/>
-          <a:tabLst/>
-          <a:defRPr b="0" baseline="0" cap="none" i="0" spc="0" strike="noStrike" sz="1800" u="none" kumimoji="0" normalizeH="0">
+          <a:defRPr kumimoji="0" sz="1800" b="0" i="0" u="none" strike="noStrike" cap="none" spc="0" normalizeH="0" baseline="0">
             <a:ln>
               <a:noFill/>
             </a:ln>
@@ -17134,8 +16412,7 @@
           <a:buSzTx/>
           <a:buFontTx/>
           <a:buNone/>
-          <a:tabLst/>
-          <a:defRPr b="0" baseline="0" cap="none" i="0" spc="0" strike="noStrike" sz="1800" u="none" kumimoji="0" normalizeH="0">
+          <a:defRPr kumimoji="0" sz="1800" b="0" i="0" u="none" strike="noStrike" cap="none" spc="0" normalizeH="0" baseline="0">
             <a:ln>
               <a:noFill/>
             </a:ln>
@@ -17160,8 +16437,7 @@
           <a:buSzTx/>
           <a:buFontTx/>
           <a:buNone/>
-          <a:tabLst/>
-          <a:defRPr b="0" baseline="0" cap="none" i="0" spc="0" strike="noStrike" sz="1800" u="none" kumimoji="0" normalizeH="0">
+          <a:defRPr kumimoji="0" sz="1800" b="0" i="0" u="none" strike="noStrike" cap="none" spc="0" normalizeH="0" baseline="0">
             <a:ln>
               <a:noFill/>
             </a:ln>
@@ -17186,8 +16462,7 @@
           <a:buSzTx/>
           <a:buFontTx/>
           <a:buNone/>
-          <a:tabLst/>
-          <a:defRPr b="0" baseline="0" cap="none" i="0" spc="0" strike="noStrike" sz="1800" u="none" kumimoji="0" normalizeH="0">
+          <a:defRPr kumimoji="0" sz="1800" b="0" i="0" u="none" strike="noStrike" cap="none" spc="0" normalizeH="0" baseline="0">
             <a:ln>
               <a:noFill/>
             </a:ln>
@@ -17212,8 +16487,7 @@
           <a:buSzTx/>
           <a:buFontTx/>
           <a:buNone/>
-          <a:tabLst/>
-          <a:defRPr b="0" baseline="0" cap="none" i="0" spc="0" strike="noStrike" sz="1800" u="none" kumimoji="0" normalizeH="0">
+          <a:defRPr kumimoji="0" sz="1800" b="0" i="0" u="none" strike="noStrike" cap="none" spc="0" normalizeH="0" baseline="0">
             <a:ln>
               <a:noFill/>
             </a:ln>
@@ -17238,8 +16512,7 @@
           <a:buSzTx/>
           <a:buFontTx/>
           <a:buNone/>
-          <a:tabLst/>
-          <a:defRPr b="0" baseline="0" cap="none" i="0" spc="0" strike="noStrike" sz="1800" u="none" kumimoji="0" normalizeH="0">
+          <a:defRPr kumimoji="0" sz="1800" b="0" i="0" u="none" strike="noStrike" cap="none" spc="0" normalizeH="0" baseline="0">
             <a:ln>
               <a:noFill/>
             </a:ln>
@@ -17264,8 +16537,7 @@
           <a:buSzTx/>
           <a:buFontTx/>
           <a:buNone/>
-          <a:tabLst/>
-          <a:defRPr b="0" baseline="0" cap="none" i="0" spc="0" strike="noStrike" sz="1800" u="none" kumimoji="0" normalizeH="0">
+          <a:defRPr kumimoji="0" sz="1800" b="0" i="0" u="none" strike="noStrike" cap="none" spc="0" normalizeH="0" baseline="0">
             <a:ln>
               <a:noFill/>
             </a:ln>
@@ -17278,9 +16550,15 @@
         </a:lvl9pPr>
       </a:lstStyle>
       <a:style>
-        <a:lnRef idx="0"/>
-        <a:fillRef idx="0"/>
-        <a:effectRef idx="0"/>
+        <a:lnRef idx="0">
+          <a:srgbClr val="FFFFFF"/>
+        </a:lnRef>
+        <a:fillRef idx="0">
+          <a:srgbClr val="FFFFFF"/>
+        </a:fillRef>
+        <a:effectRef idx="0">
+          <a:srgbClr val="FFFFFF"/>
+        </a:effectRef>
         <a:fontRef idx="none"/>
       </a:style>
     </a:lnDef>
@@ -17291,8 +16569,6 @@
           <a:noFill/>
           <a:miter lim="400000"/>
         </a:ln>
-        <a:effectLst/>
-        <a:sp3d/>
       </a:spPr>
       <a:bodyPr rot="0" spcFirstLastPara="1" vertOverflow="overflow" horzOverflow="overflow" vert="horz" wrap="square" lIns="0" tIns="0" rIns="0" bIns="0" numCol="1" spcCol="38100" rtlCol="0" anchor="t" upright="0">
         <a:spAutoFit/>
@@ -17312,8 +16588,7 @@
           <a:buSzTx/>
           <a:buFontTx/>
           <a:buNone/>
-          <a:tabLst/>
-          <a:defRPr b="0" baseline="0" cap="none" i="0" spc="0" strike="noStrike" sz="2400" u="none" kumimoji="0" normalizeH="0">
+          <a:defRPr kumimoji="0" sz="2400" b="0" i="0" u="none" strike="noStrike" cap="none" spc="0" normalizeH="0" baseline="0">
             <a:ln>
               <a:noFill/>
             </a:ln>
@@ -17322,10 +16597,10 @@
             </a:solidFill>
             <a:effectLst/>
             <a:uFillTx/>
-            <a:latin typeface="Arial"/>
-            <a:ea typeface="Arial"/>
-            <a:cs typeface="Arial"/>
-            <a:sym typeface="Arial"/>
+            <a:latin typeface="Arial" panose="020B0604020202020204"/>
+            <a:ea typeface="Arial" panose="020B0604020202020204"/>
+            <a:cs typeface="Arial" panose="020B0604020202020204"/>
+            <a:sym typeface="Arial" panose="020B0604020202020204"/>
           </a:defRPr>
         </a:defPPr>
         <a:lvl1pPr marL="0" marR="0" indent="0" algn="l" defTabSz="914400" rtl="0" fontAlgn="auto" latinLnBrk="1" hangingPunct="0">
@@ -17342,8 +16617,7 @@
           <a:buSzTx/>
           <a:buFontTx/>
           <a:buNone/>
-          <a:tabLst/>
-          <a:defRPr b="0" baseline="0" cap="none" i="0" spc="0" strike="noStrike" sz="1800" u="none" kumimoji="0" normalizeH="0">
+          <a:defRPr kumimoji="0" sz="1800" b="0" i="0" u="none" strike="noStrike" cap="none" spc="0" normalizeH="0" baseline="0">
             <a:ln>
               <a:noFill/>
             </a:ln>
@@ -17368,8 +16642,7 @@
           <a:buSzTx/>
           <a:buFontTx/>
           <a:buNone/>
-          <a:tabLst/>
-          <a:defRPr b="0" baseline="0" cap="none" i="0" spc="0" strike="noStrike" sz="1800" u="none" kumimoji="0" normalizeH="0">
+          <a:defRPr kumimoji="0" sz="1800" b="0" i="0" u="none" strike="noStrike" cap="none" spc="0" normalizeH="0" baseline="0">
             <a:ln>
               <a:noFill/>
             </a:ln>
@@ -17394,8 +16667,7 @@
           <a:buSzTx/>
           <a:buFontTx/>
           <a:buNone/>
-          <a:tabLst/>
-          <a:defRPr b="0" baseline="0" cap="none" i="0" spc="0" strike="noStrike" sz="1800" u="none" kumimoji="0" normalizeH="0">
+          <a:defRPr kumimoji="0" sz="1800" b="0" i="0" u="none" strike="noStrike" cap="none" spc="0" normalizeH="0" baseline="0">
             <a:ln>
               <a:noFill/>
             </a:ln>
@@ -17420,8 +16692,7 @@
           <a:buSzTx/>
           <a:buFontTx/>
           <a:buNone/>
-          <a:tabLst/>
-          <a:defRPr b="0" baseline="0" cap="none" i="0" spc="0" strike="noStrike" sz="1800" u="none" kumimoji="0" normalizeH="0">
+          <a:defRPr kumimoji="0" sz="1800" b="0" i="0" u="none" strike="noStrike" cap="none" spc="0" normalizeH="0" baseline="0">
             <a:ln>
               <a:noFill/>
             </a:ln>
@@ -17446,8 +16717,7 @@
           <a:buSzTx/>
           <a:buFontTx/>
           <a:buNone/>
-          <a:tabLst/>
-          <a:defRPr b="0" baseline="0" cap="none" i="0" spc="0" strike="noStrike" sz="1800" u="none" kumimoji="0" normalizeH="0">
+          <a:defRPr kumimoji="0" sz="1800" b="0" i="0" u="none" strike="noStrike" cap="none" spc="0" normalizeH="0" baseline="0">
             <a:ln>
               <a:noFill/>
             </a:ln>
@@ -17472,8 +16742,7 @@
           <a:buSzTx/>
           <a:buFontTx/>
           <a:buNone/>
-          <a:tabLst/>
-          <a:defRPr b="0" baseline="0" cap="none" i="0" spc="0" strike="noStrike" sz="1800" u="none" kumimoji="0" normalizeH="0">
+          <a:defRPr kumimoji="0" sz="1800" b="0" i="0" u="none" strike="noStrike" cap="none" spc="0" normalizeH="0" baseline="0">
             <a:ln>
               <a:noFill/>
             </a:ln>
@@ -17498,8 +16767,7 @@
           <a:buSzTx/>
           <a:buFontTx/>
           <a:buNone/>
-          <a:tabLst/>
-          <a:defRPr b="0" baseline="0" cap="none" i="0" spc="0" strike="noStrike" sz="1800" u="none" kumimoji="0" normalizeH="0">
+          <a:defRPr kumimoji="0" sz="1800" b="0" i="0" u="none" strike="noStrike" cap="none" spc="0" normalizeH="0" baseline="0">
             <a:ln>
               <a:noFill/>
             </a:ln>
@@ -17524,8 +16792,7 @@
           <a:buSzTx/>
           <a:buFontTx/>
           <a:buNone/>
-          <a:tabLst/>
-          <a:defRPr b="0" baseline="0" cap="none" i="0" spc="0" strike="noStrike" sz="1800" u="none" kumimoji="0" normalizeH="0">
+          <a:defRPr kumimoji="0" sz="1800" b="0" i="0" u="none" strike="noStrike" cap="none" spc="0" normalizeH="0" baseline="0">
             <a:ln>
               <a:noFill/>
             </a:ln>
@@ -17550,8 +16817,7 @@
           <a:buSzTx/>
           <a:buFontTx/>
           <a:buNone/>
-          <a:tabLst/>
-          <a:defRPr b="0" baseline="0" cap="none" i="0" spc="0" strike="noStrike" sz="1800" u="none" kumimoji="0" normalizeH="0">
+          <a:defRPr kumimoji="0" sz="1800" b="0" i="0" u="none" strike="noStrike" cap="none" spc="0" normalizeH="0" baseline="0">
             <a:ln>
               <a:noFill/>
             </a:ln>
@@ -17564,12 +16830,23 @@
         </a:lvl9pPr>
       </a:lstStyle>
       <a:style>
-        <a:lnRef idx="0"/>
-        <a:fillRef idx="0"/>
-        <a:effectRef idx="0"/>
+        <a:lnRef idx="0">
+          <a:srgbClr val="FFFFFF"/>
+        </a:lnRef>
+        <a:fillRef idx="0">
+          <a:srgbClr val="FFFFFF"/>
+        </a:fillRef>
+        <a:effectRef idx="0">
+          <a:srgbClr val="FFFFFF"/>
+        </a:effectRef>
         <a:fontRef idx="none"/>
       </a:style>
     </a:txDef>
   </a:objectDefaults>
+  <a:extLst>
+    <a:ext uri="{05A4C25C-085E-4340-85A3-A5531E510DB2}">
+      <thm15:themeFamily xmlns:thm15="http://schemas.microsoft.com/office/thememl/2012/main" name="Office Theme" id="{62F939B6-93AF-4DB8-9C6B-D6C7DFDC589F}" vid="{4A3C46E8-61CC-4603-A589-7422A47A8E4A}"/>
+    </a:ext>
+  </a:extLst>
 </a:theme>
 </file>